--- a/8.0_Machine Learning/ml_class/ml_class_notes/class_3_Logistic_regression_class.pptx
+++ b/8.0_Machine Learning/ml_class/ml_class_notes/class_3_Logistic_regression_class.pptx
@@ -21,17 +21,18 @@
     <p:sldId id="300" r:id="rId16"/>
     <p:sldId id="305" r:id="rId17"/>
     <p:sldId id="287" r:id="rId18"/>
-    <p:sldId id="289" r:id="rId19"/>
-    <p:sldId id="304" r:id="rId20"/>
-    <p:sldId id="303" r:id="rId21"/>
-    <p:sldId id="306" r:id="rId22"/>
-    <p:sldId id="307" r:id="rId23"/>
-    <p:sldId id="291" r:id="rId24"/>
-    <p:sldId id="292" r:id="rId25"/>
-    <p:sldId id="308" r:id="rId26"/>
-    <p:sldId id="309" r:id="rId27"/>
-    <p:sldId id="310" r:id="rId28"/>
-    <p:sldId id="293" r:id="rId29"/>
+    <p:sldId id="311" r:id="rId19"/>
+    <p:sldId id="289" r:id="rId20"/>
+    <p:sldId id="304" r:id="rId21"/>
+    <p:sldId id="303" r:id="rId22"/>
+    <p:sldId id="306" r:id="rId23"/>
+    <p:sldId id="307" r:id="rId24"/>
+    <p:sldId id="291" r:id="rId25"/>
+    <p:sldId id="292" r:id="rId26"/>
+    <p:sldId id="308" r:id="rId27"/>
+    <p:sldId id="309" r:id="rId28"/>
+    <p:sldId id="310" r:id="rId29"/>
+    <p:sldId id="293" r:id="rId30"/>
   </p:sldIdLst>
   <p:sldSz cx="12192000" cy="6858000"/>
   <p:notesSz cx="6858000" cy="9144000"/>
@@ -8854,7 +8855,7 @@
         </p:blipFill>
         <p:spPr bwMode="auto">
           <a:xfrm>
-            <a:off x="1228725" y="1747838"/>
+            <a:off x="1750695" y="1633538"/>
             <a:ext cx="9734550" cy="3362325"/>
           </a:xfrm>
           <a:prstGeom prst="rect">
@@ -10220,6 +10221,48 @@
         <p:cNvGrpSpPr/>
         <p:nvPr/>
       </p:nvGrpSpPr>
+      <p:grpSpPr/>
+      <p:pic>
+        <p:nvPicPr>
+          <p:cNvPr id="4" name="Picture 3" descr="type-1-and-2-errors"/>
+          <p:cNvPicPr>
+            <a:picLocks noChangeAspect="1"/>
+          </p:cNvPicPr>
+          <p:nvPr/>
+        </p:nvPicPr>
+        <p:blipFill>
+          <a:blip r:embed="rId1"/>
+          <a:stretch>
+            <a:fillRect/>
+          </a:stretch>
+        </p:blipFill>
+        <p:spPr>
+          <a:xfrm>
+            <a:off x="2030095" y="0"/>
+            <a:ext cx="8411845" cy="6210935"/>
+          </a:xfrm>
+          <a:prstGeom prst="rect">
+            <a:avLst/>
+          </a:prstGeom>
+        </p:spPr>
+      </p:pic>
+    </p:spTree>
+  </p:cSld>
+  <p:clrMapOvr>
+    <a:masterClrMapping/>
+  </p:clrMapOvr>
+</p:sld>
+</file>
+
+<file path=ppt/slides/slide18.xml><?xml version="1.0" encoding="utf-8"?>
+<p:sld xmlns:a="http://schemas.openxmlformats.org/drawingml/2006/main" xmlns:r="http://schemas.openxmlformats.org/officeDocument/2006/relationships" xmlns:p="http://schemas.openxmlformats.org/presentationml/2006/main">
+  <p:cSld>
+    <p:spTree>
+      <p:nvGrpSpPr>
+        <p:cNvPr id="1" name=""/>
+        <p:cNvGrpSpPr/>
+        <p:nvPr/>
+      </p:nvGrpSpPr>
       <p:grpSpPr>
         <a:xfrm>
           <a:off x="0" y="0"/>
@@ -10791,7 +10834,7 @@
 </p:sld>
 </file>
 
-<file path=ppt/slides/slide18.xml><?xml version="1.0" encoding="utf-8"?>
+<file path=ppt/slides/slide19.xml><?xml version="1.0" encoding="utf-8"?>
 <p:sld xmlns:a="http://schemas.openxmlformats.org/drawingml/2006/main" xmlns:r="http://schemas.openxmlformats.org/officeDocument/2006/relationships" xmlns:p="http://schemas.openxmlformats.org/presentationml/2006/main">
   <p:cSld>
     <p:spTree>
@@ -11072,601 +11115,6 @@
           </a:p>
         </p:txBody>
       </p:sp>
-    </p:spTree>
-  </p:cSld>
-  <p:clrMapOvr>
-    <a:masterClrMapping/>
-  </p:clrMapOvr>
-</p:sld>
-</file>
-
-<file path=ppt/slides/slide19.xml><?xml version="1.0" encoding="utf-8"?>
-<p:sld xmlns:a="http://schemas.openxmlformats.org/drawingml/2006/main" xmlns:r="http://schemas.openxmlformats.org/officeDocument/2006/relationships" xmlns:p="http://schemas.openxmlformats.org/presentationml/2006/main">
-  <p:cSld>
-    <p:spTree>
-      <p:nvGrpSpPr>
-        <p:cNvPr id="1" name=""/>
-        <p:cNvGrpSpPr/>
-        <p:nvPr/>
-      </p:nvGrpSpPr>
-      <p:grpSpPr/>
-      <p:sp>
-        <p:nvSpPr>
-          <p:cNvPr id="15" name="TextBox 14"/>
-          <p:cNvSpPr txBox="1"/>
-          <p:nvPr/>
-        </p:nvSpPr>
-        <p:spPr>
-          <a:xfrm>
-            <a:off x="184785" y="146050"/>
-            <a:ext cx="3153410" cy="368300"/>
-          </a:xfrm>
-          <a:prstGeom prst="rect">
-            <a:avLst/>
-          </a:prstGeom>
-          <a:noFill/>
-        </p:spPr>
-        <p:txBody>
-          <a:bodyPr wrap="square">
-            <a:spAutoFit/>
-          </a:bodyPr>
-          <a:p>
-            <a:pPr algn="l"/>
-            <a:r>
-              <a:rPr lang="en-IN" b="1" i="0" dirty="0">
-                <a:solidFill>
-                  <a:srgbClr val="FF0000"/>
-                </a:solidFill>
-                <a:effectLst/>
-                <a:latin typeface="montserrat" panose="00000500000000000000" pitchFamily="2" charset="0"/>
-              </a:rPr>
-              <a:t>IV. Recall or Sensitivity</a:t>
-            </a:r>
-            <a:endParaRPr lang="en-IN" b="1" i="0" dirty="0">
-              <a:solidFill>
-                <a:srgbClr val="FF0000"/>
-              </a:solidFill>
-              <a:effectLst/>
-              <a:latin typeface="montserrat" panose="00000500000000000000" pitchFamily="2" charset="0"/>
-            </a:endParaRPr>
-          </a:p>
-        </p:txBody>
-      </p:sp>
-      <p:sp>
-        <p:nvSpPr>
-          <p:cNvPr id="17" name="TextBox 16"/>
-          <p:cNvSpPr txBox="1"/>
-          <p:nvPr/>
-        </p:nvSpPr>
-        <p:spPr>
-          <a:xfrm>
-            <a:off x="254635" y="592455"/>
-            <a:ext cx="7958455" cy="1198880"/>
-          </a:xfrm>
-          <a:prstGeom prst="rect">
-            <a:avLst/>
-          </a:prstGeom>
-          <a:noFill/>
-        </p:spPr>
-        <p:txBody>
-          <a:bodyPr wrap="square">
-            <a:spAutoFit/>
-          </a:bodyPr>
-          <a:p>
-            <a:r>
-              <a:rPr lang="en-US" altLang="en-US" dirty="0"/>
-              <a:t>recall is a metric that measures the ability of a model to correctly identify all relevant instances (true positives) within a dataset. It focuses on minimizing false negatives, meaning the model is evaluated on how well it finds all the positive cases, even if it might also include some false positives. </a:t>
-            </a:r>
-            <a:endParaRPr lang="en-US" altLang="en-US" dirty="0"/>
-          </a:p>
-        </p:txBody>
-      </p:sp>
-      <p:pic>
-        <p:nvPicPr>
-          <p:cNvPr id="6152" name="Picture 8" descr="Performance Metrics in Machine Learning"/>
-          <p:cNvPicPr>
-            <a:picLocks noChangeAspect="1" noChangeArrowheads="1"/>
-          </p:cNvPicPr>
-          <p:nvPr/>
-        </p:nvPicPr>
-        <p:blipFill>
-          <a:blip r:embed="rId1">
-            <a:extLst>
-              <a:ext uri="{28A0092B-C50C-407E-A947-70E740481C1C}">
-                <a14:useLocalDpi xmlns:a14="http://schemas.microsoft.com/office/drawing/2010/main" val="0"/>
-              </a:ext>
-            </a:extLst>
-          </a:blip>
-          <a:srcRect/>
-          <a:stretch>
-            <a:fillRect/>
-          </a:stretch>
-        </p:blipFill>
-        <p:spPr bwMode="auto">
-          <a:xfrm>
-            <a:off x="3591077" y="-207"/>
-            <a:ext cx="4621903" cy="645107"/>
-          </a:xfrm>
-          <a:prstGeom prst="rect">
-            <a:avLst/>
-          </a:prstGeom>
-          <a:noFill/>
-          <a:extLst>
-            <a:ext uri="{909E8E84-426E-40DD-AFC4-6F175D3DCCD1}">
-              <a14:hiddenFill xmlns:a14="http://schemas.microsoft.com/office/drawing/2010/main">
-                <a:solidFill>
-                  <a:srgbClr val="FFFFFF"/>
-                </a:solidFill>
-              </a14:hiddenFill>
-            </a:ext>
-          </a:extLst>
-        </p:spPr>
-      </p:pic>
-      <p:sp>
-        <p:nvSpPr>
-          <p:cNvPr id="2" name="Text Box 1"/>
-          <p:cNvSpPr txBox="1"/>
-          <p:nvPr/>
-        </p:nvSpPr>
-        <p:spPr>
-          <a:xfrm>
-            <a:off x="380365" y="1951355"/>
-            <a:ext cx="11184255" cy="4374515"/>
-          </a:xfrm>
-          <a:prstGeom prst="rect">
-            <a:avLst/>
-          </a:prstGeom>
-        </p:spPr>
-        <p:txBody>
-          <a:bodyPr wrap="square">
-            <a:spAutoFit/>
-          </a:bodyPr>
-          <a:p>
-            <a:pPr marL="0" indent="0">
-              <a:lnSpc>
-                <a:spcPct val="100000"/>
-              </a:lnSpc>
-              <a:spcBef>
-                <a:spcPts val="1000"/>
-              </a:spcBef>
-              <a:spcAft>
-                <a:spcPts val="500"/>
-              </a:spcAft>
-            </a:pPr>
-            <a:r>
-              <a:rPr b="0" i="0">
-                <a:solidFill>
-                  <a:srgbClr val="001D35"/>
-                </a:solidFill>
-                <a:latin typeface="Arial" panose="020B0604020202020204" pitchFamily="34" charset="0"/>
-                <a:ea typeface="Google Sans"/>
-                <a:cs typeface="Arial" panose="020B0604020202020204" pitchFamily="34" charset="0"/>
-              </a:rPr>
-              <a:t>Here's a breakdown:</a:t>
-            </a:r>
-            <a:endParaRPr b="0" i="0">
-              <a:solidFill>
-                <a:srgbClr val="001D35"/>
-              </a:solidFill>
-              <a:latin typeface="Arial" panose="020B0604020202020204" pitchFamily="34" charset="0"/>
-              <a:ea typeface="Google Sans"/>
-              <a:cs typeface="Arial" panose="020B0604020202020204" pitchFamily="34" charset="0"/>
-            </a:endParaRPr>
-          </a:p>
-          <a:p>
-            <a:pPr marL="457200" lvl="1" indent="0">
-              <a:lnSpc>
-                <a:spcPct val="100000"/>
-              </a:lnSpc>
-              <a:spcBef>
-                <a:spcPct val="0"/>
-              </a:spcBef>
-              <a:spcAft>
-                <a:spcPts val="400"/>
-              </a:spcAft>
-              <a:buFont typeface="Arial" panose="020B0604020202020204"/>
-              <a:buChar char="•"/>
-            </a:pPr>
-            <a:r>
-              <a:rPr sz="1600" b="1" i="0">
-                <a:solidFill>
-                  <a:srgbClr val="001D35"/>
-                </a:solidFill>
-                <a:latin typeface="Arial" panose="020B0604020202020204" pitchFamily="34" charset="0"/>
-                <a:ea typeface="Google Sans"/>
-                <a:cs typeface="Arial" panose="020B0604020202020204" pitchFamily="34" charset="0"/>
-              </a:rPr>
-              <a:t>True Positives (TP):</a:t>
-            </a:r>
-            <a:r>
-              <a:rPr sz="1600" b="0" i="0">
-                <a:solidFill>
-                  <a:srgbClr val="001D35"/>
-                </a:solidFill>
-                <a:latin typeface="Arial" panose="020B0604020202020204" pitchFamily="34" charset="0"/>
-                <a:ea typeface="Google Sans"/>
-                <a:cs typeface="Arial" panose="020B0604020202020204" pitchFamily="34" charset="0"/>
-              </a:rPr>
-              <a:t> The model correctly identifies positive cases. </a:t>
-            </a:r>
-            <a:endParaRPr sz="1600" b="0" i="0">
-              <a:solidFill>
-                <a:srgbClr val="001D35"/>
-              </a:solidFill>
-              <a:latin typeface="Arial" panose="020B0604020202020204" pitchFamily="34" charset="0"/>
-              <a:ea typeface="Google Sans"/>
-              <a:cs typeface="Arial" panose="020B0604020202020204" pitchFamily="34" charset="0"/>
-            </a:endParaRPr>
-          </a:p>
-          <a:p>
-            <a:pPr marL="457200" lvl="1" indent="0">
-              <a:lnSpc>
-                <a:spcPct val="100000"/>
-              </a:lnSpc>
-              <a:spcBef>
-                <a:spcPct val="0"/>
-              </a:spcBef>
-              <a:spcAft>
-                <a:spcPts val="400"/>
-              </a:spcAft>
-              <a:buFont typeface="Arial" panose="020B0604020202020204"/>
-              <a:buChar char="•"/>
-            </a:pPr>
-            <a:r>
-              <a:rPr sz="1600" b="1" i="0">
-                <a:solidFill>
-                  <a:srgbClr val="001D35"/>
-                </a:solidFill>
-                <a:latin typeface="Arial" panose="020B0604020202020204" pitchFamily="34" charset="0"/>
-                <a:ea typeface="Google Sans"/>
-                <a:cs typeface="Arial" panose="020B0604020202020204" pitchFamily="34" charset="0"/>
-              </a:rPr>
-              <a:t>False Negatives (FN): </a:t>
-            </a:r>
-            <a:r>
-              <a:rPr sz="1600" b="0" i="0">
-                <a:solidFill>
-                  <a:srgbClr val="001D35"/>
-                </a:solidFill>
-                <a:latin typeface="Arial" panose="020B0604020202020204" pitchFamily="34" charset="0"/>
-                <a:ea typeface="Google Sans"/>
-                <a:cs typeface="Arial" panose="020B0604020202020204" pitchFamily="34" charset="0"/>
-              </a:rPr>
-              <a:t>The model incorrectly identifies positive cases as negative. </a:t>
-            </a:r>
-            <a:endParaRPr sz="1600" b="0" i="0">
-              <a:solidFill>
-                <a:srgbClr val="001D35"/>
-              </a:solidFill>
-              <a:latin typeface="Arial" panose="020B0604020202020204" pitchFamily="34" charset="0"/>
-              <a:ea typeface="Google Sans"/>
-              <a:cs typeface="Arial" panose="020B0604020202020204" pitchFamily="34" charset="0"/>
-            </a:endParaRPr>
-          </a:p>
-          <a:p>
-            <a:pPr marL="457200" lvl="1" indent="0">
-              <a:lnSpc>
-                <a:spcPct val="100000"/>
-              </a:lnSpc>
-              <a:spcBef>
-                <a:spcPct val="0"/>
-              </a:spcBef>
-              <a:spcAft>
-                <a:spcPts val="400"/>
-              </a:spcAft>
-              <a:buFont typeface="Arial" panose="020B0604020202020204"/>
-              <a:buChar char="•"/>
-            </a:pPr>
-            <a:r>
-              <a:rPr sz="1600" b="1" i="0">
-                <a:solidFill>
-                  <a:srgbClr val="001D35"/>
-                </a:solidFill>
-                <a:latin typeface="Arial" panose="020B0604020202020204" pitchFamily="34" charset="0"/>
-                <a:ea typeface="Google Sans"/>
-                <a:cs typeface="Arial" panose="020B0604020202020204" pitchFamily="34" charset="0"/>
-              </a:rPr>
-              <a:t>Recall Formula: Recall = TP / (TP + FN). </a:t>
-            </a:r>
-            <a:endParaRPr sz="1600" b="1" i="0">
-              <a:solidFill>
-                <a:srgbClr val="001D35"/>
-              </a:solidFill>
-              <a:latin typeface="Arial" panose="020B0604020202020204" pitchFamily="34" charset="0"/>
-              <a:ea typeface="Google Sans"/>
-              <a:cs typeface="Arial" panose="020B0604020202020204" pitchFamily="34" charset="0"/>
-            </a:endParaRPr>
-          </a:p>
-          <a:p>
-            <a:pPr marL="457200" lvl="1" indent="0">
-              <a:lnSpc>
-                <a:spcPct val="100000"/>
-              </a:lnSpc>
-              <a:spcBef>
-                <a:spcPct val="0"/>
-              </a:spcBef>
-              <a:spcAft>
-                <a:spcPct val="0"/>
-              </a:spcAft>
-              <a:buFont typeface="Arial" panose="020B0604020202020204"/>
-              <a:buChar char="•"/>
-            </a:pPr>
-            <a:r>
-              <a:rPr sz="1600" b="1" i="0">
-                <a:solidFill>
-                  <a:srgbClr val="001D35"/>
-                </a:solidFill>
-                <a:latin typeface="Arial" panose="020B0604020202020204" pitchFamily="34" charset="0"/>
-                <a:ea typeface="Google Sans"/>
-                <a:cs typeface="Arial" panose="020B0604020202020204" pitchFamily="34" charset="0"/>
-              </a:rPr>
-              <a:t>Purpose</a:t>
-            </a:r>
-            <a:r>
-              <a:rPr sz="1600" b="0" i="0">
-                <a:solidFill>
-                  <a:srgbClr val="001D35"/>
-                </a:solidFill>
-                <a:latin typeface="Arial" panose="020B0604020202020204" pitchFamily="34" charset="0"/>
-                <a:ea typeface="Google Sans"/>
-                <a:cs typeface="Arial" panose="020B0604020202020204" pitchFamily="34" charset="0"/>
-              </a:rPr>
-              <a:t>: Recall is particularly important when the cost of missing a positive case (false negative) is high. </a:t>
-            </a:r>
-            <a:endParaRPr sz="1600" b="0" i="0">
-              <a:solidFill>
-                <a:srgbClr val="001D35"/>
-              </a:solidFill>
-              <a:latin typeface="Arial" panose="020B0604020202020204" pitchFamily="34" charset="0"/>
-              <a:ea typeface="Google Sans"/>
-              <a:cs typeface="Arial" panose="020B0604020202020204" pitchFamily="34" charset="0"/>
-            </a:endParaRPr>
-          </a:p>
-          <a:p>
-            <a:pPr marL="0" indent="0">
-              <a:lnSpc>
-                <a:spcPct val="100000"/>
-              </a:lnSpc>
-              <a:spcBef>
-                <a:spcPts val="1000"/>
-              </a:spcBef>
-              <a:spcAft>
-                <a:spcPts val="500"/>
-              </a:spcAft>
-            </a:pPr>
-            <a:r>
-              <a:rPr b="0" i="0">
-                <a:solidFill>
-                  <a:srgbClr val="001D35"/>
-                </a:solidFill>
-                <a:latin typeface="Arial" panose="020B0604020202020204" pitchFamily="34" charset="0"/>
-                <a:ea typeface="Google Sans"/>
-                <a:cs typeface="Arial" panose="020B0604020202020204" pitchFamily="34" charset="0"/>
-              </a:rPr>
-              <a:t>Example:</a:t>
-            </a:r>
-            <a:endParaRPr b="0" i="0">
-              <a:solidFill>
-                <a:srgbClr val="001D35"/>
-              </a:solidFill>
-              <a:latin typeface="Arial" panose="020B0604020202020204" pitchFamily="34" charset="0"/>
-              <a:ea typeface="Google Sans"/>
-              <a:cs typeface="Arial" panose="020B0604020202020204" pitchFamily="34" charset="0"/>
-            </a:endParaRPr>
-          </a:p>
-          <a:p>
-            <a:pPr marL="457200" lvl="1" indent="0">
-              <a:lnSpc>
-                <a:spcPct val="100000"/>
-              </a:lnSpc>
-              <a:spcBef>
-                <a:spcPts val="500"/>
-              </a:spcBef>
-              <a:spcAft>
-                <a:spcPts val="1000"/>
-              </a:spcAft>
-            </a:pPr>
-            <a:r>
-              <a:rPr b="0" i="0">
-                <a:solidFill>
-                  <a:srgbClr val="001D35"/>
-                </a:solidFill>
-                <a:latin typeface="Arial" panose="020B0604020202020204" pitchFamily="34" charset="0"/>
-                <a:ea typeface="Google Sans"/>
-                <a:cs typeface="Arial" panose="020B0604020202020204" pitchFamily="34" charset="0"/>
-              </a:rPr>
-              <a:t>Imagine a medical test for a disease. A high recall means the test is good at identifying all patients who actually have the disease, even if it sometimes misclassifies healthy people as having the disease (false positives). </a:t>
-            </a:r>
-            <a:endParaRPr b="0" i="0">
-              <a:solidFill>
-                <a:srgbClr val="001D35"/>
-              </a:solidFill>
-              <a:latin typeface="Arial" panose="020B0604020202020204" pitchFamily="34" charset="0"/>
-              <a:ea typeface="Google Sans"/>
-              <a:cs typeface="Arial" panose="020B0604020202020204" pitchFamily="34" charset="0"/>
-            </a:endParaRPr>
-          </a:p>
-          <a:p>
-            <a:pPr marL="0" indent="0">
-              <a:lnSpc>
-                <a:spcPct val="100000"/>
-              </a:lnSpc>
-              <a:spcBef>
-                <a:spcPts val="1000"/>
-              </a:spcBef>
-              <a:spcAft>
-                <a:spcPts val="500"/>
-              </a:spcAft>
-            </a:pPr>
-            <a:r>
-              <a:rPr b="0" i="0">
-                <a:solidFill>
-                  <a:srgbClr val="001D35"/>
-                </a:solidFill>
-                <a:latin typeface="Arial" panose="020B0604020202020204" pitchFamily="34" charset="0"/>
-                <a:ea typeface="Google Sans"/>
-                <a:cs typeface="Arial" panose="020B0604020202020204" pitchFamily="34" charset="0"/>
-              </a:rPr>
-              <a:t>When to use recall:</a:t>
-            </a:r>
-            <a:endParaRPr b="0" i="0">
-              <a:solidFill>
-                <a:srgbClr val="001D35"/>
-              </a:solidFill>
-              <a:latin typeface="Arial" panose="020B0604020202020204" pitchFamily="34" charset="0"/>
-              <a:ea typeface="Google Sans"/>
-              <a:cs typeface="Arial" panose="020B0604020202020204" pitchFamily="34" charset="0"/>
-            </a:endParaRPr>
-          </a:p>
-          <a:p>
-            <a:pPr marL="457200" lvl="1" indent="0">
-              <a:lnSpc>
-                <a:spcPct val="100000"/>
-              </a:lnSpc>
-              <a:spcBef>
-                <a:spcPct val="0"/>
-              </a:spcBef>
-              <a:spcAft>
-                <a:spcPts val="400"/>
-              </a:spcAft>
-              <a:buFont typeface="Arial" panose="020B0604020202020204"/>
-              <a:buChar char="•"/>
-            </a:pPr>
-            <a:r>
-              <a:rPr sz="1600" b="0" i="0">
-                <a:solidFill>
-                  <a:srgbClr val="001D35"/>
-                </a:solidFill>
-                <a:latin typeface="Arial" panose="020B0604020202020204" pitchFamily="34" charset="0"/>
-                <a:ea typeface="Google Sans"/>
-                <a:cs typeface="Arial" panose="020B0604020202020204" pitchFamily="34" charset="0"/>
-              </a:rPr>
-              <a:t>Minimizing false negatives is crucial: In applications where missing a positive case has serious consequences. </a:t>
-            </a:r>
-            <a:endParaRPr sz="1600" b="0" i="0">
-              <a:solidFill>
-                <a:srgbClr val="001D35"/>
-              </a:solidFill>
-              <a:latin typeface="Arial" panose="020B0604020202020204" pitchFamily="34" charset="0"/>
-              <a:ea typeface="Google Sans"/>
-              <a:cs typeface="Arial" panose="020B0604020202020204" pitchFamily="34" charset="0"/>
-            </a:endParaRPr>
-          </a:p>
-          <a:p>
-            <a:pPr marL="457200" lvl="1" indent="0">
-              <a:lnSpc>
-                <a:spcPct val="100000"/>
-              </a:lnSpc>
-              <a:spcBef>
-                <a:spcPct val="0"/>
-              </a:spcBef>
-              <a:spcAft>
-                <a:spcPts val="400"/>
-              </a:spcAft>
-              <a:buFont typeface="Arial" panose="020B0604020202020204"/>
-              <a:buChar char="•"/>
-            </a:pPr>
-            <a:r>
-              <a:rPr sz="1600" b="0" i="0">
-                <a:solidFill>
-                  <a:srgbClr val="001D35"/>
-                </a:solidFill>
-                <a:latin typeface="Arial" panose="020B0604020202020204" pitchFamily="34" charset="0"/>
-                <a:ea typeface="Google Sans"/>
-                <a:cs typeface="Arial" panose="020B0604020202020204" pitchFamily="34" charset="0"/>
-              </a:rPr>
-              <a:t>The cost of acting on a false positive is low: If it's relatively easy to correct a false positive, high recall is desirable. </a:t>
-            </a:r>
-            <a:endParaRPr sz="1600" b="0" i="0">
-              <a:solidFill>
-                <a:srgbClr val="001D35"/>
-              </a:solidFill>
-              <a:latin typeface="Arial" panose="020B0604020202020204" pitchFamily="34" charset="0"/>
-              <a:ea typeface="Google Sans"/>
-              <a:cs typeface="Arial" panose="020B0604020202020204" pitchFamily="34" charset="0"/>
-            </a:endParaRPr>
-          </a:p>
-          <a:p>
-            <a:pPr marL="457200" lvl="1" indent="0">
-              <a:lnSpc>
-                <a:spcPct val="100000"/>
-              </a:lnSpc>
-              <a:spcBef>
-                <a:spcPct val="0"/>
-              </a:spcBef>
-              <a:spcAft>
-                <a:spcPct val="0"/>
-              </a:spcAft>
-              <a:buFont typeface="Arial" panose="020B0604020202020204"/>
-              <a:buChar char="•"/>
-            </a:pPr>
-            <a:r>
-              <a:rPr sz="1600" b="0" i="0">
-                <a:solidFill>
-                  <a:srgbClr val="001D35"/>
-                </a:solidFill>
-                <a:latin typeface="Arial" panose="020B0604020202020204" pitchFamily="34" charset="0"/>
-                <a:ea typeface="Google Sans"/>
-                <a:cs typeface="Arial" panose="020B0604020202020204" pitchFamily="34" charset="0"/>
-              </a:rPr>
-              <a:t>Example use cases: Fraud detection, medical diagnoses, and spam filtering. </a:t>
-            </a:r>
-            <a:endParaRPr sz="1600" b="0" i="0">
-              <a:solidFill>
-                <a:srgbClr val="001D35"/>
-              </a:solidFill>
-              <a:latin typeface="Arial" panose="020B0604020202020204" pitchFamily="34" charset="0"/>
-              <a:ea typeface="Google Sans"/>
-              <a:cs typeface="Arial" panose="020B0604020202020204" pitchFamily="34" charset="0"/>
-            </a:endParaRPr>
-          </a:p>
-        </p:txBody>
-      </p:sp>
-      <p:pic>
-        <p:nvPicPr>
-          <p:cNvPr id="3" name="Picture 2"/>
-          <p:cNvPicPr/>
-          <p:nvPr/>
-        </p:nvPicPr>
-        <p:blipFill>
-          <a:blip r:embed="rId2"/>
-          <a:srcRect l="11235" t="38735" r="5767" b="32756"/>
-          <a:stretch>
-            <a:fillRect/>
-          </a:stretch>
-        </p:blipFill>
-        <p:spPr>
-          <a:xfrm>
-            <a:off x="7832090" y="961390"/>
-            <a:ext cx="4359910" cy="1034415"/>
-          </a:xfrm>
-          <a:prstGeom prst="rect">
-            <a:avLst/>
-          </a:prstGeom>
-        </p:spPr>
-      </p:pic>
-      <p:pic>
-        <p:nvPicPr>
-          <p:cNvPr id="4" name="Picture 3"/>
-          <p:cNvPicPr/>
-          <p:nvPr/>
-        </p:nvPicPr>
-        <p:blipFill>
-          <a:blip r:embed="rId3"/>
-          <a:stretch>
-            <a:fillRect/>
-          </a:stretch>
-        </p:blipFill>
-        <p:spPr>
-          <a:xfrm>
-            <a:off x="7832090" y="793115"/>
-            <a:ext cx="4359910" cy="1800225"/>
-          </a:xfrm>
-          <a:prstGeom prst="rect">
-            <a:avLst/>
-          </a:prstGeom>
-        </p:spPr>
-      </p:pic>
     </p:spTree>
   </p:cSld>
   <p:clrMapOvr>
@@ -11753,6 +11201,601 @@
       <p:grpSpPr/>
       <p:sp>
         <p:nvSpPr>
+          <p:cNvPr id="15" name="TextBox 14"/>
+          <p:cNvSpPr txBox="1"/>
+          <p:nvPr/>
+        </p:nvSpPr>
+        <p:spPr>
+          <a:xfrm>
+            <a:off x="184785" y="146050"/>
+            <a:ext cx="3153410" cy="368300"/>
+          </a:xfrm>
+          <a:prstGeom prst="rect">
+            <a:avLst/>
+          </a:prstGeom>
+          <a:noFill/>
+        </p:spPr>
+        <p:txBody>
+          <a:bodyPr wrap="square">
+            <a:spAutoFit/>
+          </a:bodyPr>
+          <a:p>
+            <a:pPr algn="l"/>
+            <a:r>
+              <a:rPr lang="en-IN" b="1" i="0" dirty="0">
+                <a:solidFill>
+                  <a:srgbClr val="FF0000"/>
+                </a:solidFill>
+                <a:effectLst/>
+                <a:latin typeface="montserrat" panose="00000500000000000000" pitchFamily="2" charset="0"/>
+              </a:rPr>
+              <a:t>IV. Recall or Sensitivity</a:t>
+            </a:r>
+            <a:endParaRPr lang="en-IN" b="1" i="0" dirty="0">
+              <a:solidFill>
+                <a:srgbClr val="FF0000"/>
+              </a:solidFill>
+              <a:effectLst/>
+              <a:latin typeface="montserrat" panose="00000500000000000000" pitchFamily="2" charset="0"/>
+            </a:endParaRPr>
+          </a:p>
+        </p:txBody>
+      </p:sp>
+      <p:sp>
+        <p:nvSpPr>
+          <p:cNvPr id="17" name="TextBox 16"/>
+          <p:cNvSpPr txBox="1"/>
+          <p:nvPr/>
+        </p:nvSpPr>
+        <p:spPr>
+          <a:xfrm>
+            <a:off x="254635" y="592455"/>
+            <a:ext cx="7958455" cy="1198880"/>
+          </a:xfrm>
+          <a:prstGeom prst="rect">
+            <a:avLst/>
+          </a:prstGeom>
+          <a:noFill/>
+        </p:spPr>
+        <p:txBody>
+          <a:bodyPr wrap="square">
+            <a:spAutoFit/>
+          </a:bodyPr>
+          <a:p>
+            <a:r>
+              <a:rPr lang="en-US" altLang="en-US" dirty="0"/>
+              <a:t>recall is a metric that measures the ability of a model to correctly identify all relevant instances (true positives) within a dataset. It focuses on minimizing false negatives, meaning the model is evaluated on how well it finds all the positive cases, even if it might also include some false positives. </a:t>
+            </a:r>
+            <a:endParaRPr lang="en-US" altLang="en-US" dirty="0"/>
+          </a:p>
+        </p:txBody>
+      </p:sp>
+      <p:pic>
+        <p:nvPicPr>
+          <p:cNvPr id="6152" name="Picture 8" descr="Performance Metrics in Machine Learning"/>
+          <p:cNvPicPr>
+            <a:picLocks noChangeAspect="1" noChangeArrowheads="1"/>
+          </p:cNvPicPr>
+          <p:nvPr/>
+        </p:nvPicPr>
+        <p:blipFill>
+          <a:blip r:embed="rId1">
+            <a:extLst>
+              <a:ext uri="{28A0092B-C50C-407E-A947-70E740481C1C}">
+                <a14:useLocalDpi xmlns:a14="http://schemas.microsoft.com/office/drawing/2010/main" val="0"/>
+              </a:ext>
+            </a:extLst>
+          </a:blip>
+          <a:srcRect/>
+          <a:stretch>
+            <a:fillRect/>
+          </a:stretch>
+        </p:blipFill>
+        <p:spPr bwMode="auto">
+          <a:xfrm>
+            <a:off x="3591077" y="-207"/>
+            <a:ext cx="4621903" cy="645107"/>
+          </a:xfrm>
+          <a:prstGeom prst="rect">
+            <a:avLst/>
+          </a:prstGeom>
+          <a:noFill/>
+          <a:extLst>
+            <a:ext uri="{909E8E84-426E-40DD-AFC4-6F175D3DCCD1}">
+              <a14:hiddenFill xmlns:a14="http://schemas.microsoft.com/office/drawing/2010/main">
+                <a:solidFill>
+                  <a:srgbClr val="FFFFFF"/>
+                </a:solidFill>
+              </a14:hiddenFill>
+            </a:ext>
+          </a:extLst>
+        </p:spPr>
+      </p:pic>
+      <p:sp>
+        <p:nvSpPr>
+          <p:cNvPr id="2" name="Text Box 1"/>
+          <p:cNvSpPr txBox="1"/>
+          <p:nvPr/>
+        </p:nvSpPr>
+        <p:spPr>
+          <a:xfrm>
+            <a:off x="380365" y="1951355"/>
+            <a:ext cx="11184255" cy="4374515"/>
+          </a:xfrm>
+          <a:prstGeom prst="rect">
+            <a:avLst/>
+          </a:prstGeom>
+        </p:spPr>
+        <p:txBody>
+          <a:bodyPr wrap="square">
+            <a:spAutoFit/>
+          </a:bodyPr>
+          <a:p>
+            <a:pPr marL="0" indent="0">
+              <a:lnSpc>
+                <a:spcPct val="100000"/>
+              </a:lnSpc>
+              <a:spcBef>
+                <a:spcPts val="1000"/>
+              </a:spcBef>
+              <a:spcAft>
+                <a:spcPts val="500"/>
+              </a:spcAft>
+            </a:pPr>
+            <a:r>
+              <a:rPr b="0" i="0">
+                <a:solidFill>
+                  <a:srgbClr val="001D35"/>
+                </a:solidFill>
+                <a:latin typeface="Arial" panose="020B0604020202020204" pitchFamily="34" charset="0"/>
+                <a:ea typeface="Google Sans"/>
+                <a:cs typeface="Arial" panose="020B0604020202020204" pitchFamily="34" charset="0"/>
+              </a:rPr>
+              <a:t>Here's a breakdown:</a:t>
+            </a:r>
+            <a:endParaRPr b="0" i="0">
+              <a:solidFill>
+                <a:srgbClr val="001D35"/>
+              </a:solidFill>
+              <a:latin typeface="Arial" panose="020B0604020202020204" pitchFamily="34" charset="0"/>
+              <a:ea typeface="Google Sans"/>
+              <a:cs typeface="Arial" panose="020B0604020202020204" pitchFamily="34" charset="0"/>
+            </a:endParaRPr>
+          </a:p>
+          <a:p>
+            <a:pPr marL="457200" lvl="1" indent="0">
+              <a:lnSpc>
+                <a:spcPct val="100000"/>
+              </a:lnSpc>
+              <a:spcBef>
+                <a:spcPct val="0"/>
+              </a:spcBef>
+              <a:spcAft>
+                <a:spcPts val="400"/>
+              </a:spcAft>
+              <a:buFont typeface="Arial" panose="020B0604020202020204"/>
+              <a:buChar char="•"/>
+            </a:pPr>
+            <a:r>
+              <a:rPr sz="1600" b="1" i="0">
+                <a:solidFill>
+                  <a:srgbClr val="001D35"/>
+                </a:solidFill>
+                <a:latin typeface="Arial" panose="020B0604020202020204" pitchFamily="34" charset="0"/>
+                <a:ea typeface="Google Sans"/>
+                <a:cs typeface="Arial" panose="020B0604020202020204" pitchFamily="34" charset="0"/>
+              </a:rPr>
+              <a:t>True Positives (TP):</a:t>
+            </a:r>
+            <a:r>
+              <a:rPr sz="1600" b="0" i="0">
+                <a:solidFill>
+                  <a:srgbClr val="001D35"/>
+                </a:solidFill>
+                <a:latin typeface="Arial" panose="020B0604020202020204" pitchFamily="34" charset="0"/>
+                <a:ea typeface="Google Sans"/>
+                <a:cs typeface="Arial" panose="020B0604020202020204" pitchFamily="34" charset="0"/>
+              </a:rPr>
+              <a:t> The model correctly identifies positive cases. </a:t>
+            </a:r>
+            <a:endParaRPr sz="1600" b="0" i="0">
+              <a:solidFill>
+                <a:srgbClr val="001D35"/>
+              </a:solidFill>
+              <a:latin typeface="Arial" panose="020B0604020202020204" pitchFamily="34" charset="0"/>
+              <a:ea typeface="Google Sans"/>
+              <a:cs typeface="Arial" panose="020B0604020202020204" pitchFamily="34" charset="0"/>
+            </a:endParaRPr>
+          </a:p>
+          <a:p>
+            <a:pPr marL="457200" lvl="1" indent="0">
+              <a:lnSpc>
+                <a:spcPct val="100000"/>
+              </a:lnSpc>
+              <a:spcBef>
+                <a:spcPct val="0"/>
+              </a:spcBef>
+              <a:spcAft>
+                <a:spcPts val="400"/>
+              </a:spcAft>
+              <a:buFont typeface="Arial" panose="020B0604020202020204"/>
+              <a:buChar char="•"/>
+            </a:pPr>
+            <a:r>
+              <a:rPr sz="1600" b="1" i="0">
+                <a:solidFill>
+                  <a:srgbClr val="001D35"/>
+                </a:solidFill>
+                <a:latin typeface="Arial" panose="020B0604020202020204" pitchFamily="34" charset="0"/>
+                <a:ea typeface="Google Sans"/>
+                <a:cs typeface="Arial" panose="020B0604020202020204" pitchFamily="34" charset="0"/>
+              </a:rPr>
+              <a:t>False Negatives (FN): </a:t>
+            </a:r>
+            <a:r>
+              <a:rPr sz="1600" b="0" i="0">
+                <a:solidFill>
+                  <a:srgbClr val="001D35"/>
+                </a:solidFill>
+                <a:latin typeface="Arial" panose="020B0604020202020204" pitchFamily="34" charset="0"/>
+                <a:ea typeface="Google Sans"/>
+                <a:cs typeface="Arial" panose="020B0604020202020204" pitchFamily="34" charset="0"/>
+              </a:rPr>
+              <a:t>The model incorrectly identifies positive cases as negative. </a:t>
+            </a:r>
+            <a:endParaRPr sz="1600" b="0" i="0">
+              <a:solidFill>
+                <a:srgbClr val="001D35"/>
+              </a:solidFill>
+              <a:latin typeface="Arial" panose="020B0604020202020204" pitchFamily="34" charset="0"/>
+              <a:ea typeface="Google Sans"/>
+              <a:cs typeface="Arial" panose="020B0604020202020204" pitchFamily="34" charset="0"/>
+            </a:endParaRPr>
+          </a:p>
+          <a:p>
+            <a:pPr marL="457200" lvl="1" indent="0">
+              <a:lnSpc>
+                <a:spcPct val="100000"/>
+              </a:lnSpc>
+              <a:spcBef>
+                <a:spcPct val="0"/>
+              </a:spcBef>
+              <a:spcAft>
+                <a:spcPts val="400"/>
+              </a:spcAft>
+              <a:buFont typeface="Arial" panose="020B0604020202020204"/>
+              <a:buChar char="•"/>
+            </a:pPr>
+            <a:r>
+              <a:rPr sz="1600" b="1" i="0">
+                <a:solidFill>
+                  <a:srgbClr val="001D35"/>
+                </a:solidFill>
+                <a:latin typeface="Arial" panose="020B0604020202020204" pitchFamily="34" charset="0"/>
+                <a:ea typeface="Google Sans"/>
+                <a:cs typeface="Arial" panose="020B0604020202020204" pitchFamily="34" charset="0"/>
+              </a:rPr>
+              <a:t>Recall Formula: Recall = TP / (TP + FN). </a:t>
+            </a:r>
+            <a:endParaRPr sz="1600" b="1" i="0">
+              <a:solidFill>
+                <a:srgbClr val="001D35"/>
+              </a:solidFill>
+              <a:latin typeface="Arial" panose="020B0604020202020204" pitchFamily="34" charset="0"/>
+              <a:ea typeface="Google Sans"/>
+              <a:cs typeface="Arial" panose="020B0604020202020204" pitchFamily="34" charset="0"/>
+            </a:endParaRPr>
+          </a:p>
+          <a:p>
+            <a:pPr marL="457200" lvl="1" indent="0">
+              <a:lnSpc>
+                <a:spcPct val="100000"/>
+              </a:lnSpc>
+              <a:spcBef>
+                <a:spcPct val="0"/>
+              </a:spcBef>
+              <a:spcAft>
+                <a:spcPct val="0"/>
+              </a:spcAft>
+              <a:buFont typeface="Arial" panose="020B0604020202020204"/>
+              <a:buChar char="•"/>
+            </a:pPr>
+            <a:r>
+              <a:rPr sz="1600" b="1" i="0">
+                <a:solidFill>
+                  <a:srgbClr val="001D35"/>
+                </a:solidFill>
+                <a:latin typeface="Arial" panose="020B0604020202020204" pitchFamily="34" charset="0"/>
+                <a:ea typeface="Google Sans"/>
+                <a:cs typeface="Arial" panose="020B0604020202020204" pitchFamily="34" charset="0"/>
+              </a:rPr>
+              <a:t>Purpose</a:t>
+            </a:r>
+            <a:r>
+              <a:rPr sz="1600" b="0" i="0">
+                <a:solidFill>
+                  <a:srgbClr val="001D35"/>
+                </a:solidFill>
+                <a:latin typeface="Arial" panose="020B0604020202020204" pitchFamily="34" charset="0"/>
+                <a:ea typeface="Google Sans"/>
+                <a:cs typeface="Arial" panose="020B0604020202020204" pitchFamily="34" charset="0"/>
+              </a:rPr>
+              <a:t>: Recall is particularly important when the cost of missing a positive case (false negative) is high. </a:t>
+            </a:r>
+            <a:endParaRPr sz="1600" b="0" i="0">
+              <a:solidFill>
+                <a:srgbClr val="001D35"/>
+              </a:solidFill>
+              <a:latin typeface="Arial" panose="020B0604020202020204" pitchFamily="34" charset="0"/>
+              <a:ea typeface="Google Sans"/>
+              <a:cs typeface="Arial" panose="020B0604020202020204" pitchFamily="34" charset="0"/>
+            </a:endParaRPr>
+          </a:p>
+          <a:p>
+            <a:pPr marL="0" indent="0">
+              <a:lnSpc>
+                <a:spcPct val="100000"/>
+              </a:lnSpc>
+              <a:spcBef>
+                <a:spcPts val="1000"/>
+              </a:spcBef>
+              <a:spcAft>
+                <a:spcPts val="500"/>
+              </a:spcAft>
+            </a:pPr>
+            <a:r>
+              <a:rPr b="0" i="0">
+                <a:solidFill>
+                  <a:srgbClr val="001D35"/>
+                </a:solidFill>
+                <a:latin typeface="Arial" panose="020B0604020202020204" pitchFamily="34" charset="0"/>
+                <a:ea typeface="Google Sans"/>
+                <a:cs typeface="Arial" panose="020B0604020202020204" pitchFamily="34" charset="0"/>
+              </a:rPr>
+              <a:t>Example:</a:t>
+            </a:r>
+            <a:endParaRPr b="0" i="0">
+              <a:solidFill>
+                <a:srgbClr val="001D35"/>
+              </a:solidFill>
+              <a:latin typeface="Arial" panose="020B0604020202020204" pitchFamily="34" charset="0"/>
+              <a:ea typeface="Google Sans"/>
+              <a:cs typeface="Arial" panose="020B0604020202020204" pitchFamily="34" charset="0"/>
+            </a:endParaRPr>
+          </a:p>
+          <a:p>
+            <a:pPr marL="457200" lvl="1" indent="0">
+              <a:lnSpc>
+                <a:spcPct val="100000"/>
+              </a:lnSpc>
+              <a:spcBef>
+                <a:spcPts val="500"/>
+              </a:spcBef>
+              <a:spcAft>
+                <a:spcPts val="1000"/>
+              </a:spcAft>
+            </a:pPr>
+            <a:r>
+              <a:rPr b="0" i="0">
+                <a:solidFill>
+                  <a:srgbClr val="001D35"/>
+                </a:solidFill>
+                <a:latin typeface="Arial" panose="020B0604020202020204" pitchFamily="34" charset="0"/>
+                <a:ea typeface="Google Sans"/>
+                <a:cs typeface="Arial" panose="020B0604020202020204" pitchFamily="34" charset="0"/>
+              </a:rPr>
+              <a:t>Imagine a medical test for a disease. A high recall means the test is good at identifying all patients who actually have the disease, even if it sometimes misclassifies healthy people as having the disease (false positives). </a:t>
+            </a:r>
+            <a:endParaRPr b="0" i="0">
+              <a:solidFill>
+                <a:srgbClr val="001D35"/>
+              </a:solidFill>
+              <a:latin typeface="Arial" panose="020B0604020202020204" pitchFamily="34" charset="0"/>
+              <a:ea typeface="Google Sans"/>
+              <a:cs typeface="Arial" panose="020B0604020202020204" pitchFamily="34" charset="0"/>
+            </a:endParaRPr>
+          </a:p>
+          <a:p>
+            <a:pPr marL="0" indent="0">
+              <a:lnSpc>
+                <a:spcPct val="100000"/>
+              </a:lnSpc>
+              <a:spcBef>
+                <a:spcPts val="1000"/>
+              </a:spcBef>
+              <a:spcAft>
+                <a:spcPts val="500"/>
+              </a:spcAft>
+            </a:pPr>
+            <a:r>
+              <a:rPr b="0" i="0">
+                <a:solidFill>
+                  <a:srgbClr val="001D35"/>
+                </a:solidFill>
+                <a:latin typeface="Arial" panose="020B0604020202020204" pitchFamily="34" charset="0"/>
+                <a:ea typeface="Google Sans"/>
+                <a:cs typeface="Arial" panose="020B0604020202020204" pitchFamily="34" charset="0"/>
+              </a:rPr>
+              <a:t>When to use recall:</a:t>
+            </a:r>
+            <a:endParaRPr b="0" i="0">
+              <a:solidFill>
+                <a:srgbClr val="001D35"/>
+              </a:solidFill>
+              <a:latin typeface="Arial" panose="020B0604020202020204" pitchFamily="34" charset="0"/>
+              <a:ea typeface="Google Sans"/>
+              <a:cs typeface="Arial" panose="020B0604020202020204" pitchFamily="34" charset="0"/>
+            </a:endParaRPr>
+          </a:p>
+          <a:p>
+            <a:pPr marL="457200" lvl="1" indent="0">
+              <a:lnSpc>
+                <a:spcPct val="100000"/>
+              </a:lnSpc>
+              <a:spcBef>
+                <a:spcPct val="0"/>
+              </a:spcBef>
+              <a:spcAft>
+                <a:spcPts val="400"/>
+              </a:spcAft>
+              <a:buFont typeface="Arial" panose="020B0604020202020204"/>
+              <a:buChar char="•"/>
+            </a:pPr>
+            <a:r>
+              <a:rPr sz="1600" b="0" i="0">
+                <a:solidFill>
+                  <a:srgbClr val="001D35"/>
+                </a:solidFill>
+                <a:latin typeface="Arial" panose="020B0604020202020204" pitchFamily="34" charset="0"/>
+                <a:ea typeface="Google Sans"/>
+                <a:cs typeface="Arial" panose="020B0604020202020204" pitchFamily="34" charset="0"/>
+              </a:rPr>
+              <a:t>Minimizing false negatives is crucial: In applications where missing a positive case has serious consequences. </a:t>
+            </a:r>
+            <a:endParaRPr sz="1600" b="0" i="0">
+              <a:solidFill>
+                <a:srgbClr val="001D35"/>
+              </a:solidFill>
+              <a:latin typeface="Arial" panose="020B0604020202020204" pitchFamily="34" charset="0"/>
+              <a:ea typeface="Google Sans"/>
+              <a:cs typeface="Arial" panose="020B0604020202020204" pitchFamily="34" charset="0"/>
+            </a:endParaRPr>
+          </a:p>
+          <a:p>
+            <a:pPr marL="457200" lvl="1" indent="0">
+              <a:lnSpc>
+                <a:spcPct val="100000"/>
+              </a:lnSpc>
+              <a:spcBef>
+                <a:spcPct val="0"/>
+              </a:spcBef>
+              <a:spcAft>
+                <a:spcPts val="400"/>
+              </a:spcAft>
+              <a:buFont typeface="Arial" panose="020B0604020202020204"/>
+              <a:buChar char="•"/>
+            </a:pPr>
+            <a:r>
+              <a:rPr sz="1600" b="0" i="0">
+                <a:solidFill>
+                  <a:srgbClr val="001D35"/>
+                </a:solidFill>
+                <a:latin typeface="Arial" panose="020B0604020202020204" pitchFamily="34" charset="0"/>
+                <a:ea typeface="Google Sans"/>
+                <a:cs typeface="Arial" panose="020B0604020202020204" pitchFamily="34" charset="0"/>
+              </a:rPr>
+              <a:t>The cost of acting on a false positive is low: If it's relatively easy to correct a false positive, high recall is desirable. </a:t>
+            </a:r>
+            <a:endParaRPr sz="1600" b="0" i="0">
+              <a:solidFill>
+                <a:srgbClr val="001D35"/>
+              </a:solidFill>
+              <a:latin typeface="Arial" panose="020B0604020202020204" pitchFamily="34" charset="0"/>
+              <a:ea typeface="Google Sans"/>
+              <a:cs typeface="Arial" panose="020B0604020202020204" pitchFamily="34" charset="0"/>
+            </a:endParaRPr>
+          </a:p>
+          <a:p>
+            <a:pPr marL="457200" lvl="1" indent="0">
+              <a:lnSpc>
+                <a:spcPct val="100000"/>
+              </a:lnSpc>
+              <a:spcBef>
+                <a:spcPct val="0"/>
+              </a:spcBef>
+              <a:spcAft>
+                <a:spcPct val="0"/>
+              </a:spcAft>
+              <a:buFont typeface="Arial" panose="020B0604020202020204"/>
+              <a:buChar char="•"/>
+            </a:pPr>
+            <a:r>
+              <a:rPr sz="1600" b="0" i="0">
+                <a:solidFill>
+                  <a:srgbClr val="001D35"/>
+                </a:solidFill>
+                <a:latin typeface="Arial" panose="020B0604020202020204" pitchFamily="34" charset="0"/>
+                <a:ea typeface="Google Sans"/>
+                <a:cs typeface="Arial" panose="020B0604020202020204" pitchFamily="34" charset="0"/>
+              </a:rPr>
+              <a:t>Example use cases: Fraud detection, medical diagnoses, and spam filtering. </a:t>
+            </a:r>
+            <a:endParaRPr sz="1600" b="0" i="0">
+              <a:solidFill>
+                <a:srgbClr val="001D35"/>
+              </a:solidFill>
+              <a:latin typeface="Arial" panose="020B0604020202020204" pitchFamily="34" charset="0"/>
+              <a:ea typeface="Google Sans"/>
+              <a:cs typeface="Arial" panose="020B0604020202020204" pitchFamily="34" charset="0"/>
+            </a:endParaRPr>
+          </a:p>
+        </p:txBody>
+      </p:sp>
+      <p:pic>
+        <p:nvPicPr>
+          <p:cNvPr id="3" name="Picture 2"/>
+          <p:cNvPicPr/>
+          <p:nvPr/>
+        </p:nvPicPr>
+        <p:blipFill>
+          <a:blip r:embed="rId2"/>
+          <a:srcRect l="11235" t="38735" r="5767" b="32756"/>
+          <a:stretch>
+            <a:fillRect/>
+          </a:stretch>
+        </p:blipFill>
+        <p:spPr>
+          <a:xfrm>
+            <a:off x="7832090" y="961390"/>
+            <a:ext cx="4359910" cy="1034415"/>
+          </a:xfrm>
+          <a:prstGeom prst="rect">
+            <a:avLst/>
+          </a:prstGeom>
+        </p:spPr>
+      </p:pic>
+      <p:pic>
+        <p:nvPicPr>
+          <p:cNvPr id="4" name="Picture 3"/>
+          <p:cNvPicPr/>
+          <p:nvPr/>
+        </p:nvPicPr>
+        <p:blipFill>
+          <a:blip r:embed="rId3"/>
+          <a:stretch>
+            <a:fillRect/>
+          </a:stretch>
+        </p:blipFill>
+        <p:spPr>
+          <a:xfrm>
+            <a:off x="7832090" y="793115"/>
+            <a:ext cx="4359910" cy="1800225"/>
+          </a:xfrm>
+          <a:prstGeom prst="rect">
+            <a:avLst/>
+          </a:prstGeom>
+        </p:spPr>
+      </p:pic>
+    </p:spTree>
+  </p:cSld>
+  <p:clrMapOvr>
+    <a:masterClrMapping/>
+  </p:clrMapOvr>
+</p:sld>
+</file>
+
+<file path=ppt/slides/slide21.xml><?xml version="1.0" encoding="utf-8"?>
+<p:sld xmlns:a="http://schemas.openxmlformats.org/drawingml/2006/main" xmlns:r="http://schemas.openxmlformats.org/officeDocument/2006/relationships" xmlns:p="http://schemas.openxmlformats.org/presentationml/2006/main">
+  <p:cSld>
+    <p:spTree>
+      <p:nvGrpSpPr>
+        <p:cNvPr id="1" name=""/>
+        <p:cNvGrpSpPr/>
+        <p:nvPr/>
+      </p:nvGrpSpPr>
+      <p:grpSpPr/>
+      <p:sp>
+        <p:nvSpPr>
           <p:cNvPr id="4" name="Text Box 3"/>
           <p:cNvSpPr txBox="1"/>
           <p:nvPr/>
@@ -12374,7 +12417,7 @@
 </p:sld>
 </file>
 
-<file path=ppt/slides/slide21.xml><?xml version="1.0" encoding="utf-8"?>
+<file path=ppt/slides/slide22.xml><?xml version="1.0" encoding="utf-8"?>
 <p:sld xmlns:a="http://schemas.openxmlformats.org/drawingml/2006/main" xmlns:r="http://schemas.openxmlformats.org/officeDocument/2006/relationships" xmlns:p="http://schemas.openxmlformats.org/presentationml/2006/main">
   <p:cSld>
     <p:spTree>
@@ -12414,7 +12457,7 @@
 </p:sld>
 </file>
 
-<file path=ppt/slides/slide22.xml><?xml version="1.0" encoding="utf-8"?>
+<file path=ppt/slides/slide23.xml><?xml version="1.0" encoding="utf-8"?>
 <p:sld xmlns:a="http://schemas.openxmlformats.org/drawingml/2006/main" xmlns:r="http://schemas.openxmlformats.org/officeDocument/2006/relationships" xmlns:p="http://schemas.openxmlformats.org/presentationml/2006/main">
   <p:cSld>
     <p:spTree>
@@ -14035,7 +14078,7 @@
 </p:sld>
 </file>
 
-<file path=ppt/slides/slide23.xml><?xml version="1.0" encoding="utf-8"?>
+<file path=ppt/slides/slide24.xml><?xml version="1.0" encoding="utf-8"?>
 <p:sld xmlns:a="http://schemas.openxmlformats.org/drawingml/2006/main" xmlns:r="http://schemas.openxmlformats.org/officeDocument/2006/relationships" xmlns:p="http://schemas.openxmlformats.org/presentationml/2006/main">
   <p:cSld>
     <p:spTree>
@@ -14359,7 +14402,7 @@
 </p:sld>
 </file>
 
-<file path=ppt/slides/slide24.xml><?xml version="1.0" encoding="utf-8"?>
+<file path=ppt/slides/slide25.xml><?xml version="1.0" encoding="utf-8"?>
 <p:sld xmlns:a="http://schemas.openxmlformats.org/drawingml/2006/main" xmlns:r="http://schemas.openxmlformats.org/officeDocument/2006/relationships" xmlns:p="http://schemas.openxmlformats.org/presentationml/2006/main">
   <p:cSld>
     <p:spTree>
@@ -14565,7 +14608,7 @@
 </p:sld>
 </file>
 
-<file path=ppt/slides/slide25.xml><?xml version="1.0" encoding="utf-8"?>
+<file path=ppt/slides/slide26.xml><?xml version="1.0" encoding="utf-8"?>
 <p:sld xmlns:a="http://schemas.openxmlformats.org/drawingml/2006/main" xmlns:r="http://schemas.openxmlformats.org/officeDocument/2006/relationships" xmlns:p="http://schemas.openxmlformats.org/presentationml/2006/main">
   <p:cSld>
     <p:spTree>
@@ -14964,7 +15007,7 @@
 </p:sld>
 </file>
 
-<file path=ppt/slides/slide26.xml><?xml version="1.0" encoding="utf-8"?>
+<file path=ppt/slides/slide27.xml><?xml version="1.0" encoding="utf-8"?>
 <p:sld xmlns:a="http://schemas.openxmlformats.org/drawingml/2006/main" xmlns:r="http://schemas.openxmlformats.org/officeDocument/2006/relationships" xmlns:p="http://schemas.openxmlformats.org/presentationml/2006/main">
   <p:cSld>
     <p:spTree>
@@ -15652,7 +15695,7 @@
 </p:sld>
 </file>
 
-<file path=ppt/slides/slide27.xml><?xml version="1.0" encoding="utf-8"?>
+<file path=ppt/slides/slide28.xml><?xml version="1.0" encoding="utf-8"?>
 <p:sld xmlns:a="http://schemas.openxmlformats.org/drawingml/2006/main" xmlns:r="http://schemas.openxmlformats.org/officeDocument/2006/relationships" xmlns:p="http://schemas.openxmlformats.org/presentationml/2006/main">
   <p:cSld>
     <p:spTree>

--- a/8.0_Machine Learning/ml_class/ml_class_notes/class_3_Logistic_regression_class.pptx
+++ b/8.0_Machine Learning/ml_class/ml_class_notes/class_3_Logistic_regression_class.pptx
@@ -18,21 +18,23 @@
     <p:sldId id="299" r:id="rId13"/>
     <p:sldId id="285" r:id="rId14"/>
     <p:sldId id="288" r:id="rId15"/>
-    <p:sldId id="300" r:id="rId16"/>
-    <p:sldId id="305" r:id="rId17"/>
-    <p:sldId id="287" r:id="rId18"/>
-    <p:sldId id="311" r:id="rId19"/>
-    <p:sldId id="289" r:id="rId20"/>
-    <p:sldId id="304" r:id="rId21"/>
-    <p:sldId id="303" r:id="rId22"/>
-    <p:sldId id="306" r:id="rId23"/>
-    <p:sldId id="307" r:id="rId24"/>
-    <p:sldId id="291" r:id="rId25"/>
-    <p:sldId id="292" r:id="rId26"/>
-    <p:sldId id="308" r:id="rId27"/>
-    <p:sldId id="309" r:id="rId28"/>
-    <p:sldId id="310" r:id="rId29"/>
-    <p:sldId id="293" r:id="rId30"/>
+    <p:sldId id="312" r:id="rId16"/>
+    <p:sldId id="313" r:id="rId17"/>
+    <p:sldId id="300" r:id="rId18"/>
+    <p:sldId id="305" r:id="rId19"/>
+    <p:sldId id="287" r:id="rId20"/>
+    <p:sldId id="311" r:id="rId21"/>
+    <p:sldId id="289" r:id="rId22"/>
+    <p:sldId id="304" r:id="rId23"/>
+    <p:sldId id="303" r:id="rId24"/>
+    <p:sldId id="306" r:id="rId25"/>
+    <p:sldId id="307" r:id="rId26"/>
+    <p:sldId id="291" r:id="rId27"/>
+    <p:sldId id="292" r:id="rId28"/>
+    <p:sldId id="308" r:id="rId29"/>
+    <p:sldId id="309" r:id="rId30"/>
+    <p:sldId id="310" r:id="rId31"/>
+    <p:sldId id="293" r:id="rId32"/>
   </p:sldIdLst>
   <p:sldSz cx="12192000" cy="6858000"/>
   <p:notesSz cx="6858000" cy="9144000"/>
@@ -8891,6 +8893,626 @@
         <p:nvPr/>
       </p:nvGrpSpPr>
       <p:grpSpPr/>
+      <p:pic>
+        <p:nvPicPr>
+          <p:cNvPr id="2" name="Picture 1"/>
+          <p:cNvPicPr/>
+          <p:nvPr/>
+        </p:nvPicPr>
+        <p:blipFill>
+          <a:blip r:embed="rId1"/>
+          <a:srcRect r="53279"/>
+          <a:stretch>
+            <a:fillRect/>
+          </a:stretch>
+        </p:blipFill>
+        <p:spPr>
+          <a:xfrm>
+            <a:off x="0" y="0"/>
+            <a:ext cx="3989705" cy="3050540"/>
+          </a:xfrm>
+          <a:prstGeom prst="rect">
+            <a:avLst/>
+          </a:prstGeom>
+        </p:spPr>
+      </p:pic>
+      <p:pic>
+        <p:nvPicPr>
+          <p:cNvPr id="3" name="Picture 2"/>
+          <p:cNvPicPr/>
+          <p:nvPr/>
+        </p:nvPicPr>
+        <p:blipFill>
+          <a:blip r:embed="rId2"/>
+          <a:stretch>
+            <a:fillRect/>
+          </a:stretch>
+        </p:blipFill>
+        <p:spPr>
+          <a:xfrm>
+            <a:off x="4733290" y="153035"/>
+            <a:ext cx="7313930" cy="5683250"/>
+          </a:xfrm>
+          <a:prstGeom prst="rect">
+            <a:avLst/>
+          </a:prstGeom>
+        </p:spPr>
+      </p:pic>
+      <p:pic>
+        <p:nvPicPr>
+          <p:cNvPr id="4" name="Picture 3"/>
+          <p:cNvPicPr/>
+          <p:nvPr/>
+        </p:nvPicPr>
+        <p:blipFill>
+          <a:blip r:embed="rId1"/>
+          <a:srcRect l="48708"/>
+          <a:stretch>
+            <a:fillRect/>
+          </a:stretch>
+        </p:blipFill>
+        <p:spPr>
+          <a:xfrm>
+            <a:off x="186690" y="3050540"/>
+            <a:ext cx="4284980" cy="3261360"/>
+          </a:xfrm>
+          <a:prstGeom prst="rect">
+            <a:avLst/>
+          </a:prstGeom>
+        </p:spPr>
+      </p:pic>
+    </p:spTree>
+  </p:cSld>
+  <p:clrMapOvr>
+    <a:masterClrMapping/>
+  </p:clrMapOvr>
+</p:sld>
+</file>
+
+<file path=ppt/slides/slide15.xml><?xml version="1.0" encoding="utf-8"?>
+<p:sld xmlns:a="http://schemas.openxmlformats.org/drawingml/2006/main" xmlns:r="http://schemas.openxmlformats.org/officeDocument/2006/relationships" xmlns:p="http://schemas.openxmlformats.org/presentationml/2006/main">
+  <p:cSld>
+    <p:spTree>
+      <p:nvGrpSpPr>
+        <p:cNvPr id="1" name=""/>
+        <p:cNvGrpSpPr/>
+        <p:nvPr/>
+      </p:nvGrpSpPr>
+      <p:grpSpPr/>
+      <p:pic>
+        <p:nvPicPr>
+          <p:cNvPr id="2" name="Picture 1"/>
+          <p:cNvPicPr>
+            <a:picLocks noChangeAspect="1"/>
+          </p:cNvPicPr>
+          <p:nvPr/>
+        </p:nvPicPr>
+        <p:blipFill>
+          <a:blip r:embed="rId1"/>
+          <a:srcRect l="8102" t="40660" r="72757" b="56215"/>
+          <a:stretch>
+            <a:fillRect/>
+          </a:stretch>
+        </p:blipFill>
+        <p:spPr>
+          <a:xfrm>
+            <a:off x="512445" y="254635"/>
+            <a:ext cx="5679440" cy="521335"/>
+          </a:xfrm>
+          <a:prstGeom prst="rect">
+            <a:avLst/>
+          </a:prstGeom>
+        </p:spPr>
+      </p:pic>
+      <p:pic>
+        <p:nvPicPr>
+          <p:cNvPr id="3" name="Picture 2"/>
+          <p:cNvPicPr>
+            <a:picLocks noChangeAspect="1"/>
+          </p:cNvPicPr>
+          <p:nvPr/>
+        </p:nvPicPr>
+        <p:blipFill>
+          <a:blip r:embed="rId1"/>
+          <a:srcRect l="7877" t="33047" r="62172" b="51406"/>
+          <a:stretch>
+            <a:fillRect/>
+          </a:stretch>
+        </p:blipFill>
+        <p:spPr>
+          <a:xfrm>
+            <a:off x="512445" y="1051560"/>
+            <a:ext cx="5302250" cy="1547495"/>
+          </a:xfrm>
+          <a:prstGeom prst="rect">
+            <a:avLst/>
+          </a:prstGeom>
+        </p:spPr>
+      </p:pic>
+      <p:pic>
+        <p:nvPicPr>
+          <p:cNvPr id="4" name="Picture 3"/>
+          <p:cNvPicPr>
+            <a:picLocks noChangeAspect="1"/>
+          </p:cNvPicPr>
+          <p:nvPr/>
+        </p:nvPicPr>
+        <p:blipFill>
+          <a:blip r:embed="rId1"/>
+          <a:srcRect l="7199" t="43785" r="83680" b="50000"/>
+          <a:stretch>
+            <a:fillRect/>
+          </a:stretch>
+        </p:blipFill>
+        <p:spPr>
+          <a:xfrm>
+            <a:off x="6696075" y="1508760"/>
+            <a:ext cx="4208145" cy="1612265"/>
+          </a:xfrm>
+          <a:prstGeom prst="rect">
+            <a:avLst/>
+          </a:prstGeom>
+        </p:spPr>
+      </p:pic>
+      <p:pic>
+        <p:nvPicPr>
+          <p:cNvPr id="5" name="Picture 4"/>
+          <p:cNvPicPr>
+            <a:picLocks noChangeAspect="1"/>
+          </p:cNvPicPr>
+          <p:nvPr/>
+        </p:nvPicPr>
+        <p:blipFill>
+          <a:blip r:embed="rId1"/>
+          <a:srcRect l="8214" t="48672" r="55979" b="30972"/>
+          <a:stretch>
+            <a:fillRect/>
+          </a:stretch>
+        </p:blipFill>
+        <p:spPr>
+          <a:xfrm>
+            <a:off x="146050" y="3712845"/>
+            <a:ext cx="7941310" cy="2538095"/>
+          </a:xfrm>
+          <a:prstGeom prst="rect">
+            <a:avLst/>
+          </a:prstGeom>
+        </p:spPr>
+      </p:pic>
+      <p:pic>
+        <p:nvPicPr>
+          <p:cNvPr id="6" name="Picture 5"/>
+          <p:cNvPicPr/>
+          <p:nvPr/>
+        </p:nvPicPr>
+        <p:blipFill>
+          <a:blip r:embed="rId2"/>
+          <a:srcRect r="53279"/>
+          <a:stretch>
+            <a:fillRect/>
+          </a:stretch>
+        </p:blipFill>
+        <p:spPr>
+          <a:xfrm>
+            <a:off x="8202295" y="3329305"/>
+            <a:ext cx="3989705" cy="3050540"/>
+          </a:xfrm>
+          <a:prstGeom prst="rect">
+            <a:avLst/>
+          </a:prstGeom>
+        </p:spPr>
+      </p:pic>
+      <p:pic>
+        <p:nvPicPr>
+          <p:cNvPr id="19" name="Picture 18"/>
+          <p:cNvPicPr/>
+          <p:nvPr/>
+        </p:nvPicPr>
+        <p:blipFill>
+          <a:blip r:embed="rId2"/>
+          <a:srcRect l="48708" t="11741"/>
+          <a:stretch>
+            <a:fillRect/>
+          </a:stretch>
+        </p:blipFill>
+        <p:spPr>
+          <a:xfrm>
+            <a:off x="7902575" y="3387090"/>
+            <a:ext cx="4284980" cy="2878455"/>
+          </a:xfrm>
+          <a:prstGeom prst="rect">
+            <a:avLst/>
+          </a:prstGeom>
+        </p:spPr>
+      </p:pic>
+      <p:sp>
+        <p:nvSpPr>
+          <p:cNvPr id="28" name="Text Box 27"/>
+          <p:cNvSpPr txBox="1"/>
+          <p:nvPr/>
+        </p:nvSpPr>
+        <p:spPr>
+          <a:xfrm>
+            <a:off x="8763000" y="1629410"/>
+            <a:ext cx="483235" cy="368300"/>
+          </a:xfrm>
+          <a:prstGeom prst="rect">
+            <a:avLst/>
+          </a:prstGeom>
+          <a:noFill/>
+        </p:spPr>
+        <p:txBody>
+          <a:bodyPr wrap="square" rtlCol="0">
+            <a:spAutoFit/>
+          </a:bodyPr>
+          <a:p>
+            <a:r>
+              <a:rPr lang="en-US" b="1">
+                <a:solidFill>
+                  <a:srgbClr val="FF0000"/>
+                </a:solidFill>
+              </a:rPr>
+              <a:t>TP</a:t>
+            </a:r>
+            <a:endParaRPr lang="en-US" b="1">
+              <a:solidFill>
+                <a:srgbClr val="FF0000"/>
+              </a:solidFill>
+            </a:endParaRPr>
+          </a:p>
+        </p:txBody>
+      </p:sp>
+      <p:sp>
+        <p:nvSpPr>
+          <p:cNvPr id="29" name="Text Box 28"/>
+          <p:cNvSpPr txBox="1"/>
+          <p:nvPr/>
+        </p:nvSpPr>
+        <p:spPr>
+          <a:xfrm>
+            <a:off x="9648825" y="2726690"/>
+            <a:ext cx="483235" cy="368300"/>
+          </a:xfrm>
+          <a:prstGeom prst="rect">
+            <a:avLst/>
+          </a:prstGeom>
+          <a:noFill/>
+        </p:spPr>
+        <p:txBody>
+          <a:bodyPr wrap="square" rtlCol="0">
+            <a:spAutoFit/>
+          </a:bodyPr>
+          <a:p>
+            <a:r>
+              <a:rPr lang="en-US" b="1">
+                <a:solidFill>
+                  <a:srgbClr val="FF0000"/>
+                </a:solidFill>
+              </a:rPr>
+              <a:t>TN</a:t>
+            </a:r>
+            <a:endParaRPr lang="en-US" b="1">
+              <a:solidFill>
+                <a:srgbClr val="FF0000"/>
+              </a:solidFill>
+            </a:endParaRPr>
+          </a:p>
+        </p:txBody>
+      </p:sp>
+      <p:sp>
+        <p:nvSpPr>
+          <p:cNvPr id="30" name="Text Box 29"/>
+          <p:cNvSpPr txBox="1"/>
+          <p:nvPr/>
+        </p:nvSpPr>
+        <p:spPr>
+          <a:xfrm>
+            <a:off x="8655685" y="2726690"/>
+            <a:ext cx="483235" cy="368300"/>
+          </a:xfrm>
+          <a:prstGeom prst="rect">
+            <a:avLst/>
+          </a:prstGeom>
+          <a:noFill/>
+        </p:spPr>
+        <p:txBody>
+          <a:bodyPr wrap="square" rtlCol="0">
+            <a:spAutoFit/>
+          </a:bodyPr>
+          <a:p>
+            <a:r>
+              <a:rPr lang="en-US" b="1">
+                <a:solidFill>
+                  <a:srgbClr val="FF0000"/>
+                </a:solidFill>
+              </a:rPr>
+              <a:t>FP</a:t>
+            </a:r>
+            <a:endParaRPr lang="en-US" b="1">
+              <a:solidFill>
+                <a:srgbClr val="FF0000"/>
+              </a:solidFill>
+            </a:endParaRPr>
+          </a:p>
+        </p:txBody>
+      </p:sp>
+      <p:sp>
+        <p:nvSpPr>
+          <p:cNvPr id="31" name="Text Box 30"/>
+          <p:cNvSpPr txBox="1"/>
+          <p:nvPr/>
+        </p:nvSpPr>
+        <p:spPr>
+          <a:xfrm>
+            <a:off x="10092055" y="1575435"/>
+            <a:ext cx="483235" cy="368300"/>
+          </a:xfrm>
+          <a:prstGeom prst="rect">
+            <a:avLst/>
+          </a:prstGeom>
+          <a:noFill/>
+        </p:spPr>
+        <p:txBody>
+          <a:bodyPr wrap="square" rtlCol="0">
+            <a:spAutoFit/>
+          </a:bodyPr>
+          <a:p>
+            <a:r>
+              <a:rPr lang="en-US" b="1">
+                <a:solidFill>
+                  <a:srgbClr val="FF0000"/>
+                </a:solidFill>
+              </a:rPr>
+              <a:t>FP</a:t>
+            </a:r>
+            <a:endParaRPr lang="en-US" b="1">
+              <a:solidFill>
+                <a:srgbClr val="FF0000"/>
+              </a:solidFill>
+            </a:endParaRPr>
+          </a:p>
+        </p:txBody>
+      </p:sp>
+      <p:sp>
+        <p:nvSpPr>
+          <p:cNvPr id="33" name="Text Box 32"/>
+          <p:cNvSpPr txBox="1"/>
+          <p:nvPr/>
+        </p:nvSpPr>
+        <p:spPr>
+          <a:xfrm>
+            <a:off x="6192520" y="1899920"/>
+            <a:ext cx="865505" cy="368300"/>
+          </a:xfrm>
+          <a:prstGeom prst="rect">
+            <a:avLst/>
+          </a:prstGeom>
+          <a:noFill/>
+        </p:spPr>
+        <p:txBody>
+          <a:bodyPr wrap="square" rtlCol="0">
+            <a:spAutoFit/>
+          </a:bodyPr>
+          <a:p>
+            <a:r>
+              <a:rPr lang="en-US" b="1">
+                <a:solidFill>
+                  <a:srgbClr val="FF0000"/>
+                </a:solidFill>
+              </a:rPr>
+              <a:t>Actual</a:t>
+            </a:r>
+            <a:endParaRPr lang="en-US" b="1">
+              <a:solidFill>
+                <a:srgbClr val="FF0000"/>
+              </a:solidFill>
+            </a:endParaRPr>
+          </a:p>
+        </p:txBody>
+      </p:sp>
+      <p:sp>
+        <p:nvSpPr>
+          <p:cNvPr id="34" name="Text Box 33"/>
+          <p:cNvSpPr txBox="1"/>
+          <p:nvPr/>
+        </p:nvSpPr>
+        <p:spPr>
+          <a:xfrm>
+            <a:off x="8656320" y="548640"/>
+            <a:ext cx="1220470" cy="368300"/>
+          </a:xfrm>
+          <a:prstGeom prst="rect">
+            <a:avLst/>
+          </a:prstGeom>
+          <a:noFill/>
+        </p:spPr>
+        <p:txBody>
+          <a:bodyPr wrap="square" rtlCol="0">
+            <a:spAutoFit/>
+          </a:bodyPr>
+          <a:p>
+            <a:r>
+              <a:rPr lang="en-US" b="1">
+                <a:solidFill>
+                  <a:srgbClr val="FF0000"/>
+                </a:solidFill>
+              </a:rPr>
+              <a:t>Predict</a:t>
+            </a:r>
+            <a:endParaRPr lang="en-US" b="1">
+              <a:solidFill>
+                <a:srgbClr val="FF0000"/>
+              </a:solidFill>
+            </a:endParaRPr>
+          </a:p>
+        </p:txBody>
+      </p:sp>
+      <p:sp>
+        <p:nvSpPr>
+          <p:cNvPr id="35" name="Text Box 34"/>
+          <p:cNvSpPr txBox="1"/>
+          <p:nvPr/>
+        </p:nvSpPr>
+        <p:spPr>
+          <a:xfrm>
+            <a:off x="7060565" y="2268220"/>
+            <a:ext cx="349250" cy="460375"/>
+          </a:xfrm>
+          <a:prstGeom prst="rect">
+            <a:avLst/>
+          </a:prstGeom>
+          <a:noFill/>
+        </p:spPr>
+        <p:txBody>
+          <a:bodyPr wrap="square" rtlCol="0">
+            <a:spAutoFit/>
+          </a:bodyPr>
+          <a:p>
+            <a:r>
+              <a:rPr lang="en-US" sz="2400" b="1">
+                <a:solidFill>
+                  <a:srgbClr val="FF0000"/>
+                </a:solidFill>
+              </a:rPr>
+              <a:t>Y</a:t>
+            </a:r>
+            <a:endParaRPr lang="en-US" sz="2400" b="1">
+              <a:solidFill>
+                <a:srgbClr val="FF0000"/>
+              </a:solidFill>
+            </a:endParaRPr>
+          </a:p>
+        </p:txBody>
+      </p:sp>
+      <p:sp>
+        <p:nvSpPr>
+          <p:cNvPr id="36" name="Text Box 35"/>
+          <p:cNvSpPr txBox="1"/>
+          <p:nvPr/>
+        </p:nvSpPr>
+        <p:spPr>
+          <a:xfrm>
+            <a:off x="9678035" y="1042035"/>
+            <a:ext cx="349250" cy="460375"/>
+          </a:xfrm>
+          <a:prstGeom prst="rect">
+            <a:avLst/>
+          </a:prstGeom>
+          <a:noFill/>
+        </p:spPr>
+        <p:txBody>
+          <a:bodyPr wrap="square" rtlCol="0">
+            <a:spAutoFit/>
+          </a:bodyPr>
+          <a:p>
+            <a:r>
+              <a:rPr lang="en-US" sz="2400" b="1">
+                <a:solidFill>
+                  <a:srgbClr val="FF0000"/>
+                </a:solidFill>
+              </a:rPr>
+              <a:t>Y</a:t>
+            </a:r>
+            <a:endParaRPr lang="en-US" sz="2400" b="1">
+              <a:solidFill>
+                <a:srgbClr val="FF0000"/>
+              </a:solidFill>
+            </a:endParaRPr>
+          </a:p>
+        </p:txBody>
+      </p:sp>
+      <p:sp>
+        <p:nvSpPr>
+          <p:cNvPr id="37" name="Text Box 36"/>
+          <p:cNvSpPr txBox="1"/>
+          <p:nvPr/>
+        </p:nvSpPr>
+        <p:spPr>
+          <a:xfrm>
+            <a:off x="7960995" y="1115060"/>
+            <a:ext cx="349250" cy="460375"/>
+          </a:xfrm>
+          <a:prstGeom prst="rect">
+            <a:avLst/>
+          </a:prstGeom>
+          <a:noFill/>
+        </p:spPr>
+        <p:txBody>
+          <a:bodyPr wrap="square" rtlCol="0">
+            <a:spAutoFit/>
+          </a:bodyPr>
+          <a:p>
+            <a:r>
+              <a:rPr lang="en-US" sz="2400" b="1">
+                <a:solidFill>
+                  <a:srgbClr val="FF0000"/>
+                </a:solidFill>
+              </a:rPr>
+              <a:t>N</a:t>
+            </a:r>
+            <a:endParaRPr lang="en-US" sz="2400" b="1">
+              <a:solidFill>
+                <a:srgbClr val="FF0000"/>
+              </a:solidFill>
+            </a:endParaRPr>
+          </a:p>
+        </p:txBody>
+      </p:sp>
+      <p:sp>
+        <p:nvSpPr>
+          <p:cNvPr id="38" name="Text Box 37"/>
+          <p:cNvSpPr txBox="1"/>
+          <p:nvPr/>
+        </p:nvSpPr>
+        <p:spPr>
+          <a:xfrm>
+            <a:off x="7026275" y="1673225"/>
+            <a:ext cx="349250" cy="460375"/>
+          </a:xfrm>
+          <a:prstGeom prst="rect">
+            <a:avLst/>
+          </a:prstGeom>
+          <a:noFill/>
+        </p:spPr>
+        <p:txBody>
+          <a:bodyPr wrap="square" rtlCol="0">
+            <a:spAutoFit/>
+          </a:bodyPr>
+          <a:p>
+            <a:r>
+              <a:rPr lang="en-US" sz="2400" b="1">
+                <a:solidFill>
+                  <a:srgbClr val="FF0000"/>
+                </a:solidFill>
+              </a:rPr>
+              <a:t>N</a:t>
+            </a:r>
+            <a:endParaRPr lang="en-US" sz="2400" b="1">
+              <a:solidFill>
+                <a:srgbClr val="FF0000"/>
+              </a:solidFill>
+            </a:endParaRPr>
+          </a:p>
+        </p:txBody>
+      </p:sp>
+    </p:spTree>
+  </p:cSld>
+  <p:clrMapOvr>
+    <a:masterClrMapping/>
+  </p:clrMapOvr>
+</p:sld>
+</file>
+
+<file path=ppt/slides/slide16.xml><?xml version="1.0" encoding="utf-8"?>
+<p:sld xmlns:a="http://schemas.openxmlformats.org/drawingml/2006/main" xmlns:r="http://schemas.openxmlformats.org/officeDocument/2006/relationships" xmlns:p="http://schemas.openxmlformats.org/presentationml/2006/main">
+  <p:cSld>
+    <p:spTree>
+      <p:nvGrpSpPr>
+        <p:cNvPr id="1" name=""/>
+        <p:cNvGrpSpPr/>
+        <p:nvPr/>
+      </p:nvGrpSpPr>
+      <p:grpSpPr/>
       <p:sp>
         <p:nvSpPr>
           <p:cNvPr id="2" name="Text Box 1"/>
@@ -9023,7 +9645,7 @@
 </p:sld>
 </file>
 
-<file path=ppt/slides/slide15.xml><?xml version="1.0" encoding="utf-8"?>
+<file path=ppt/slides/slide17.xml><?xml version="1.0" encoding="utf-8"?>
 <p:sld xmlns:a="http://schemas.openxmlformats.org/drawingml/2006/main" xmlns:r="http://schemas.openxmlformats.org/officeDocument/2006/relationships" xmlns:p="http://schemas.openxmlformats.org/presentationml/2006/main">
   <p:cSld>
     <p:spTree>
@@ -9914,7 +10536,7 @@
 </p:sld>
 </file>
 
-<file path=ppt/slides/slide16.xml><?xml version="1.0" encoding="utf-8"?>
+<file path=ppt/slides/slide18.xml><?xml version="1.0" encoding="utf-8"?>
 <p:sld xmlns:a="http://schemas.openxmlformats.org/drawingml/2006/main" xmlns:r="http://schemas.openxmlformats.org/officeDocument/2006/relationships" xmlns:p="http://schemas.openxmlformats.org/presentationml/2006/main">
   <p:cSld>
     <p:spTree>
@@ -10212,7 +10834,7 @@
 </p:sld>
 </file>
 
-<file path=ppt/slides/slide17.xml><?xml version="1.0" encoding="utf-8"?>
+<file path=ppt/slides/slide19.xml><?xml version="1.0" encoding="utf-8"?>
 <p:sld xmlns:a="http://schemas.openxmlformats.org/drawingml/2006/main" xmlns:r="http://schemas.openxmlformats.org/officeDocument/2006/relationships" xmlns:p="http://schemas.openxmlformats.org/presentationml/2006/main">
   <p:cSld>
     <p:spTree>
@@ -10246,875 +10868,6 @@
           </a:prstGeom>
         </p:spPr>
       </p:pic>
-    </p:spTree>
-  </p:cSld>
-  <p:clrMapOvr>
-    <a:masterClrMapping/>
-  </p:clrMapOvr>
-</p:sld>
-</file>
-
-<file path=ppt/slides/slide18.xml><?xml version="1.0" encoding="utf-8"?>
-<p:sld xmlns:a="http://schemas.openxmlformats.org/drawingml/2006/main" xmlns:r="http://schemas.openxmlformats.org/officeDocument/2006/relationships" xmlns:p="http://schemas.openxmlformats.org/presentationml/2006/main">
-  <p:cSld>
-    <p:spTree>
-      <p:nvGrpSpPr>
-        <p:cNvPr id="1" name=""/>
-        <p:cNvGrpSpPr/>
-        <p:nvPr/>
-      </p:nvGrpSpPr>
-      <p:grpSpPr>
-        <a:xfrm>
-          <a:off x="0" y="0"/>
-          <a:ext cx="0" cy="0"/>
-          <a:chOff x="0" y="0"/>
-          <a:chExt cx="0" cy="0"/>
-        </a:xfrm>
-      </p:grpSpPr>
-      <p:sp>
-        <p:nvSpPr>
-          <p:cNvPr id="3" name="TextBox 2"/>
-          <p:cNvSpPr txBox="1"/>
-          <p:nvPr/>
-        </p:nvSpPr>
-        <p:spPr>
-          <a:xfrm>
-            <a:off x="275811" y="5827705"/>
-            <a:ext cx="8848311" cy="646331"/>
-          </a:xfrm>
-          <a:prstGeom prst="rect">
-            <a:avLst/>
-          </a:prstGeom>
-          <a:noFill/>
-        </p:spPr>
-        <p:txBody>
-          <a:bodyPr wrap="square">
-            <a:spAutoFit/>
-          </a:bodyPr>
-          <a:lstStyle/>
-          <a:p>
-            <a:r>
-              <a:rPr lang="en-IN" dirty="0">
-                <a:hlinkClick r:id="rId1"/>
-              </a:rPr>
-              <a:t>https://www.kaggle.com/code/prashant111/logistic-regression-classifier-tutorial</a:t>
-            </a:r>
-            <a:endParaRPr lang="en-IN" dirty="0"/>
-          </a:p>
-          <a:p>
-            <a:r>
-              <a:rPr lang="en-IN" dirty="0"/>
-              <a:t>Implementations with all in one </a:t>
-            </a:r>
-            <a:endParaRPr lang="en-IN" dirty="0"/>
-          </a:p>
-        </p:txBody>
-      </p:sp>
-      <p:sp>
-        <p:nvSpPr>
-          <p:cNvPr id="11" name="TextBox 10"/>
-          <p:cNvSpPr txBox="1"/>
-          <p:nvPr/>
-        </p:nvSpPr>
-        <p:spPr>
-          <a:xfrm>
-            <a:off x="331470" y="107315"/>
-            <a:ext cx="2882265" cy="368300"/>
-          </a:xfrm>
-          <a:prstGeom prst="rect">
-            <a:avLst/>
-          </a:prstGeom>
-          <a:noFill/>
-        </p:spPr>
-        <p:txBody>
-          <a:bodyPr wrap="square">
-            <a:spAutoFit/>
-          </a:bodyPr>
-          <a:lstStyle/>
-          <a:p>
-            <a:pPr algn="l"/>
-            <a:r>
-              <a:rPr lang="en-IN" b="1" i="0" dirty="0">
-                <a:solidFill>
-                  <a:srgbClr val="FF0000"/>
-                </a:solidFill>
-                <a:effectLst/>
-                <a:latin typeface="montserrat" panose="00000500000000000000" pitchFamily="2" charset="0"/>
-              </a:rPr>
-              <a:t>III. Precision</a:t>
-            </a:r>
-            <a:endParaRPr lang="en-IN" b="1" i="0" dirty="0">
-              <a:solidFill>
-                <a:srgbClr val="FF0000"/>
-              </a:solidFill>
-              <a:effectLst/>
-              <a:latin typeface="montserrat" panose="00000500000000000000" pitchFamily="2" charset="0"/>
-            </a:endParaRPr>
-          </a:p>
-        </p:txBody>
-      </p:sp>
-      <p:pic>
-        <p:nvPicPr>
-          <p:cNvPr id="6150" name="Picture 6" descr="Performance Metrics in Machine Learning"/>
-          <p:cNvPicPr>
-            <a:picLocks noChangeAspect="1" noChangeArrowheads="1"/>
-          </p:cNvPicPr>
-          <p:nvPr/>
-        </p:nvPicPr>
-        <p:blipFill>
-          <a:blip r:embed="rId2">
-            <a:extLst>
-              <a:ext uri="{28A0092B-C50C-407E-A947-70E740481C1C}">
-                <a14:useLocalDpi xmlns:a14="http://schemas.microsoft.com/office/drawing/2010/main" val="0"/>
-              </a:ext>
-            </a:extLst>
-          </a:blip>
-          <a:srcRect/>
-          <a:stretch>
-            <a:fillRect/>
-          </a:stretch>
-        </p:blipFill>
-        <p:spPr bwMode="auto">
-          <a:xfrm>
-            <a:off x="7786370" y="819393"/>
-            <a:ext cx="3171825" cy="819150"/>
-          </a:xfrm>
-          <a:prstGeom prst="rect">
-            <a:avLst/>
-          </a:prstGeom>
-          <a:noFill/>
-          <a:extLst>
-            <a:ext uri="{909E8E84-426E-40DD-AFC4-6F175D3DCCD1}">
-              <a14:hiddenFill xmlns:a14="http://schemas.microsoft.com/office/drawing/2010/main">
-                <a:solidFill>
-                  <a:srgbClr val="FFFFFF"/>
-                </a:solidFill>
-              </a14:hiddenFill>
-            </a:ext>
-          </a:extLst>
-        </p:spPr>
-      </p:pic>
-      <p:sp>
-        <p:nvSpPr>
-          <p:cNvPr id="19" name="TextBox 18"/>
-          <p:cNvSpPr txBox="1"/>
-          <p:nvPr/>
-        </p:nvSpPr>
-        <p:spPr>
-          <a:xfrm>
-            <a:off x="499110" y="5597525"/>
-            <a:ext cx="6942455" cy="368300"/>
-          </a:xfrm>
-          <a:prstGeom prst="rect">
-            <a:avLst/>
-          </a:prstGeom>
-          <a:noFill/>
-        </p:spPr>
-        <p:txBody>
-          <a:bodyPr wrap="square">
-            <a:spAutoFit/>
-          </a:bodyPr>
-          <a:lstStyle/>
-          <a:p>
-            <a:r>
-              <a:rPr lang="en-IN" dirty="0">
-                <a:hlinkClick r:id="rId3"/>
-              </a:rPr>
-              <a:t>https://www.javatpoint.com/performance-metrics-in-machine-learning</a:t>
-            </a:r>
-            <a:r>
-              <a:rPr lang="en-IN" dirty="0"/>
-              <a:t> </a:t>
-            </a:r>
-            <a:endParaRPr lang="en-IN" dirty="0"/>
-          </a:p>
-        </p:txBody>
-      </p:sp>
-      <p:pic>
-        <p:nvPicPr>
-          <p:cNvPr id="2" name="Picture 1"/>
-          <p:cNvPicPr/>
-          <p:nvPr/>
-        </p:nvPicPr>
-        <p:blipFill>
-          <a:blip r:embed="rId4"/>
-          <a:srcRect l="8835" r="4978"/>
-          <a:stretch>
-            <a:fillRect/>
-          </a:stretch>
-        </p:blipFill>
-        <p:spPr>
-          <a:xfrm>
-            <a:off x="6096000" y="1678940"/>
-            <a:ext cx="5866765" cy="3197225"/>
-          </a:xfrm>
-          <a:prstGeom prst="rect">
-            <a:avLst/>
-          </a:prstGeom>
-        </p:spPr>
-      </p:pic>
-      <p:sp>
-        <p:nvSpPr>
-          <p:cNvPr id="4" name="Text Box 3"/>
-          <p:cNvSpPr txBox="1"/>
-          <p:nvPr/>
-        </p:nvSpPr>
-        <p:spPr>
-          <a:xfrm>
-            <a:off x="422275" y="487680"/>
-            <a:ext cx="6219190" cy="3291840"/>
-          </a:xfrm>
-          <a:prstGeom prst="rect">
-            <a:avLst/>
-          </a:prstGeom>
-        </p:spPr>
-        <p:txBody>
-          <a:bodyPr wrap="square">
-            <a:spAutoFit/>
-          </a:bodyPr>
-          <a:p>
-            <a:pPr marL="285750" indent="-285750">
-              <a:buFont typeface="Arial" panose="020B0604020202020204" pitchFamily="34" charset="0"/>
-              <a:buChar char="•"/>
-            </a:pPr>
-            <a:r>
-              <a:rPr sz="1600" b="0" i="0">
-                <a:solidFill>
-                  <a:srgbClr val="001D35"/>
-                </a:solidFill>
-                <a:latin typeface="Arial" panose="020B0604020202020204" pitchFamily="34" charset="0"/>
-                <a:ea typeface="Google Sans"/>
-                <a:cs typeface="Arial" panose="020B0604020202020204" pitchFamily="34" charset="0"/>
-              </a:rPr>
-              <a:t> precision is a metric that evaluates the accuracy of a model's positive predictions. </a:t>
-            </a:r>
-            <a:endParaRPr sz="1600" b="0" i="0">
-              <a:solidFill>
-                <a:srgbClr val="001D35"/>
-              </a:solidFill>
-              <a:latin typeface="Arial" panose="020B0604020202020204" pitchFamily="34" charset="0"/>
-              <a:ea typeface="Google Sans"/>
-              <a:cs typeface="Arial" panose="020B0604020202020204" pitchFamily="34" charset="0"/>
-            </a:endParaRPr>
-          </a:p>
-          <a:p>
-            <a:pPr marL="285750" indent="-285750">
-              <a:buFont typeface="Arial" panose="020B0604020202020204" pitchFamily="34" charset="0"/>
-              <a:buChar char="•"/>
-            </a:pPr>
-            <a:endParaRPr sz="1600" b="0" i="0">
-              <a:solidFill>
-                <a:srgbClr val="001D35"/>
-              </a:solidFill>
-              <a:latin typeface="Arial" panose="020B0604020202020204" pitchFamily="34" charset="0"/>
-              <a:ea typeface="Google Sans"/>
-              <a:cs typeface="Arial" panose="020B0604020202020204" pitchFamily="34" charset="0"/>
-            </a:endParaRPr>
-          </a:p>
-          <a:p>
-            <a:pPr marL="285750" indent="-285750">
-              <a:buFont typeface="Arial" panose="020B0604020202020204" pitchFamily="34" charset="0"/>
-              <a:buChar char="•"/>
-            </a:pPr>
-            <a:r>
-              <a:rPr sz="1600" b="0" i="0">
-                <a:solidFill>
-                  <a:srgbClr val="001D35"/>
-                </a:solidFill>
-                <a:latin typeface="Arial" panose="020B0604020202020204" pitchFamily="34" charset="0"/>
-                <a:ea typeface="Google Sans"/>
-                <a:cs typeface="Arial" panose="020B0604020202020204" pitchFamily="34" charset="0"/>
-              </a:rPr>
-              <a:t>It measures the proportion of correctly predicted positive instances out of all instances predicted as positive. </a:t>
-            </a:r>
-            <a:endParaRPr sz="1600" b="0" i="0">
-              <a:solidFill>
-                <a:srgbClr val="001D35"/>
-              </a:solidFill>
-              <a:latin typeface="Arial" panose="020B0604020202020204" pitchFamily="34" charset="0"/>
-              <a:ea typeface="Google Sans"/>
-              <a:cs typeface="Arial" panose="020B0604020202020204" pitchFamily="34" charset="0"/>
-            </a:endParaRPr>
-          </a:p>
-          <a:p>
-            <a:pPr marL="285750" indent="-285750">
-              <a:buFont typeface="Arial" panose="020B0604020202020204" pitchFamily="34" charset="0"/>
-              <a:buChar char="•"/>
-            </a:pPr>
-            <a:endParaRPr sz="1600" b="0" i="0">
-              <a:solidFill>
-                <a:srgbClr val="001D35"/>
-              </a:solidFill>
-              <a:latin typeface="Arial" panose="020B0604020202020204" pitchFamily="34" charset="0"/>
-              <a:ea typeface="Google Sans"/>
-              <a:cs typeface="Arial" panose="020B0604020202020204" pitchFamily="34" charset="0"/>
-            </a:endParaRPr>
-          </a:p>
-          <a:p>
-            <a:pPr marL="285750" indent="-285750">
-              <a:buFont typeface="Arial" panose="020B0604020202020204" pitchFamily="34" charset="0"/>
-              <a:buChar char="•"/>
-            </a:pPr>
-            <a:r>
-              <a:rPr sz="1600" b="0" i="0">
-                <a:solidFill>
-                  <a:srgbClr val="001D35"/>
-                </a:solidFill>
-                <a:latin typeface="Arial" panose="020B0604020202020204" pitchFamily="34" charset="0"/>
-                <a:ea typeface="Google Sans"/>
-                <a:cs typeface="Arial" panose="020B0604020202020204" pitchFamily="34" charset="0"/>
-              </a:rPr>
-              <a:t>Essentially, it answers the question: "Of all the instances the model classified as positive, how many were actually positive?"</a:t>
-            </a:r>
-            <a:endParaRPr sz="1600" b="0" i="0">
-              <a:solidFill>
-                <a:srgbClr val="001D35"/>
-              </a:solidFill>
-              <a:latin typeface="Arial" panose="020B0604020202020204" pitchFamily="34" charset="0"/>
-              <a:ea typeface="Google Sans"/>
-              <a:cs typeface="Arial" panose="020B0604020202020204" pitchFamily="34" charset="0"/>
-            </a:endParaRPr>
-          </a:p>
-          <a:p>
-            <a:pPr indent="0">
-              <a:buFont typeface="Arial" panose="020B0604020202020204" pitchFamily="34" charset="0"/>
-              <a:buNone/>
-            </a:pPr>
-            <a:r>
-              <a:rPr sz="1600" b="0" i="0">
-                <a:solidFill>
-                  <a:srgbClr val="001D35"/>
-                </a:solidFill>
-                <a:latin typeface="Arial" panose="020B0604020202020204" pitchFamily="34" charset="0"/>
-                <a:ea typeface="Google Sans"/>
-                <a:cs typeface="Arial" panose="020B0604020202020204" pitchFamily="34" charset="0"/>
-              </a:rPr>
-              <a:t> </a:t>
-            </a:r>
-            <a:endParaRPr sz="1600" b="0" i="0">
-              <a:solidFill>
-                <a:srgbClr val="001D35"/>
-              </a:solidFill>
-              <a:latin typeface="Arial" panose="020B0604020202020204" pitchFamily="34" charset="0"/>
-              <a:ea typeface="Google Sans"/>
-              <a:cs typeface="Arial" panose="020B0604020202020204" pitchFamily="34" charset="0"/>
-            </a:endParaRPr>
-          </a:p>
-          <a:p>
-            <a:pPr marL="285750" indent="-285750">
-              <a:buFont typeface="Arial" panose="020B0604020202020204" pitchFamily="34" charset="0"/>
-              <a:buChar char="•"/>
-            </a:pPr>
-            <a:r>
-              <a:rPr lang="en-US" sz="1600" dirty="0">
-                <a:solidFill>
-                  <a:srgbClr val="2B2A29"/>
-                </a:solidFill>
-                <a:effectLst/>
-                <a:latin typeface="Arial" panose="020B0604020202020204" pitchFamily="34" charset="0"/>
-                <a:cs typeface="Arial" panose="020B0604020202020204" pitchFamily="34" charset="0"/>
-                <a:sym typeface="+mn-ea"/>
-              </a:rPr>
-              <a:t>The precision metric is used to overcome the limitation of Accuracy. The precision determines the proportion of positive prediction that was actually correct.</a:t>
-            </a:r>
-            <a:endParaRPr lang="en-IN" sz="1600" dirty="0">
-              <a:latin typeface="Arial" panose="020B0604020202020204" pitchFamily="34" charset="0"/>
-              <a:cs typeface="Arial" panose="020B0604020202020204" pitchFamily="34" charset="0"/>
-            </a:endParaRPr>
-          </a:p>
-          <a:p>
-            <a:pPr marL="285750" indent="-285750">
-              <a:buFont typeface="Arial" panose="020B0604020202020204" pitchFamily="34" charset="0"/>
-              <a:buChar char="•"/>
-            </a:pPr>
-            <a:endParaRPr sz="1600" b="0" i="0">
-              <a:solidFill>
-                <a:srgbClr val="001D35"/>
-              </a:solidFill>
-              <a:latin typeface="Arial" panose="020B0604020202020204" pitchFamily="34" charset="0"/>
-              <a:ea typeface="Google Sans"/>
-              <a:cs typeface="Arial" panose="020B0604020202020204" pitchFamily="34" charset="0"/>
-            </a:endParaRPr>
-          </a:p>
-        </p:txBody>
-      </p:sp>
-      <p:sp>
-        <p:nvSpPr>
-          <p:cNvPr id="5" name="Text Box 4"/>
-          <p:cNvSpPr txBox="1"/>
-          <p:nvPr/>
-        </p:nvSpPr>
-        <p:spPr>
-          <a:xfrm>
-            <a:off x="422275" y="3580130"/>
-            <a:ext cx="6289675" cy="1765935"/>
-          </a:xfrm>
-          <a:prstGeom prst="rect">
-            <a:avLst/>
-          </a:prstGeom>
-        </p:spPr>
-        <p:txBody>
-          <a:bodyPr wrap="square">
-            <a:spAutoFit/>
-          </a:bodyPr>
-          <a:p>
-            <a:pPr marL="0" indent="0">
-              <a:lnSpc>
-                <a:spcPct val="100000"/>
-              </a:lnSpc>
-              <a:spcBef>
-                <a:spcPts val="1000"/>
-              </a:spcBef>
-              <a:spcAft>
-                <a:spcPts val="500"/>
-              </a:spcAft>
-            </a:pPr>
-            <a:r>
-              <a:rPr b="0" i="0">
-                <a:solidFill>
-                  <a:srgbClr val="001D35"/>
-                </a:solidFill>
-                <a:latin typeface="Arial" panose="020B0604020202020204" pitchFamily="34" charset="0"/>
-                <a:ea typeface="Google Sans"/>
-                <a:cs typeface="Arial" panose="020B0604020202020204" pitchFamily="34" charset="0"/>
-              </a:rPr>
-              <a:t>Here's a breakdown:</a:t>
-            </a:r>
-            <a:endParaRPr b="0" i="0">
-              <a:solidFill>
-                <a:srgbClr val="001D35"/>
-              </a:solidFill>
-              <a:latin typeface="Arial" panose="020B0604020202020204" pitchFamily="34" charset="0"/>
-              <a:ea typeface="Google Sans"/>
-              <a:cs typeface="Arial" panose="020B0604020202020204" pitchFamily="34" charset="0"/>
-            </a:endParaRPr>
-          </a:p>
-          <a:p>
-            <a:pPr marL="457200" lvl="1" indent="0">
-              <a:lnSpc>
-                <a:spcPct val="100000"/>
-              </a:lnSpc>
-              <a:spcBef>
-                <a:spcPct val="0"/>
-              </a:spcBef>
-              <a:spcAft>
-                <a:spcPts val="400"/>
-              </a:spcAft>
-              <a:buFont typeface="Arial" panose="020B0604020202020204"/>
-              <a:buChar char="•"/>
-            </a:pPr>
-            <a:r>
-              <a:rPr sz="1600" b="1" i="0">
-                <a:solidFill>
-                  <a:srgbClr val="001D35"/>
-                </a:solidFill>
-                <a:latin typeface="Arial" panose="020B0604020202020204" pitchFamily="34" charset="0"/>
-                <a:ea typeface="Google Sans"/>
-                <a:cs typeface="Arial" panose="020B0604020202020204" pitchFamily="34" charset="0"/>
-              </a:rPr>
-              <a:t>True Positives (TP)</a:t>
-            </a:r>
-            <a:r>
-              <a:rPr sz="1600" b="0" i="0">
-                <a:solidFill>
-                  <a:srgbClr val="001D35"/>
-                </a:solidFill>
-                <a:latin typeface="Arial" panose="020B0604020202020204" pitchFamily="34" charset="0"/>
-                <a:ea typeface="Google Sans"/>
-                <a:cs typeface="Arial" panose="020B0604020202020204" pitchFamily="34" charset="0"/>
-              </a:rPr>
-              <a:t>: Correctly predicted positive instances. </a:t>
-            </a:r>
-            <a:endParaRPr sz="1600" b="0" i="0">
-              <a:solidFill>
-                <a:srgbClr val="001D35"/>
-              </a:solidFill>
-              <a:latin typeface="Arial" panose="020B0604020202020204" pitchFamily="34" charset="0"/>
-              <a:ea typeface="Google Sans"/>
-              <a:cs typeface="Arial" panose="020B0604020202020204" pitchFamily="34" charset="0"/>
-            </a:endParaRPr>
-          </a:p>
-          <a:p>
-            <a:pPr marL="457200" lvl="1" indent="0">
-              <a:lnSpc>
-                <a:spcPct val="100000"/>
-              </a:lnSpc>
-              <a:spcBef>
-                <a:spcPct val="0"/>
-              </a:spcBef>
-              <a:spcAft>
-                <a:spcPts val="400"/>
-              </a:spcAft>
-              <a:buFont typeface="Arial" panose="020B0604020202020204"/>
-              <a:buChar char="•"/>
-            </a:pPr>
-            <a:r>
-              <a:rPr sz="1600" b="1" i="0">
-                <a:solidFill>
-                  <a:srgbClr val="001D35"/>
-                </a:solidFill>
-                <a:latin typeface="Arial" panose="020B0604020202020204" pitchFamily="34" charset="0"/>
-                <a:ea typeface="Google Sans"/>
-                <a:cs typeface="Arial" panose="020B0604020202020204" pitchFamily="34" charset="0"/>
-              </a:rPr>
-              <a:t>False Positives (FP)</a:t>
-            </a:r>
-            <a:r>
-              <a:rPr sz="1600" b="0" i="0">
-                <a:solidFill>
-                  <a:srgbClr val="001D35"/>
-                </a:solidFill>
-                <a:latin typeface="Arial" panose="020B0604020202020204" pitchFamily="34" charset="0"/>
-                <a:ea typeface="Google Sans"/>
-                <a:cs typeface="Arial" panose="020B0604020202020204" pitchFamily="34" charset="0"/>
-              </a:rPr>
-              <a:t>: Incorrectly predicted positive instances (the model thought they were positive, but they were actually negative). </a:t>
-            </a:r>
-            <a:endParaRPr sz="1600" b="0" i="0">
-              <a:solidFill>
-                <a:srgbClr val="001D35"/>
-              </a:solidFill>
-              <a:latin typeface="Arial" panose="020B0604020202020204" pitchFamily="34" charset="0"/>
-              <a:ea typeface="Google Sans"/>
-              <a:cs typeface="Arial" panose="020B0604020202020204" pitchFamily="34" charset="0"/>
-            </a:endParaRPr>
-          </a:p>
-          <a:p>
-            <a:pPr marL="0" indent="0">
-              <a:lnSpc>
-                <a:spcPct val="100000"/>
-              </a:lnSpc>
-              <a:spcBef>
-                <a:spcPct val="0"/>
-              </a:spcBef>
-              <a:spcAft>
-                <a:spcPct val="0"/>
-              </a:spcAft>
-              <a:buFont typeface="Arial" panose="020B0604020202020204"/>
-              <a:buChar char="•"/>
-            </a:pPr>
-            <a:r>
-              <a:rPr sz="1600" b="1" i="0">
-                <a:solidFill>
-                  <a:srgbClr val="001D35"/>
-                </a:solidFill>
-                <a:latin typeface="Arial" panose="020B0604020202020204" pitchFamily="34" charset="0"/>
-                <a:ea typeface="Google Sans"/>
-                <a:cs typeface="Arial" panose="020B0604020202020204" pitchFamily="34" charset="0"/>
-              </a:rPr>
-              <a:t>Precision Formula:</a:t>
-            </a:r>
-            <a:r>
-              <a:rPr sz="1600" b="0" i="0">
-                <a:solidFill>
-                  <a:srgbClr val="001D35"/>
-                </a:solidFill>
-                <a:latin typeface="Arial" panose="020B0604020202020204" pitchFamily="34" charset="0"/>
-                <a:ea typeface="Google Sans"/>
-                <a:cs typeface="Arial" panose="020B0604020202020204" pitchFamily="34" charset="0"/>
-              </a:rPr>
-              <a:t> Precision = TP / (TP + FP) </a:t>
-            </a:r>
-            <a:endParaRPr sz="1600" b="0" i="0">
-              <a:solidFill>
-                <a:srgbClr val="001D35"/>
-              </a:solidFill>
-              <a:latin typeface="Arial" panose="020B0604020202020204" pitchFamily="34" charset="0"/>
-              <a:ea typeface="Google Sans"/>
-              <a:cs typeface="Arial" panose="020B0604020202020204" pitchFamily="34" charset="0"/>
-            </a:endParaRPr>
-          </a:p>
-        </p:txBody>
-      </p:sp>
-    </p:spTree>
-  </p:cSld>
-  <p:clrMapOvr>
-    <a:masterClrMapping/>
-  </p:clrMapOvr>
-</p:sld>
-</file>
-
-<file path=ppt/slides/slide19.xml><?xml version="1.0" encoding="utf-8"?>
-<p:sld xmlns:a="http://schemas.openxmlformats.org/drawingml/2006/main" xmlns:r="http://schemas.openxmlformats.org/officeDocument/2006/relationships" xmlns:p="http://schemas.openxmlformats.org/presentationml/2006/main">
-  <p:cSld>
-    <p:spTree>
-      <p:nvGrpSpPr>
-        <p:cNvPr id="1" name=""/>
-        <p:cNvGrpSpPr/>
-        <p:nvPr/>
-      </p:nvGrpSpPr>
-      <p:grpSpPr/>
-      <p:sp>
-        <p:nvSpPr>
-          <p:cNvPr id="2" name="Text Box 1"/>
-          <p:cNvSpPr txBox="1"/>
-          <p:nvPr/>
-        </p:nvSpPr>
-        <p:spPr>
-          <a:xfrm>
-            <a:off x="64135" y="0"/>
-            <a:ext cx="10777220" cy="3750945"/>
-          </a:xfrm>
-          <a:prstGeom prst="rect">
-            <a:avLst/>
-          </a:prstGeom>
-        </p:spPr>
-        <p:txBody>
-          <a:bodyPr wrap="square">
-            <a:spAutoFit/>
-          </a:bodyPr>
-          <a:p>
-            <a:pPr marL="0" indent="0">
-              <a:lnSpc>
-                <a:spcPct val="100000"/>
-              </a:lnSpc>
-              <a:spcBef>
-                <a:spcPts val="1000"/>
-              </a:spcBef>
-              <a:spcAft>
-                <a:spcPts val="500"/>
-              </a:spcAft>
-            </a:pPr>
-            <a:r>
-              <a:rPr b="0" i="0">
-                <a:solidFill>
-                  <a:srgbClr val="001D35"/>
-                </a:solidFill>
-                <a:latin typeface="Arial" panose="020B0604020202020204" pitchFamily="34" charset="0"/>
-                <a:ea typeface="Google Sans"/>
-                <a:cs typeface="Arial" panose="020B0604020202020204" pitchFamily="34" charset="0"/>
-              </a:rPr>
-              <a:t>Example:</a:t>
-            </a:r>
-            <a:endParaRPr b="0" i="0">
-              <a:solidFill>
-                <a:srgbClr val="001D35"/>
-              </a:solidFill>
-              <a:latin typeface="Arial" panose="020B0604020202020204" pitchFamily="34" charset="0"/>
-              <a:ea typeface="Google Sans"/>
-              <a:cs typeface="Arial" panose="020B0604020202020204" pitchFamily="34" charset="0"/>
-            </a:endParaRPr>
-          </a:p>
-          <a:p>
-            <a:pPr marL="0" indent="0">
-              <a:lnSpc>
-                <a:spcPct val="100000"/>
-              </a:lnSpc>
-              <a:spcBef>
-                <a:spcPts val="500"/>
-              </a:spcBef>
-              <a:spcAft>
-                <a:spcPts val="1000"/>
-              </a:spcAft>
-            </a:pPr>
-            <a:r>
-              <a:rPr b="0" i="0">
-                <a:solidFill>
-                  <a:srgbClr val="001D35"/>
-                </a:solidFill>
-                <a:latin typeface="Arial" panose="020B0604020202020204" pitchFamily="34" charset="0"/>
-                <a:ea typeface="Google Sans"/>
-                <a:cs typeface="Arial" panose="020B0604020202020204" pitchFamily="34" charset="0"/>
-              </a:rPr>
-              <a:t>Imagine a spam filter. If the model flags 100 emails as spam, and 90 of them are actually spam (and 10 are incorrectly classified as spam), then the precision is 90/100 = 0.9 or 90%. This means 90% of the emails identified as spam were actually spam. </a:t>
-            </a:r>
-            <a:endParaRPr b="0" i="0">
-              <a:solidFill>
-                <a:srgbClr val="001D35"/>
-              </a:solidFill>
-              <a:latin typeface="Arial" panose="020B0604020202020204" pitchFamily="34" charset="0"/>
-              <a:ea typeface="Google Sans"/>
-              <a:cs typeface="Arial" panose="020B0604020202020204" pitchFamily="34" charset="0"/>
-            </a:endParaRPr>
-          </a:p>
-          <a:p>
-            <a:pPr marL="0" indent="0">
-              <a:lnSpc>
-                <a:spcPct val="100000"/>
-              </a:lnSpc>
-              <a:spcBef>
-                <a:spcPts val="1000"/>
-              </a:spcBef>
-              <a:spcAft>
-                <a:spcPts val="500"/>
-              </a:spcAft>
-            </a:pPr>
-            <a:r>
-              <a:rPr b="0" i="0">
-                <a:solidFill>
-                  <a:srgbClr val="001D35"/>
-                </a:solidFill>
-                <a:latin typeface="Arial" panose="020B0604020202020204" pitchFamily="34" charset="0"/>
-                <a:ea typeface="Google Sans"/>
-                <a:cs typeface="Arial" panose="020B0604020202020204" pitchFamily="34" charset="0"/>
-              </a:rPr>
-              <a:t>Importance of Precision: </a:t>
-            </a:r>
-            <a:endParaRPr b="0" i="0">
-              <a:solidFill>
-                <a:srgbClr val="001D35"/>
-              </a:solidFill>
-              <a:latin typeface="Arial" panose="020B0604020202020204" pitchFamily="34" charset="0"/>
-              <a:ea typeface="Google Sans"/>
-              <a:cs typeface="Arial" panose="020B0604020202020204" pitchFamily="34" charset="0"/>
-            </a:endParaRPr>
-          </a:p>
-          <a:p>
-            <a:pPr marL="457200" lvl="1" indent="0">
-              <a:lnSpc>
-                <a:spcPct val="100000"/>
-              </a:lnSpc>
-              <a:spcBef>
-                <a:spcPct val="0"/>
-              </a:spcBef>
-              <a:spcAft>
-                <a:spcPts val="400"/>
-              </a:spcAft>
-              <a:buFont typeface="Arial" panose="020B0604020202020204"/>
-              <a:buChar char="•"/>
-            </a:pPr>
-            <a:r>
-              <a:rPr sz="1600" b="0" i="0">
-                <a:solidFill>
-                  <a:srgbClr val="001D35"/>
-                </a:solidFill>
-                <a:latin typeface="Arial" panose="020B0604020202020204" pitchFamily="34" charset="0"/>
-                <a:ea typeface="Google Sans"/>
-                <a:cs typeface="Arial" panose="020B0604020202020204" pitchFamily="34" charset="0"/>
-              </a:rPr>
-              <a:t>High Precision is desirable when:</a:t>
-            </a:r>
-            <a:endParaRPr sz="1600" b="0" i="0">
-              <a:solidFill>
-                <a:srgbClr val="001D35"/>
-              </a:solidFill>
-              <a:latin typeface="Arial" panose="020B0604020202020204" pitchFamily="34" charset="0"/>
-              <a:ea typeface="Google Sans"/>
-              <a:cs typeface="Arial" panose="020B0604020202020204" pitchFamily="34" charset="0"/>
-            </a:endParaRPr>
-          </a:p>
-          <a:p>
-            <a:pPr marL="457200" lvl="1" indent="457200">
-              <a:lnSpc>
-                <a:spcPct val="100000"/>
-              </a:lnSpc>
-              <a:spcBef>
-                <a:spcPct val="0"/>
-              </a:spcBef>
-              <a:spcAft>
-                <a:spcPts val="400"/>
-              </a:spcAft>
-            </a:pPr>
-            <a:r>
-              <a:rPr sz="1600" b="0" i="0">
-                <a:solidFill>
-                  <a:srgbClr val="545D7E"/>
-                </a:solidFill>
-                <a:latin typeface="Arial" panose="020B0604020202020204" pitchFamily="34" charset="0"/>
-                <a:ea typeface="Google Sans"/>
-                <a:cs typeface="Arial" panose="020B0604020202020204" pitchFamily="34" charset="0"/>
-              </a:rPr>
-              <a:t>False positives are costly or undesirable. For instance, in medical diagnoses, you'd want a high precision </a:t>
-            </a:r>
-            <a:r>
-              <a:rPr lang="en-US" sz="1600" b="0" i="0">
-                <a:solidFill>
-                  <a:srgbClr val="545D7E"/>
-                </a:solidFill>
-                <a:latin typeface="Arial" panose="020B0604020202020204" pitchFamily="34" charset="0"/>
-                <a:ea typeface="Google Sans"/>
-                <a:cs typeface="Arial" panose="020B0604020202020204" pitchFamily="34" charset="0"/>
-              </a:rPr>
-              <a:t>	</a:t>
-            </a:r>
-            <a:r>
-              <a:rPr sz="1600" b="0" i="0">
-                <a:solidFill>
-                  <a:srgbClr val="545D7E"/>
-                </a:solidFill>
-                <a:latin typeface="Arial" panose="020B0604020202020204" pitchFamily="34" charset="0"/>
-                <a:ea typeface="Google Sans"/>
-                <a:cs typeface="Arial" panose="020B0604020202020204" pitchFamily="34" charset="0"/>
-              </a:rPr>
-              <a:t>for a test that identifies a disease, so as to avoid falsely alarming patients. </a:t>
-            </a:r>
-            <a:endParaRPr sz="1600" b="0" i="0">
-              <a:solidFill>
-                <a:srgbClr val="545D7E"/>
-              </a:solidFill>
-              <a:latin typeface="Arial" panose="020B0604020202020204" pitchFamily="34" charset="0"/>
-              <a:ea typeface="Google Sans"/>
-              <a:cs typeface="Arial" panose="020B0604020202020204" pitchFamily="34" charset="0"/>
-            </a:endParaRPr>
-          </a:p>
-          <a:p>
-            <a:pPr marL="457200" lvl="1" indent="0">
-              <a:lnSpc>
-                <a:spcPct val="100000"/>
-              </a:lnSpc>
-              <a:spcBef>
-                <a:spcPct val="0"/>
-              </a:spcBef>
-              <a:spcAft>
-                <a:spcPct val="0"/>
-              </a:spcAft>
-              <a:buFont typeface="Arial" panose="020B0604020202020204"/>
-              <a:buChar char="•"/>
-            </a:pPr>
-            <a:r>
-              <a:rPr sz="1600" b="0" i="0">
-                <a:solidFill>
-                  <a:srgbClr val="001D35"/>
-                </a:solidFill>
-                <a:latin typeface="Arial" panose="020B0604020202020204" pitchFamily="34" charset="0"/>
-                <a:ea typeface="Google Sans"/>
-                <a:cs typeface="Arial" panose="020B0604020202020204" pitchFamily="34" charset="0"/>
-              </a:rPr>
-              <a:t>Precision and Recall Relationship:</a:t>
-            </a:r>
-            <a:endParaRPr sz="1600" b="0" i="0">
-              <a:solidFill>
-                <a:srgbClr val="001D35"/>
-              </a:solidFill>
-              <a:latin typeface="Arial" panose="020B0604020202020204" pitchFamily="34" charset="0"/>
-              <a:ea typeface="Google Sans"/>
-              <a:cs typeface="Arial" panose="020B0604020202020204" pitchFamily="34" charset="0"/>
-            </a:endParaRPr>
-          </a:p>
-          <a:p>
-            <a:pPr marL="914400" lvl="2" indent="0">
-              <a:lnSpc>
-                <a:spcPct val="100000"/>
-              </a:lnSpc>
-              <a:spcBef>
-                <a:spcPct val="0"/>
-              </a:spcBef>
-              <a:spcAft>
-                <a:spcPct val="0"/>
-              </a:spcAft>
-            </a:pPr>
-            <a:r>
-              <a:rPr sz="1600" b="0" i="0">
-                <a:solidFill>
-                  <a:srgbClr val="545D7E"/>
-                </a:solidFill>
-                <a:latin typeface="Arial" panose="020B0604020202020204" pitchFamily="34" charset="0"/>
-                <a:ea typeface="Google Sans"/>
-                <a:cs typeface="Arial" panose="020B0604020202020204" pitchFamily="34" charset="0"/>
-              </a:rPr>
-              <a:t>Precision and recall often have an inverse relationship. Increasing precision can decrease recall, and vice versa. Therefore, it's crucial to consider both metrics when evaluating a model. In some cases, the F1-score, which combines precision and recall, is used to get a balanced evaluation. </a:t>
-            </a:r>
-            <a:endParaRPr sz="1600" b="0" i="0">
-              <a:solidFill>
-                <a:srgbClr val="545D7E"/>
-              </a:solidFill>
-              <a:latin typeface="Arial" panose="020B0604020202020204" pitchFamily="34" charset="0"/>
-              <a:ea typeface="Google Sans"/>
-              <a:cs typeface="Arial" panose="020B0604020202020204" pitchFamily="34" charset="0"/>
-            </a:endParaRPr>
-          </a:p>
-        </p:txBody>
-      </p:sp>
     </p:spTree>
   </p:cSld>
   <p:clrMapOvr>
@@ -11198,6 +10951,875 @@
         <p:cNvGrpSpPr/>
         <p:nvPr/>
       </p:nvGrpSpPr>
+      <p:grpSpPr>
+        <a:xfrm>
+          <a:off x="0" y="0"/>
+          <a:ext cx="0" cy="0"/>
+          <a:chOff x="0" y="0"/>
+          <a:chExt cx="0" cy="0"/>
+        </a:xfrm>
+      </p:grpSpPr>
+      <p:sp>
+        <p:nvSpPr>
+          <p:cNvPr id="3" name="TextBox 2"/>
+          <p:cNvSpPr txBox="1"/>
+          <p:nvPr/>
+        </p:nvSpPr>
+        <p:spPr>
+          <a:xfrm>
+            <a:off x="275811" y="5827705"/>
+            <a:ext cx="8848311" cy="646331"/>
+          </a:xfrm>
+          <a:prstGeom prst="rect">
+            <a:avLst/>
+          </a:prstGeom>
+          <a:noFill/>
+        </p:spPr>
+        <p:txBody>
+          <a:bodyPr wrap="square">
+            <a:spAutoFit/>
+          </a:bodyPr>
+          <a:lstStyle/>
+          <a:p>
+            <a:r>
+              <a:rPr lang="en-IN" dirty="0">
+                <a:hlinkClick r:id="rId1"/>
+              </a:rPr>
+              <a:t>https://www.kaggle.com/code/prashant111/logistic-regression-classifier-tutorial</a:t>
+            </a:r>
+            <a:endParaRPr lang="en-IN" dirty="0"/>
+          </a:p>
+          <a:p>
+            <a:r>
+              <a:rPr lang="en-IN" dirty="0"/>
+              <a:t>Implementations with all in one </a:t>
+            </a:r>
+            <a:endParaRPr lang="en-IN" dirty="0"/>
+          </a:p>
+        </p:txBody>
+      </p:sp>
+      <p:sp>
+        <p:nvSpPr>
+          <p:cNvPr id="11" name="TextBox 10"/>
+          <p:cNvSpPr txBox="1"/>
+          <p:nvPr/>
+        </p:nvSpPr>
+        <p:spPr>
+          <a:xfrm>
+            <a:off x="331470" y="107315"/>
+            <a:ext cx="2882265" cy="368300"/>
+          </a:xfrm>
+          <a:prstGeom prst="rect">
+            <a:avLst/>
+          </a:prstGeom>
+          <a:noFill/>
+        </p:spPr>
+        <p:txBody>
+          <a:bodyPr wrap="square">
+            <a:spAutoFit/>
+          </a:bodyPr>
+          <a:lstStyle/>
+          <a:p>
+            <a:pPr algn="l"/>
+            <a:r>
+              <a:rPr lang="en-IN" b="1" i="0" dirty="0">
+                <a:solidFill>
+                  <a:srgbClr val="FF0000"/>
+                </a:solidFill>
+                <a:effectLst/>
+                <a:latin typeface="montserrat" panose="00000500000000000000" pitchFamily="2" charset="0"/>
+              </a:rPr>
+              <a:t>III. Precision</a:t>
+            </a:r>
+            <a:endParaRPr lang="en-IN" b="1" i="0" dirty="0">
+              <a:solidFill>
+                <a:srgbClr val="FF0000"/>
+              </a:solidFill>
+              <a:effectLst/>
+              <a:latin typeface="montserrat" panose="00000500000000000000" pitchFamily="2" charset="0"/>
+            </a:endParaRPr>
+          </a:p>
+        </p:txBody>
+      </p:sp>
+      <p:pic>
+        <p:nvPicPr>
+          <p:cNvPr id="6150" name="Picture 6" descr="Performance Metrics in Machine Learning"/>
+          <p:cNvPicPr>
+            <a:picLocks noChangeAspect="1" noChangeArrowheads="1"/>
+          </p:cNvPicPr>
+          <p:nvPr/>
+        </p:nvPicPr>
+        <p:blipFill>
+          <a:blip r:embed="rId2">
+            <a:extLst>
+              <a:ext uri="{28A0092B-C50C-407E-A947-70E740481C1C}">
+                <a14:useLocalDpi xmlns:a14="http://schemas.microsoft.com/office/drawing/2010/main" val="0"/>
+              </a:ext>
+            </a:extLst>
+          </a:blip>
+          <a:srcRect/>
+          <a:stretch>
+            <a:fillRect/>
+          </a:stretch>
+        </p:blipFill>
+        <p:spPr bwMode="auto">
+          <a:xfrm>
+            <a:off x="7786370" y="819393"/>
+            <a:ext cx="3171825" cy="819150"/>
+          </a:xfrm>
+          <a:prstGeom prst="rect">
+            <a:avLst/>
+          </a:prstGeom>
+          <a:noFill/>
+          <a:extLst>
+            <a:ext uri="{909E8E84-426E-40DD-AFC4-6F175D3DCCD1}">
+              <a14:hiddenFill xmlns:a14="http://schemas.microsoft.com/office/drawing/2010/main">
+                <a:solidFill>
+                  <a:srgbClr val="FFFFFF"/>
+                </a:solidFill>
+              </a14:hiddenFill>
+            </a:ext>
+          </a:extLst>
+        </p:spPr>
+      </p:pic>
+      <p:sp>
+        <p:nvSpPr>
+          <p:cNvPr id="19" name="TextBox 18"/>
+          <p:cNvSpPr txBox="1"/>
+          <p:nvPr/>
+        </p:nvSpPr>
+        <p:spPr>
+          <a:xfrm>
+            <a:off x="499110" y="5597525"/>
+            <a:ext cx="6942455" cy="368300"/>
+          </a:xfrm>
+          <a:prstGeom prst="rect">
+            <a:avLst/>
+          </a:prstGeom>
+          <a:noFill/>
+        </p:spPr>
+        <p:txBody>
+          <a:bodyPr wrap="square">
+            <a:spAutoFit/>
+          </a:bodyPr>
+          <a:lstStyle/>
+          <a:p>
+            <a:r>
+              <a:rPr lang="en-IN" dirty="0">
+                <a:hlinkClick r:id="rId3"/>
+              </a:rPr>
+              <a:t>https://www.javatpoint.com/performance-metrics-in-machine-learning</a:t>
+            </a:r>
+            <a:r>
+              <a:rPr lang="en-IN" dirty="0"/>
+              <a:t> </a:t>
+            </a:r>
+            <a:endParaRPr lang="en-IN" dirty="0"/>
+          </a:p>
+        </p:txBody>
+      </p:sp>
+      <p:pic>
+        <p:nvPicPr>
+          <p:cNvPr id="2" name="Picture 1"/>
+          <p:cNvPicPr/>
+          <p:nvPr/>
+        </p:nvPicPr>
+        <p:blipFill>
+          <a:blip r:embed="rId4"/>
+          <a:srcRect l="8835" r="4978"/>
+          <a:stretch>
+            <a:fillRect/>
+          </a:stretch>
+        </p:blipFill>
+        <p:spPr>
+          <a:xfrm>
+            <a:off x="6096000" y="1678940"/>
+            <a:ext cx="5866765" cy="3197225"/>
+          </a:xfrm>
+          <a:prstGeom prst="rect">
+            <a:avLst/>
+          </a:prstGeom>
+        </p:spPr>
+      </p:pic>
+      <p:sp>
+        <p:nvSpPr>
+          <p:cNvPr id="4" name="Text Box 3"/>
+          <p:cNvSpPr txBox="1"/>
+          <p:nvPr/>
+        </p:nvSpPr>
+        <p:spPr>
+          <a:xfrm>
+            <a:off x="422275" y="487680"/>
+            <a:ext cx="6219190" cy="3291840"/>
+          </a:xfrm>
+          <a:prstGeom prst="rect">
+            <a:avLst/>
+          </a:prstGeom>
+        </p:spPr>
+        <p:txBody>
+          <a:bodyPr wrap="square">
+            <a:spAutoFit/>
+          </a:bodyPr>
+          <a:p>
+            <a:pPr marL="285750" indent="-285750">
+              <a:buFont typeface="Arial" panose="020B0604020202020204" pitchFamily="34" charset="0"/>
+              <a:buChar char="•"/>
+            </a:pPr>
+            <a:r>
+              <a:rPr sz="1600" b="0" i="0">
+                <a:solidFill>
+                  <a:srgbClr val="001D35"/>
+                </a:solidFill>
+                <a:latin typeface="Arial" panose="020B0604020202020204" pitchFamily="34" charset="0"/>
+                <a:ea typeface="Google Sans"/>
+                <a:cs typeface="Arial" panose="020B0604020202020204" pitchFamily="34" charset="0"/>
+              </a:rPr>
+              <a:t> precision is a metric that evaluates the accuracy of a model's positive predictions. </a:t>
+            </a:r>
+            <a:endParaRPr sz="1600" b="0" i="0">
+              <a:solidFill>
+                <a:srgbClr val="001D35"/>
+              </a:solidFill>
+              <a:latin typeface="Arial" panose="020B0604020202020204" pitchFamily="34" charset="0"/>
+              <a:ea typeface="Google Sans"/>
+              <a:cs typeface="Arial" panose="020B0604020202020204" pitchFamily="34" charset="0"/>
+            </a:endParaRPr>
+          </a:p>
+          <a:p>
+            <a:pPr marL="285750" indent="-285750">
+              <a:buFont typeface="Arial" panose="020B0604020202020204" pitchFamily="34" charset="0"/>
+              <a:buChar char="•"/>
+            </a:pPr>
+            <a:endParaRPr sz="1600" b="0" i="0">
+              <a:solidFill>
+                <a:srgbClr val="001D35"/>
+              </a:solidFill>
+              <a:latin typeface="Arial" panose="020B0604020202020204" pitchFamily="34" charset="0"/>
+              <a:ea typeface="Google Sans"/>
+              <a:cs typeface="Arial" panose="020B0604020202020204" pitchFamily="34" charset="0"/>
+            </a:endParaRPr>
+          </a:p>
+          <a:p>
+            <a:pPr marL="285750" indent="-285750">
+              <a:buFont typeface="Arial" panose="020B0604020202020204" pitchFamily="34" charset="0"/>
+              <a:buChar char="•"/>
+            </a:pPr>
+            <a:r>
+              <a:rPr sz="1600" b="0" i="0">
+                <a:solidFill>
+                  <a:srgbClr val="001D35"/>
+                </a:solidFill>
+                <a:latin typeface="Arial" panose="020B0604020202020204" pitchFamily="34" charset="0"/>
+                <a:ea typeface="Google Sans"/>
+                <a:cs typeface="Arial" panose="020B0604020202020204" pitchFamily="34" charset="0"/>
+              </a:rPr>
+              <a:t>It measures the proportion of correctly predicted positive instances out of all instances predicted as positive. </a:t>
+            </a:r>
+            <a:endParaRPr sz="1600" b="0" i="0">
+              <a:solidFill>
+                <a:srgbClr val="001D35"/>
+              </a:solidFill>
+              <a:latin typeface="Arial" panose="020B0604020202020204" pitchFamily="34" charset="0"/>
+              <a:ea typeface="Google Sans"/>
+              <a:cs typeface="Arial" panose="020B0604020202020204" pitchFamily="34" charset="0"/>
+            </a:endParaRPr>
+          </a:p>
+          <a:p>
+            <a:pPr marL="285750" indent="-285750">
+              <a:buFont typeface="Arial" panose="020B0604020202020204" pitchFamily="34" charset="0"/>
+              <a:buChar char="•"/>
+            </a:pPr>
+            <a:endParaRPr sz="1600" b="0" i="0">
+              <a:solidFill>
+                <a:srgbClr val="001D35"/>
+              </a:solidFill>
+              <a:latin typeface="Arial" panose="020B0604020202020204" pitchFamily="34" charset="0"/>
+              <a:ea typeface="Google Sans"/>
+              <a:cs typeface="Arial" panose="020B0604020202020204" pitchFamily="34" charset="0"/>
+            </a:endParaRPr>
+          </a:p>
+          <a:p>
+            <a:pPr marL="285750" indent="-285750">
+              <a:buFont typeface="Arial" panose="020B0604020202020204" pitchFamily="34" charset="0"/>
+              <a:buChar char="•"/>
+            </a:pPr>
+            <a:r>
+              <a:rPr sz="1600" b="0" i="0">
+                <a:solidFill>
+                  <a:srgbClr val="001D35"/>
+                </a:solidFill>
+                <a:latin typeface="Arial" panose="020B0604020202020204" pitchFamily="34" charset="0"/>
+                <a:ea typeface="Google Sans"/>
+                <a:cs typeface="Arial" panose="020B0604020202020204" pitchFamily="34" charset="0"/>
+              </a:rPr>
+              <a:t>Essentially, it answers the question: "Of all the instances the model classified as positive, how many were actually positive?"</a:t>
+            </a:r>
+            <a:endParaRPr sz="1600" b="0" i="0">
+              <a:solidFill>
+                <a:srgbClr val="001D35"/>
+              </a:solidFill>
+              <a:latin typeface="Arial" panose="020B0604020202020204" pitchFamily="34" charset="0"/>
+              <a:ea typeface="Google Sans"/>
+              <a:cs typeface="Arial" panose="020B0604020202020204" pitchFamily="34" charset="0"/>
+            </a:endParaRPr>
+          </a:p>
+          <a:p>
+            <a:pPr indent="0">
+              <a:buFont typeface="Arial" panose="020B0604020202020204" pitchFamily="34" charset="0"/>
+              <a:buNone/>
+            </a:pPr>
+            <a:r>
+              <a:rPr sz="1600" b="0" i="0">
+                <a:solidFill>
+                  <a:srgbClr val="001D35"/>
+                </a:solidFill>
+                <a:latin typeface="Arial" panose="020B0604020202020204" pitchFamily="34" charset="0"/>
+                <a:ea typeface="Google Sans"/>
+                <a:cs typeface="Arial" panose="020B0604020202020204" pitchFamily="34" charset="0"/>
+              </a:rPr>
+              <a:t> </a:t>
+            </a:r>
+            <a:endParaRPr sz="1600" b="0" i="0">
+              <a:solidFill>
+                <a:srgbClr val="001D35"/>
+              </a:solidFill>
+              <a:latin typeface="Arial" panose="020B0604020202020204" pitchFamily="34" charset="0"/>
+              <a:ea typeface="Google Sans"/>
+              <a:cs typeface="Arial" panose="020B0604020202020204" pitchFamily="34" charset="0"/>
+            </a:endParaRPr>
+          </a:p>
+          <a:p>
+            <a:pPr marL="285750" indent="-285750">
+              <a:buFont typeface="Arial" panose="020B0604020202020204" pitchFamily="34" charset="0"/>
+              <a:buChar char="•"/>
+            </a:pPr>
+            <a:r>
+              <a:rPr lang="en-US" sz="1600" dirty="0">
+                <a:solidFill>
+                  <a:srgbClr val="2B2A29"/>
+                </a:solidFill>
+                <a:effectLst/>
+                <a:latin typeface="Arial" panose="020B0604020202020204" pitchFamily="34" charset="0"/>
+                <a:cs typeface="Arial" panose="020B0604020202020204" pitchFamily="34" charset="0"/>
+                <a:sym typeface="+mn-ea"/>
+              </a:rPr>
+              <a:t>The precision metric is used to overcome the limitation of Accuracy. The precision determines the proportion of positive prediction that was actually correct.</a:t>
+            </a:r>
+            <a:endParaRPr lang="en-IN" sz="1600" dirty="0">
+              <a:latin typeface="Arial" panose="020B0604020202020204" pitchFamily="34" charset="0"/>
+              <a:cs typeface="Arial" panose="020B0604020202020204" pitchFamily="34" charset="0"/>
+            </a:endParaRPr>
+          </a:p>
+          <a:p>
+            <a:pPr marL="285750" indent="-285750">
+              <a:buFont typeface="Arial" panose="020B0604020202020204" pitchFamily="34" charset="0"/>
+              <a:buChar char="•"/>
+            </a:pPr>
+            <a:endParaRPr sz="1600" b="0" i="0">
+              <a:solidFill>
+                <a:srgbClr val="001D35"/>
+              </a:solidFill>
+              <a:latin typeface="Arial" panose="020B0604020202020204" pitchFamily="34" charset="0"/>
+              <a:ea typeface="Google Sans"/>
+              <a:cs typeface="Arial" panose="020B0604020202020204" pitchFamily="34" charset="0"/>
+            </a:endParaRPr>
+          </a:p>
+        </p:txBody>
+      </p:sp>
+      <p:sp>
+        <p:nvSpPr>
+          <p:cNvPr id="5" name="Text Box 4"/>
+          <p:cNvSpPr txBox="1"/>
+          <p:nvPr/>
+        </p:nvSpPr>
+        <p:spPr>
+          <a:xfrm>
+            <a:off x="422275" y="3580130"/>
+            <a:ext cx="6289675" cy="1765935"/>
+          </a:xfrm>
+          <a:prstGeom prst="rect">
+            <a:avLst/>
+          </a:prstGeom>
+        </p:spPr>
+        <p:txBody>
+          <a:bodyPr wrap="square">
+            <a:spAutoFit/>
+          </a:bodyPr>
+          <a:p>
+            <a:pPr marL="0" indent="0">
+              <a:lnSpc>
+                <a:spcPct val="100000"/>
+              </a:lnSpc>
+              <a:spcBef>
+                <a:spcPts val="1000"/>
+              </a:spcBef>
+              <a:spcAft>
+                <a:spcPts val="500"/>
+              </a:spcAft>
+            </a:pPr>
+            <a:r>
+              <a:rPr b="0" i="0">
+                <a:solidFill>
+                  <a:srgbClr val="001D35"/>
+                </a:solidFill>
+                <a:latin typeface="Arial" panose="020B0604020202020204" pitchFamily="34" charset="0"/>
+                <a:ea typeface="Google Sans"/>
+                <a:cs typeface="Arial" panose="020B0604020202020204" pitchFamily="34" charset="0"/>
+              </a:rPr>
+              <a:t>Here's a breakdown:</a:t>
+            </a:r>
+            <a:endParaRPr b="0" i="0">
+              <a:solidFill>
+                <a:srgbClr val="001D35"/>
+              </a:solidFill>
+              <a:latin typeface="Arial" panose="020B0604020202020204" pitchFamily="34" charset="0"/>
+              <a:ea typeface="Google Sans"/>
+              <a:cs typeface="Arial" panose="020B0604020202020204" pitchFamily="34" charset="0"/>
+            </a:endParaRPr>
+          </a:p>
+          <a:p>
+            <a:pPr marL="457200" lvl="1" indent="0">
+              <a:lnSpc>
+                <a:spcPct val="100000"/>
+              </a:lnSpc>
+              <a:spcBef>
+                <a:spcPct val="0"/>
+              </a:spcBef>
+              <a:spcAft>
+                <a:spcPts val="400"/>
+              </a:spcAft>
+              <a:buFont typeface="Arial" panose="020B0604020202020204"/>
+              <a:buChar char="•"/>
+            </a:pPr>
+            <a:r>
+              <a:rPr sz="1600" b="1" i="0">
+                <a:solidFill>
+                  <a:srgbClr val="001D35"/>
+                </a:solidFill>
+                <a:latin typeface="Arial" panose="020B0604020202020204" pitchFamily="34" charset="0"/>
+                <a:ea typeface="Google Sans"/>
+                <a:cs typeface="Arial" panose="020B0604020202020204" pitchFamily="34" charset="0"/>
+              </a:rPr>
+              <a:t>True Positives (TP)</a:t>
+            </a:r>
+            <a:r>
+              <a:rPr sz="1600" b="0" i="0">
+                <a:solidFill>
+                  <a:srgbClr val="001D35"/>
+                </a:solidFill>
+                <a:latin typeface="Arial" panose="020B0604020202020204" pitchFamily="34" charset="0"/>
+                <a:ea typeface="Google Sans"/>
+                <a:cs typeface="Arial" panose="020B0604020202020204" pitchFamily="34" charset="0"/>
+              </a:rPr>
+              <a:t>: Correctly predicted positive instances. </a:t>
+            </a:r>
+            <a:endParaRPr sz="1600" b="0" i="0">
+              <a:solidFill>
+                <a:srgbClr val="001D35"/>
+              </a:solidFill>
+              <a:latin typeface="Arial" panose="020B0604020202020204" pitchFamily="34" charset="0"/>
+              <a:ea typeface="Google Sans"/>
+              <a:cs typeface="Arial" panose="020B0604020202020204" pitchFamily="34" charset="0"/>
+            </a:endParaRPr>
+          </a:p>
+          <a:p>
+            <a:pPr marL="457200" lvl="1" indent="0">
+              <a:lnSpc>
+                <a:spcPct val="100000"/>
+              </a:lnSpc>
+              <a:spcBef>
+                <a:spcPct val="0"/>
+              </a:spcBef>
+              <a:spcAft>
+                <a:spcPts val="400"/>
+              </a:spcAft>
+              <a:buFont typeface="Arial" panose="020B0604020202020204"/>
+              <a:buChar char="•"/>
+            </a:pPr>
+            <a:r>
+              <a:rPr sz="1600" b="1" i="0">
+                <a:solidFill>
+                  <a:srgbClr val="001D35"/>
+                </a:solidFill>
+                <a:latin typeface="Arial" panose="020B0604020202020204" pitchFamily="34" charset="0"/>
+                <a:ea typeface="Google Sans"/>
+                <a:cs typeface="Arial" panose="020B0604020202020204" pitchFamily="34" charset="0"/>
+              </a:rPr>
+              <a:t>False Positives (FP)</a:t>
+            </a:r>
+            <a:r>
+              <a:rPr sz="1600" b="0" i="0">
+                <a:solidFill>
+                  <a:srgbClr val="001D35"/>
+                </a:solidFill>
+                <a:latin typeface="Arial" panose="020B0604020202020204" pitchFamily="34" charset="0"/>
+                <a:ea typeface="Google Sans"/>
+                <a:cs typeface="Arial" panose="020B0604020202020204" pitchFamily="34" charset="0"/>
+              </a:rPr>
+              <a:t>: Incorrectly predicted positive instances (the model thought they were positive, but they were actually negative). </a:t>
+            </a:r>
+            <a:endParaRPr sz="1600" b="0" i="0">
+              <a:solidFill>
+                <a:srgbClr val="001D35"/>
+              </a:solidFill>
+              <a:latin typeface="Arial" panose="020B0604020202020204" pitchFamily="34" charset="0"/>
+              <a:ea typeface="Google Sans"/>
+              <a:cs typeface="Arial" panose="020B0604020202020204" pitchFamily="34" charset="0"/>
+            </a:endParaRPr>
+          </a:p>
+          <a:p>
+            <a:pPr marL="0" indent="0">
+              <a:lnSpc>
+                <a:spcPct val="100000"/>
+              </a:lnSpc>
+              <a:spcBef>
+                <a:spcPct val="0"/>
+              </a:spcBef>
+              <a:spcAft>
+                <a:spcPct val="0"/>
+              </a:spcAft>
+              <a:buFont typeface="Arial" panose="020B0604020202020204"/>
+              <a:buChar char="•"/>
+            </a:pPr>
+            <a:r>
+              <a:rPr sz="1600" b="1" i="0">
+                <a:solidFill>
+                  <a:srgbClr val="001D35"/>
+                </a:solidFill>
+                <a:latin typeface="Arial" panose="020B0604020202020204" pitchFamily="34" charset="0"/>
+                <a:ea typeface="Google Sans"/>
+                <a:cs typeface="Arial" panose="020B0604020202020204" pitchFamily="34" charset="0"/>
+              </a:rPr>
+              <a:t>Precision Formula:</a:t>
+            </a:r>
+            <a:r>
+              <a:rPr sz="1600" b="0" i="0">
+                <a:solidFill>
+                  <a:srgbClr val="001D35"/>
+                </a:solidFill>
+                <a:latin typeface="Arial" panose="020B0604020202020204" pitchFamily="34" charset="0"/>
+                <a:ea typeface="Google Sans"/>
+                <a:cs typeface="Arial" panose="020B0604020202020204" pitchFamily="34" charset="0"/>
+              </a:rPr>
+              <a:t> Precision = TP / (TP + FP) </a:t>
+            </a:r>
+            <a:endParaRPr sz="1600" b="0" i="0">
+              <a:solidFill>
+                <a:srgbClr val="001D35"/>
+              </a:solidFill>
+              <a:latin typeface="Arial" panose="020B0604020202020204" pitchFamily="34" charset="0"/>
+              <a:ea typeface="Google Sans"/>
+              <a:cs typeface="Arial" panose="020B0604020202020204" pitchFamily="34" charset="0"/>
+            </a:endParaRPr>
+          </a:p>
+        </p:txBody>
+      </p:sp>
+    </p:spTree>
+  </p:cSld>
+  <p:clrMapOvr>
+    <a:masterClrMapping/>
+  </p:clrMapOvr>
+</p:sld>
+</file>
+
+<file path=ppt/slides/slide21.xml><?xml version="1.0" encoding="utf-8"?>
+<p:sld xmlns:a="http://schemas.openxmlformats.org/drawingml/2006/main" xmlns:r="http://schemas.openxmlformats.org/officeDocument/2006/relationships" xmlns:p="http://schemas.openxmlformats.org/presentationml/2006/main">
+  <p:cSld>
+    <p:spTree>
+      <p:nvGrpSpPr>
+        <p:cNvPr id="1" name=""/>
+        <p:cNvGrpSpPr/>
+        <p:nvPr/>
+      </p:nvGrpSpPr>
+      <p:grpSpPr/>
+      <p:sp>
+        <p:nvSpPr>
+          <p:cNvPr id="2" name="Text Box 1"/>
+          <p:cNvSpPr txBox="1"/>
+          <p:nvPr/>
+        </p:nvSpPr>
+        <p:spPr>
+          <a:xfrm>
+            <a:off x="64135" y="0"/>
+            <a:ext cx="10777220" cy="3750945"/>
+          </a:xfrm>
+          <a:prstGeom prst="rect">
+            <a:avLst/>
+          </a:prstGeom>
+        </p:spPr>
+        <p:txBody>
+          <a:bodyPr wrap="square">
+            <a:spAutoFit/>
+          </a:bodyPr>
+          <a:p>
+            <a:pPr marL="0" indent="0">
+              <a:lnSpc>
+                <a:spcPct val="100000"/>
+              </a:lnSpc>
+              <a:spcBef>
+                <a:spcPts val="1000"/>
+              </a:spcBef>
+              <a:spcAft>
+                <a:spcPts val="500"/>
+              </a:spcAft>
+            </a:pPr>
+            <a:r>
+              <a:rPr b="0" i="0">
+                <a:solidFill>
+                  <a:srgbClr val="001D35"/>
+                </a:solidFill>
+                <a:latin typeface="Arial" panose="020B0604020202020204" pitchFamily="34" charset="0"/>
+                <a:ea typeface="Google Sans"/>
+                <a:cs typeface="Arial" panose="020B0604020202020204" pitchFamily="34" charset="0"/>
+              </a:rPr>
+              <a:t>Example:</a:t>
+            </a:r>
+            <a:endParaRPr b="0" i="0">
+              <a:solidFill>
+                <a:srgbClr val="001D35"/>
+              </a:solidFill>
+              <a:latin typeface="Arial" panose="020B0604020202020204" pitchFamily="34" charset="0"/>
+              <a:ea typeface="Google Sans"/>
+              <a:cs typeface="Arial" panose="020B0604020202020204" pitchFamily="34" charset="0"/>
+            </a:endParaRPr>
+          </a:p>
+          <a:p>
+            <a:pPr marL="0" indent="0">
+              <a:lnSpc>
+                <a:spcPct val="100000"/>
+              </a:lnSpc>
+              <a:spcBef>
+                <a:spcPts val="500"/>
+              </a:spcBef>
+              <a:spcAft>
+                <a:spcPts val="1000"/>
+              </a:spcAft>
+            </a:pPr>
+            <a:r>
+              <a:rPr b="0" i="0">
+                <a:solidFill>
+                  <a:srgbClr val="001D35"/>
+                </a:solidFill>
+                <a:latin typeface="Arial" panose="020B0604020202020204" pitchFamily="34" charset="0"/>
+                <a:ea typeface="Google Sans"/>
+                <a:cs typeface="Arial" panose="020B0604020202020204" pitchFamily="34" charset="0"/>
+              </a:rPr>
+              <a:t>Imagine a spam filter. If the model flags 100 emails as spam, and 90 of them are actually spam (and 10 are incorrectly classified as spam), then the precision is 90/100 = 0.9 or 90%. This means 90% of the emails identified as spam were actually spam. </a:t>
+            </a:r>
+            <a:endParaRPr b="0" i="0">
+              <a:solidFill>
+                <a:srgbClr val="001D35"/>
+              </a:solidFill>
+              <a:latin typeface="Arial" panose="020B0604020202020204" pitchFamily="34" charset="0"/>
+              <a:ea typeface="Google Sans"/>
+              <a:cs typeface="Arial" panose="020B0604020202020204" pitchFamily="34" charset="0"/>
+            </a:endParaRPr>
+          </a:p>
+          <a:p>
+            <a:pPr marL="0" indent="0">
+              <a:lnSpc>
+                <a:spcPct val="100000"/>
+              </a:lnSpc>
+              <a:spcBef>
+                <a:spcPts val="1000"/>
+              </a:spcBef>
+              <a:spcAft>
+                <a:spcPts val="500"/>
+              </a:spcAft>
+            </a:pPr>
+            <a:r>
+              <a:rPr b="0" i="0">
+                <a:solidFill>
+                  <a:srgbClr val="001D35"/>
+                </a:solidFill>
+                <a:latin typeface="Arial" panose="020B0604020202020204" pitchFamily="34" charset="0"/>
+                <a:ea typeface="Google Sans"/>
+                <a:cs typeface="Arial" panose="020B0604020202020204" pitchFamily="34" charset="0"/>
+              </a:rPr>
+              <a:t>Importance of Precision: </a:t>
+            </a:r>
+            <a:endParaRPr b="0" i="0">
+              <a:solidFill>
+                <a:srgbClr val="001D35"/>
+              </a:solidFill>
+              <a:latin typeface="Arial" panose="020B0604020202020204" pitchFamily="34" charset="0"/>
+              <a:ea typeface="Google Sans"/>
+              <a:cs typeface="Arial" panose="020B0604020202020204" pitchFamily="34" charset="0"/>
+            </a:endParaRPr>
+          </a:p>
+          <a:p>
+            <a:pPr marL="457200" lvl="1" indent="0">
+              <a:lnSpc>
+                <a:spcPct val="100000"/>
+              </a:lnSpc>
+              <a:spcBef>
+                <a:spcPct val="0"/>
+              </a:spcBef>
+              <a:spcAft>
+                <a:spcPts val="400"/>
+              </a:spcAft>
+              <a:buFont typeface="Arial" panose="020B0604020202020204"/>
+              <a:buChar char="•"/>
+            </a:pPr>
+            <a:r>
+              <a:rPr sz="1600" b="0" i="0">
+                <a:solidFill>
+                  <a:srgbClr val="001D35"/>
+                </a:solidFill>
+                <a:latin typeface="Arial" panose="020B0604020202020204" pitchFamily="34" charset="0"/>
+                <a:ea typeface="Google Sans"/>
+                <a:cs typeface="Arial" panose="020B0604020202020204" pitchFamily="34" charset="0"/>
+              </a:rPr>
+              <a:t>High Precision is desirable when:</a:t>
+            </a:r>
+            <a:endParaRPr sz="1600" b="0" i="0">
+              <a:solidFill>
+                <a:srgbClr val="001D35"/>
+              </a:solidFill>
+              <a:latin typeface="Arial" panose="020B0604020202020204" pitchFamily="34" charset="0"/>
+              <a:ea typeface="Google Sans"/>
+              <a:cs typeface="Arial" panose="020B0604020202020204" pitchFamily="34" charset="0"/>
+            </a:endParaRPr>
+          </a:p>
+          <a:p>
+            <a:pPr marL="457200" lvl="1" indent="457200">
+              <a:lnSpc>
+                <a:spcPct val="100000"/>
+              </a:lnSpc>
+              <a:spcBef>
+                <a:spcPct val="0"/>
+              </a:spcBef>
+              <a:spcAft>
+                <a:spcPts val="400"/>
+              </a:spcAft>
+            </a:pPr>
+            <a:r>
+              <a:rPr sz="1600" b="0" i="0">
+                <a:solidFill>
+                  <a:srgbClr val="545D7E"/>
+                </a:solidFill>
+                <a:latin typeface="Arial" panose="020B0604020202020204" pitchFamily="34" charset="0"/>
+                <a:ea typeface="Google Sans"/>
+                <a:cs typeface="Arial" panose="020B0604020202020204" pitchFamily="34" charset="0"/>
+              </a:rPr>
+              <a:t>False positives are costly or undesirable. For instance, in medical diagnoses, you'd want a high precision </a:t>
+            </a:r>
+            <a:r>
+              <a:rPr lang="en-US" sz="1600" b="0" i="0">
+                <a:solidFill>
+                  <a:srgbClr val="545D7E"/>
+                </a:solidFill>
+                <a:latin typeface="Arial" panose="020B0604020202020204" pitchFamily="34" charset="0"/>
+                <a:ea typeface="Google Sans"/>
+                <a:cs typeface="Arial" panose="020B0604020202020204" pitchFamily="34" charset="0"/>
+              </a:rPr>
+              <a:t>	</a:t>
+            </a:r>
+            <a:r>
+              <a:rPr sz="1600" b="0" i="0">
+                <a:solidFill>
+                  <a:srgbClr val="545D7E"/>
+                </a:solidFill>
+                <a:latin typeface="Arial" panose="020B0604020202020204" pitchFamily="34" charset="0"/>
+                <a:ea typeface="Google Sans"/>
+                <a:cs typeface="Arial" panose="020B0604020202020204" pitchFamily="34" charset="0"/>
+              </a:rPr>
+              <a:t>for a test that identifies a disease, so as to avoid falsely alarming patients. </a:t>
+            </a:r>
+            <a:endParaRPr sz="1600" b="0" i="0">
+              <a:solidFill>
+                <a:srgbClr val="545D7E"/>
+              </a:solidFill>
+              <a:latin typeface="Arial" panose="020B0604020202020204" pitchFamily="34" charset="0"/>
+              <a:ea typeface="Google Sans"/>
+              <a:cs typeface="Arial" panose="020B0604020202020204" pitchFamily="34" charset="0"/>
+            </a:endParaRPr>
+          </a:p>
+          <a:p>
+            <a:pPr marL="457200" lvl="1" indent="0">
+              <a:lnSpc>
+                <a:spcPct val="100000"/>
+              </a:lnSpc>
+              <a:spcBef>
+                <a:spcPct val="0"/>
+              </a:spcBef>
+              <a:spcAft>
+                <a:spcPct val="0"/>
+              </a:spcAft>
+              <a:buFont typeface="Arial" panose="020B0604020202020204"/>
+              <a:buChar char="•"/>
+            </a:pPr>
+            <a:r>
+              <a:rPr sz="1600" b="0" i="0">
+                <a:solidFill>
+                  <a:srgbClr val="001D35"/>
+                </a:solidFill>
+                <a:latin typeface="Arial" panose="020B0604020202020204" pitchFamily="34" charset="0"/>
+                <a:ea typeface="Google Sans"/>
+                <a:cs typeface="Arial" panose="020B0604020202020204" pitchFamily="34" charset="0"/>
+              </a:rPr>
+              <a:t>Precision and Recall Relationship:</a:t>
+            </a:r>
+            <a:endParaRPr sz="1600" b="0" i="0">
+              <a:solidFill>
+                <a:srgbClr val="001D35"/>
+              </a:solidFill>
+              <a:latin typeface="Arial" panose="020B0604020202020204" pitchFamily="34" charset="0"/>
+              <a:ea typeface="Google Sans"/>
+              <a:cs typeface="Arial" panose="020B0604020202020204" pitchFamily="34" charset="0"/>
+            </a:endParaRPr>
+          </a:p>
+          <a:p>
+            <a:pPr marL="914400" lvl="2" indent="0">
+              <a:lnSpc>
+                <a:spcPct val="100000"/>
+              </a:lnSpc>
+              <a:spcBef>
+                <a:spcPct val="0"/>
+              </a:spcBef>
+              <a:spcAft>
+                <a:spcPct val="0"/>
+              </a:spcAft>
+            </a:pPr>
+            <a:r>
+              <a:rPr sz="1600" b="0" i="0">
+                <a:solidFill>
+                  <a:srgbClr val="545D7E"/>
+                </a:solidFill>
+                <a:latin typeface="Arial" panose="020B0604020202020204" pitchFamily="34" charset="0"/>
+                <a:ea typeface="Google Sans"/>
+                <a:cs typeface="Arial" panose="020B0604020202020204" pitchFamily="34" charset="0"/>
+              </a:rPr>
+              <a:t>Precision and recall often have an inverse relationship. Increasing precision can decrease recall, and vice versa. Therefore, it's crucial to consider both metrics when evaluating a model. In some cases, the F1-score, which combines precision and recall, is used to get a balanced evaluation. </a:t>
+            </a:r>
+            <a:endParaRPr sz="1600" b="0" i="0">
+              <a:solidFill>
+                <a:srgbClr val="545D7E"/>
+              </a:solidFill>
+              <a:latin typeface="Arial" panose="020B0604020202020204" pitchFamily="34" charset="0"/>
+              <a:ea typeface="Google Sans"/>
+              <a:cs typeface="Arial" panose="020B0604020202020204" pitchFamily="34" charset="0"/>
+            </a:endParaRPr>
+          </a:p>
+        </p:txBody>
+      </p:sp>
+    </p:spTree>
+  </p:cSld>
+  <p:clrMapOvr>
+    <a:masterClrMapping/>
+  </p:clrMapOvr>
+</p:sld>
+</file>
+
+<file path=ppt/slides/slide22.xml><?xml version="1.0" encoding="utf-8"?>
+<p:sld xmlns:a="http://schemas.openxmlformats.org/drawingml/2006/main" xmlns:r="http://schemas.openxmlformats.org/officeDocument/2006/relationships" xmlns:p="http://schemas.openxmlformats.org/presentationml/2006/main">
+  <p:cSld>
+    <p:spTree>
+      <p:nvGrpSpPr>
+        <p:cNvPr id="1" name=""/>
+        <p:cNvGrpSpPr/>
+        <p:nvPr/>
+      </p:nvGrpSpPr>
       <p:grpSpPr/>
       <p:sp>
         <p:nvSpPr>
@@ -11784,7 +12406,7 @@
 </p:sld>
 </file>
 
-<file path=ppt/slides/slide21.xml><?xml version="1.0" encoding="utf-8"?>
+<file path=ppt/slides/slide23.xml><?xml version="1.0" encoding="utf-8"?>
 <p:sld xmlns:a="http://schemas.openxmlformats.org/drawingml/2006/main" xmlns:r="http://schemas.openxmlformats.org/officeDocument/2006/relationships" xmlns:p="http://schemas.openxmlformats.org/presentationml/2006/main">
   <p:cSld>
     <p:spTree>
@@ -12417,7 +13039,7 @@
 </p:sld>
 </file>
 
-<file path=ppt/slides/slide22.xml><?xml version="1.0" encoding="utf-8"?>
+<file path=ppt/slides/slide24.xml><?xml version="1.0" encoding="utf-8"?>
 <p:sld xmlns:a="http://schemas.openxmlformats.org/drawingml/2006/main" xmlns:r="http://schemas.openxmlformats.org/officeDocument/2006/relationships" xmlns:p="http://schemas.openxmlformats.org/presentationml/2006/main">
   <p:cSld>
     <p:spTree>
@@ -12457,7 +13079,7 @@
 </p:sld>
 </file>
 
-<file path=ppt/slides/slide23.xml><?xml version="1.0" encoding="utf-8"?>
+<file path=ppt/slides/slide25.xml><?xml version="1.0" encoding="utf-8"?>
 <p:sld xmlns:a="http://schemas.openxmlformats.org/drawingml/2006/main" xmlns:r="http://schemas.openxmlformats.org/officeDocument/2006/relationships" xmlns:p="http://schemas.openxmlformats.org/presentationml/2006/main">
   <p:cSld>
     <p:spTree>
@@ -14078,7 +14700,7 @@
 </p:sld>
 </file>
 
-<file path=ppt/slides/slide24.xml><?xml version="1.0" encoding="utf-8"?>
+<file path=ppt/slides/slide26.xml><?xml version="1.0" encoding="utf-8"?>
 <p:sld xmlns:a="http://schemas.openxmlformats.org/drawingml/2006/main" xmlns:r="http://schemas.openxmlformats.org/officeDocument/2006/relationships" xmlns:p="http://schemas.openxmlformats.org/presentationml/2006/main">
   <p:cSld>
     <p:spTree>
@@ -14402,7 +15024,7 @@
 </p:sld>
 </file>
 
-<file path=ppt/slides/slide25.xml><?xml version="1.0" encoding="utf-8"?>
+<file path=ppt/slides/slide27.xml><?xml version="1.0" encoding="utf-8"?>
 <p:sld xmlns:a="http://schemas.openxmlformats.org/drawingml/2006/main" xmlns:r="http://schemas.openxmlformats.org/officeDocument/2006/relationships" xmlns:p="http://schemas.openxmlformats.org/presentationml/2006/main">
   <p:cSld>
     <p:spTree>
@@ -14608,7 +15230,7 @@
 </p:sld>
 </file>
 
-<file path=ppt/slides/slide26.xml><?xml version="1.0" encoding="utf-8"?>
+<file path=ppt/slides/slide28.xml><?xml version="1.0" encoding="utf-8"?>
 <p:sld xmlns:a="http://schemas.openxmlformats.org/drawingml/2006/main" xmlns:r="http://schemas.openxmlformats.org/officeDocument/2006/relationships" xmlns:p="http://schemas.openxmlformats.org/presentationml/2006/main">
   <p:cSld>
     <p:spTree>
@@ -15007,7 +15629,7 @@
 </p:sld>
 </file>
 
-<file path=ppt/slides/slide27.xml><?xml version="1.0" encoding="utf-8"?>
+<file path=ppt/slides/slide29.xml><?xml version="1.0" encoding="utf-8"?>
 <p:sld xmlns:a="http://schemas.openxmlformats.org/drawingml/2006/main" xmlns:r="http://schemas.openxmlformats.org/officeDocument/2006/relationships" xmlns:p="http://schemas.openxmlformats.org/presentationml/2006/main">
   <p:cSld>
     <p:spTree>
@@ -15684,700 +16306,6 @@
               <a:cs typeface="Arial" panose="020B0604020202020204" pitchFamily="34" charset="0"/>
               <a:sym typeface="+mn-ea"/>
             </a:endParaRPr>
-          </a:p>
-        </p:txBody>
-      </p:sp>
-    </p:spTree>
-  </p:cSld>
-  <p:clrMapOvr>
-    <a:masterClrMapping/>
-  </p:clrMapOvr>
-</p:sld>
-</file>
-
-<file path=ppt/slides/slide28.xml><?xml version="1.0" encoding="utf-8"?>
-<p:sld xmlns:a="http://schemas.openxmlformats.org/drawingml/2006/main" xmlns:r="http://schemas.openxmlformats.org/officeDocument/2006/relationships" xmlns:p="http://schemas.openxmlformats.org/presentationml/2006/main">
-  <p:cSld>
-    <p:spTree>
-      <p:nvGrpSpPr>
-        <p:cNvPr id="1" name=""/>
-        <p:cNvGrpSpPr/>
-        <p:nvPr/>
-      </p:nvGrpSpPr>
-      <p:grpSpPr>
-        <a:xfrm>
-          <a:off x="0" y="0"/>
-          <a:ext cx="0" cy="0"/>
-          <a:chOff x="0" y="0"/>
-          <a:chExt cx="0" cy="0"/>
-        </a:xfrm>
-      </p:grpSpPr>
-      <p:sp>
-        <p:nvSpPr>
-          <p:cNvPr id="20" name="TextBox 19"/>
-          <p:cNvSpPr txBox="1"/>
-          <p:nvPr/>
-        </p:nvSpPr>
-        <p:spPr>
-          <a:xfrm>
-            <a:off x="6428740" y="0"/>
-            <a:ext cx="5762625" cy="6739255"/>
-          </a:xfrm>
-          <a:prstGeom prst="rect">
-            <a:avLst/>
-          </a:prstGeom>
-          <a:noFill/>
-        </p:spPr>
-        <p:txBody>
-          <a:bodyPr wrap="square">
-            <a:spAutoFit/>
-          </a:bodyPr>
-          <a:lstStyle/>
-          <a:p>
-            <a:endParaRPr lang="en-IN" dirty="0"/>
-          </a:p>
-          <a:p>
-            <a:r>
-              <a:rPr lang="en-IN" dirty="0"/>
-              <a:t># Get predicted probabilities for the positive class</a:t>
-            </a:r>
-            <a:endParaRPr lang="en-IN" dirty="0"/>
-          </a:p>
-          <a:p>
-            <a:r>
-              <a:rPr lang="en-IN" dirty="0" err="1"/>
-              <a:t>y_scores</a:t>
-            </a:r>
-            <a:r>
-              <a:rPr lang="en-IN" dirty="0"/>
-              <a:t> = </a:t>
-            </a:r>
-            <a:r>
-              <a:rPr lang="en-IN" dirty="0" err="1"/>
-              <a:t>model.predict_proba</a:t>
-            </a:r>
-            <a:r>
-              <a:rPr lang="en-IN" dirty="0"/>
-              <a:t>(</a:t>
-            </a:r>
-            <a:r>
-              <a:rPr lang="en-IN" dirty="0" err="1"/>
-              <a:t>X_test</a:t>
-            </a:r>
-            <a:r>
-              <a:rPr lang="en-IN" dirty="0"/>
-              <a:t>)[:, 1]</a:t>
-            </a:r>
-            <a:endParaRPr lang="en-IN" dirty="0"/>
-          </a:p>
-          <a:p>
-            <a:endParaRPr lang="en-IN" dirty="0"/>
-          </a:p>
-          <a:p>
-            <a:r>
-              <a:rPr lang="en-IN" dirty="0"/>
-              <a:t># Calculate ROC curve</a:t>
-            </a:r>
-            <a:endParaRPr lang="en-IN" dirty="0"/>
-          </a:p>
-          <a:p>
-            <a:r>
-              <a:rPr lang="en-IN" dirty="0" err="1"/>
-              <a:t>fpr</a:t>
-            </a:r>
-            <a:r>
-              <a:rPr lang="en-IN" dirty="0"/>
-              <a:t>, </a:t>
-            </a:r>
-            <a:r>
-              <a:rPr lang="en-IN" dirty="0" err="1"/>
-              <a:t>tpr</a:t>
-            </a:r>
-            <a:r>
-              <a:rPr lang="en-IN" dirty="0"/>
-              <a:t>, thresholds = </a:t>
-            </a:r>
-            <a:r>
-              <a:rPr lang="en-IN" dirty="0" err="1"/>
-              <a:t>roc_curve</a:t>
-            </a:r>
-            <a:r>
-              <a:rPr lang="en-IN" dirty="0"/>
-              <a:t>(</a:t>
-            </a:r>
-            <a:r>
-              <a:rPr lang="en-IN" dirty="0" err="1"/>
-              <a:t>y_test</a:t>
-            </a:r>
-            <a:r>
-              <a:rPr lang="en-IN" dirty="0"/>
-              <a:t>, </a:t>
-            </a:r>
-            <a:r>
-              <a:rPr lang="en-IN" dirty="0" err="1"/>
-              <a:t>y_scores</a:t>
-            </a:r>
-            <a:r>
-              <a:rPr lang="en-IN" dirty="0"/>
-              <a:t>)</a:t>
-            </a:r>
-            <a:endParaRPr lang="en-IN" dirty="0"/>
-          </a:p>
-          <a:p>
-            <a:endParaRPr lang="en-IN" dirty="0"/>
-          </a:p>
-          <a:p>
-            <a:r>
-              <a:rPr lang="en-IN" dirty="0"/>
-              <a:t># Calculate AUC</a:t>
-            </a:r>
-            <a:endParaRPr lang="en-IN" dirty="0"/>
-          </a:p>
-          <a:p>
-            <a:r>
-              <a:rPr lang="en-IN" dirty="0" err="1"/>
-              <a:t>roc_auc</a:t>
-            </a:r>
-            <a:r>
-              <a:rPr lang="en-IN" dirty="0"/>
-              <a:t> = </a:t>
-            </a:r>
-            <a:r>
-              <a:rPr lang="en-IN" dirty="0" err="1"/>
-              <a:t>auc</a:t>
-            </a:r>
-            <a:r>
-              <a:rPr lang="en-IN" dirty="0"/>
-              <a:t>(</a:t>
-            </a:r>
-            <a:r>
-              <a:rPr lang="en-IN" dirty="0" err="1"/>
-              <a:t>fpr</a:t>
-            </a:r>
-            <a:r>
-              <a:rPr lang="en-IN" dirty="0"/>
-              <a:t>, </a:t>
-            </a:r>
-            <a:r>
-              <a:rPr lang="en-IN" dirty="0" err="1"/>
-              <a:t>tpr</a:t>
-            </a:r>
-            <a:r>
-              <a:rPr lang="en-IN" dirty="0"/>
-              <a:t>)</a:t>
-            </a:r>
-            <a:endParaRPr lang="en-IN" dirty="0"/>
-          </a:p>
-          <a:p>
-            <a:endParaRPr lang="en-IN" dirty="0"/>
-          </a:p>
-          <a:p>
-            <a:r>
-              <a:rPr lang="en-IN" dirty="0"/>
-              <a:t># Plot ROC curve</a:t>
-            </a:r>
-            <a:endParaRPr lang="en-IN" dirty="0"/>
-          </a:p>
-          <a:p>
-            <a:r>
-              <a:rPr lang="en-IN" dirty="0" err="1"/>
-              <a:t>plt.figure</a:t>
-            </a:r>
-            <a:r>
-              <a:rPr lang="en-IN" dirty="0"/>
-              <a:t>()</a:t>
-            </a:r>
-            <a:endParaRPr lang="en-IN" dirty="0"/>
-          </a:p>
-          <a:p>
-            <a:r>
-              <a:rPr lang="en-IN" dirty="0" err="1"/>
-              <a:t>plt.plot</a:t>
-            </a:r>
-            <a:r>
-              <a:rPr lang="en-IN" dirty="0"/>
-              <a:t>(</a:t>
-            </a:r>
-            <a:r>
-              <a:rPr lang="en-IN" dirty="0" err="1"/>
-              <a:t>fpr</a:t>
-            </a:r>
-            <a:r>
-              <a:rPr lang="en-IN" dirty="0"/>
-              <a:t>, </a:t>
-            </a:r>
-            <a:r>
-              <a:rPr lang="en-IN" dirty="0" err="1"/>
-              <a:t>tpr</a:t>
-            </a:r>
-            <a:r>
-              <a:rPr lang="en-IN" dirty="0"/>
-              <a:t>, </a:t>
-            </a:r>
-            <a:r>
-              <a:rPr lang="en-IN" dirty="0" err="1"/>
-              <a:t>color</a:t>
-            </a:r>
-            <a:r>
-              <a:rPr lang="en-IN" dirty="0"/>
-              <a:t>='blue', label=</a:t>
-            </a:r>
-            <a:r>
-              <a:rPr lang="en-IN" dirty="0" err="1"/>
-              <a:t>f'ROC</a:t>
-            </a:r>
-            <a:r>
-              <a:rPr lang="en-IN" dirty="0"/>
-              <a:t> curve (AUC = {roc_auc:.2f})')</a:t>
-            </a:r>
-            <a:endParaRPr lang="en-IN" dirty="0"/>
-          </a:p>
-          <a:p>
-            <a:r>
-              <a:rPr lang="en-IN" dirty="0" err="1"/>
-              <a:t>plt.plot</a:t>
-            </a:r>
-            <a:r>
-              <a:rPr lang="en-IN" dirty="0"/>
-              <a:t>([0, 1], [0, 1], </a:t>
-            </a:r>
-            <a:r>
-              <a:rPr lang="en-IN" dirty="0" err="1"/>
-              <a:t>color</a:t>
-            </a:r>
-            <a:r>
-              <a:rPr lang="en-IN" dirty="0"/>
-              <a:t>='red', </a:t>
-            </a:r>
-            <a:r>
-              <a:rPr lang="en-IN" dirty="0" err="1"/>
-              <a:t>linestyle</a:t>
-            </a:r>
-            <a:r>
-              <a:rPr lang="en-IN" dirty="0"/>
-              <a:t>='--')  # Diagonal line</a:t>
-            </a:r>
-            <a:endParaRPr lang="en-IN" dirty="0"/>
-          </a:p>
-          <a:p>
-            <a:r>
-              <a:rPr lang="en-IN" dirty="0" err="1"/>
-              <a:t>plt.xlim</a:t>
-            </a:r>
-            <a:r>
-              <a:rPr lang="en-IN" dirty="0"/>
-              <a:t>([0.0, 1.0])</a:t>
-            </a:r>
-            <a:endParaRPr lang="en-IN" dirty="0"/>
-          </a:p>
-          <a:p>
-            <a:r>
-              <a:rPr lang="en-IN" dirty="0" err="1"/>
-              <a:t>plt.ylim</a:t>
-            </a:r>
-            <a:r>
-              <a:rPr lang="en-IN" dirty="0"/>
-              <a:t>([0.0, 1.05])</a:t>
-            </a:r>
-            <a:endParaRPr lang="en-IN" dirty="0"/>
-          </a:p>
-          <a:p>
-            <a:r>
-              <a:rPr lang="en-IN" dirty="0" err="1"/>
-              <a:t>plt.xlabel</a:t>
-            </a:r>
-            <a:r>
-              <a:rPr lang="en-IN" dirty="0"/>
-              <a:t>('False Positive Rate')</a:t>
-            </a:r>
-            <a:endParaRPr lang="en-IN" dirty="0"/>
-          </a:p>
-          <a:p>
-            <a:r>
-              <a:rPr lang="en-IN" dirty="0" err="1"/>
-              <a:t>plt.ylabel</a:t>
-            </a:r>
-            <a:r>
-              <a:rPr lang="en-IN" dirty="0"/>
-              <a:t>('True Positive Rate')</a:t>
-            </a:r>
-            <a:endParaRPr lang="en-IN" dirty="0"/>
-          </a:p>
-          <a:p>
-            <a:r>
-              <a:rPr lang="en-IN" dirty="0" err="1"/>
-              <a:t>plt.title</a:t>
-            </a:r>
-            <a:r>
-              <a:rPr lang="en-IN" dirty="0"/>
-              <a:t>('Receiver Operating Characteristic (ROC) Curve')</a:t>
-            </a:r>
-            <a:endParaRPr lang="en-IN" dirty="0"/>
-          </a:p>
-          <a:p>
-            <a:r>
-              <a:rPr lang="en-IN" dirty="0" err="1"/>
-              <a:t>plt.legend</a:t>
-            </a:r>
-            <a:r>
-              <a:rPr lang="en-IN" dirty="0"/>
-              <a:t>(loc='lower right')</a:t>
-            </a:r>
-            <a:endParaRPr lang="en-IN" dirty="0"/>
-          </a:p>
-          <a:p>
-            <a:r>
-              <a:rPr lang="en-IN" dirty="0" err="1"/>
-              <a:t>plt.grid</a:t>
-            </a:r>
-            <a:r>
-              <a:rPr lang="en-IN" dirty="0"/>
-              <a:t>()</a:t>
-            </a:r>
-            <a:endParaRPr lang="en-IN" dirty="0"/>
-          </a:p>
-          <a:p>
-            <a:r>
-              <a:rPr lang="en-IN" dirty="0" err="1"/>
-              <a:t>plt.show</a:t>
-            </a:r>
-            <a:r>
-              <a:rPr lang="en-IN" dirty="0"/>
-              <a:t>()</a:t>
-            </a:r>
-            <a:endParaRPr lang="en-IN" dirty="0"/>
-          </a:p>
-        </p:txBody>
-      </p:sp>
-      <p:sp>
-        <p:nvSpPr>
-          <p:cNvPr id="22" name="TextBox 21"/>
-          <p:cNvSpPr txBox="1"/>
-          <p:nvPr/>
-        </p:nvSpPr>
-        <p:spPr>
-          <a:xfrm>
-            <a:off x="-62865" y="0"/>
-            <a:ext cx="6491605" cy="6554470"/>
-          </a:xfrm>
-          <a:prstGeom prst="rect">
-            <a:avLst/>
-          </a:prstGeom>
-          <a:noFill/>
-        </p:spPr>
-        <p:txBody>
-          <a:bodyPr wrap="square">
-            <a:spAutoFit/>
-          </a:bodyPr>
-          <a:lstStyle/>
-          <a:p>
-            <a:r>
-              <a:rPr lang="en-IN" sz="2000" dirty="0"/>
-              <a:t>import </a:t>
-            </a:r>
-            <a:r>
-              <a:rPr lang="en-IN" sz="2000" dirty="0" err="1"/>
-              <a:t>numpy</a:t>
-            </a:r>
-            <a:r>
-              <a:rPr lang="en-IN" sz="2000" dirty="0"/>
-              <a:t> as np</a:t>
-            </a:r>
-            <a:endParaRPr lang="en-IN" sz="2000" dirty="0"/>
-          </a:p>
-          <a:p>
-            <a:r>
-              <a:rPr lang="en-IN" sz="2000" dirty="0"/>
-              <a:t>import </a:t>
-            </a:r>
-            <a:r>
-              <a:rPr lang="en-IN" sz="2000" dirty="0" err="1"/>
-              <a:t>matplotlib.pyplot</a:t>
-            </a:r>
-            <a:r>
-              <a:rPr lang="en-IN" sz="2000" dirty="0"/>
-              <a:t> as </a:t>
-            </a:r>
-            <a:r>
-              <a:rPr lang="en-IN" sz="2000" dirty="0" err="1"/>
-              <a:t>plt</a:t>
-            </a:r>
-            <a:endParaRPr lang="en-IN" sz="2000" dirty="0"/>
-          </a:p>
-          <a:p>
-            <a:r>
-              <a:rPr lang="en-IN" sz="2000" dirty="0"/>
-              <a:t>from </a:t>
-            </a:r>
-            <a:r>
-              <a:rPr lang="en-IN" sz="2000" dirty="0" err="1"/>
-              <a:t>sklearn.datasets</a:t>
-            </a:r>
-            <a:r>
-              <a:rPr lang="en-IN" sz="2000" dirty="0"/>
-              <a:t> import </a:t>
-            </a:r>
-            <a:r>
-              <a:rPr lang="en-IN" sz="2000" dirty="0" err="1"/>
-              <a:t>load_iris</a:t>
-            </a:r>
-            <a:endParaRPr lang="en-IN" sz="2000" dirty="0"/>
-          </a:p>
-          <a:p>
-            <a:r>
-              <a:rPr lang="en-IN" sz="2000" dirty="0"/>
-              <a:t>from </a:t>
-            </a:r>
-            <a:r>
-              <a:rPr lang="en-IN" sz="2000" dirty="0" err="1"/>
-              <a:t>sklearn.model_selection</a:t>
-            </a:r>
-            <a:r>
-              <a:rPr lang="en-IN" sz="2000" dirty="0"/>
-              <a:t> import </a:t>
-            </a:r>
-            <a:r>
-              <a:rPr lang="en-IN" sz="2000" dirty="0" err="1"/>
-              <a:t>train_test_split</a:t>
-            </a:r>
-            <a:endParaRPr lang="en-IN" sz="2000" dirty="0"/>
-          </a:p>
-          <a:p>
-            <a:r>
-              <a:rPr lang="en-IN" sz="2000" dirty="0"/>
-              <a:t>from </a:t>
-            </a:r>
-            <a:r>
-              <a:rPr lang="en-IN" sz="2000" dirty="0" err="1"/>
-              <a:t>sklearn.ensemble</a:t>
-            </a:r>
-            <a:r>
-              <a:rPr lang="en-IN" sz="2000" dirty="0"/>
-              <a:t> import </a:t>
-            </a:r>
-            <a:r>
-              <a:rPr lang="en-IN" sz="2000" dirty="0" err="1"/>
-              <a:t>RandomForestClassifier</a:t>
-            </a:r>
-            <a:endParaRPr lang="en-IN" sz="2000" dirty="0"/>
-          </a:p>
-          <a:p>
-            <a:r>
-              <a:rPr lang="en-IN" sz="2000" dirty="0"/>
-              <a:t>from </a:t>
-            </a:r>
-            <a:r>
-              <a:rPr lang="en-IN" sz="2000" dirty="0" err="1"/>
-              <a:t>sklearn.metrics</a:t>
-            </a:r>
-            <a:r>
-              <a:rPr lang="en-IN" sz="2000" dirty="0"/>
-              <a:t> import </a:t>
-            </a:r>
-            <a:r>
-              <a:rPr lang="en-IN" sz="2000" dirty="0" err="1"/>
-              <a:t>roc_curve</a:t>
-            </a:r>
-            <a:r>
-              <a:rPr lang="en-IN" sz="2000" dirty="0"/>
-              <a:t>, </a:t>
-            </a:r>
-            <a:r>
-              <a:rPr lang="en-IN" sz="2000" dirty="0" err="1"/>
-              <a:t>auc</a:t>
-            </a:r>
-            <a:endParaRPr lang="en-IN" sz="2000" dirty="0"/>
-          </a:p>
-          <a:p>
-            <a:endParaRPr lang="en-IN" sz="2000" dirty="0"/>
-          </a:p>
-          <a:p>
-            <a:r>
-              <a:rPr lang="en-IN" sz="2000" dirty="0"/>
-              <a:t># Load the Iris dataset</a:t>
-            </a:r>
-            <a:endParaRPr lang="en-IN" sz="2000" dirty="0"/>
-          </a:p>
-          <a:p>
-            <a:r>
-              <a:rPr lang="en-IN" sz="2000" dirty="0"/>
-              <a:t>data = </a:t>
-            </a:r>
-            <a:r>
-              <a:rPr lang="en-IN" sz="2000" dirty="0" err="1"/>
-              <a:t>load_iris</a:t>
-            </a:r>
-            <a:r>
-              <a:rPr lang="en-IN" sz="2000" dirty="0"/>
-              <a:t>()</a:t>
-            </a:r>
-            <a:endParaRPr lang="en-IN" sz="2000" dirty="0"/>
-          </a:p>
-          <a:p>
-            <a:r>
-              <a:rPr lang="en-IN" sz="2000" dirty="0"/>
-              <a:t>X, y = </a:t>
-            </a:r>
-            <a:r>
-              <a:rPr lang="en-IN" sz="2000" dirty="0" err="1"/>
-              <a:t>data.data</a:t>
-            </a:r>
-            <a:r>
-              <a:rPr lang="en-IN" sz="2000" dirty="0"/>
-              <a:t>, </a:t>
-            </a:r>
-            <a:r>
-              <a:rPr lang="en-IN" sz="2000" dirty="0" err="1"/>
-              <a:t>data.target</a:t>
-            </a:r>
-            <a:endParaRPr lang="en-IN" sz="2000" dirty="0"/>
-          </a:p>
-          <a:p>
-            <a:r>
-              <a:rPr lang="en-IN" sz="2000" dirty="0"/>
-              <a:t># For binary classification, let's use only two classes (0 and 1)</a:t>
-            </a:r>
-            <a:endParaRPr lang="en-IN" sz="2000" dirty="0"/>
-          </a:p>
-          <a:p>
-            <a:r>
-              <a:rPr lang="en-IN" sz="2000" dirty="0"/>
-              <a:t>X = X[y != 2]</a:t>
-            </a:r>
-            <a:endParaRPr lang="en-IN" sz="2000" dirty="0"/>
-          </a:p>
-          <a:p>
-            <a:r>
-              <a:rPr lang="en-IN" sz="2000" dirty="0"/>
-              <a:t>y = y[y != 2]</a:t>
-            </a:r>
-            <a:endParaRPr lang="en-IN" sz="2000" dirty="0"/>
-          </a:p>
-          <a:p>
-            <a:endParaRPr lang="en-IN" sz="2000" dirty="0"/>
-          </a:p>
-          <a:p>
-            <a:r>
-              <a:rPr lang="en-IN" sz="2000" dirty="0"/>
-              <a:t># Split the dataset into training and testing sets</a:t>
-            </a:r>
-            <a:endParaRPr lang="en-IN" sz="2000" dirty="0"/>
-          </a:p>
-          <a:p>
-            <a:r>
-              <a:rPr lang="en-IN" sz="2000" dirty="0" err="1"/>
-              <a:t>X_train</a:t>
-            </a:r>
-            <a:r>
-              <a:rPr lang="en-IN" sz="2000" dirty="0"/>
-              <a:t>, </a:t>
-            </a:r>
-            <a:r>
-              <a:rPr lang="en-IN" sz="2000" dirty="0" err="1"/>
-              <a:t>X_test</a:t>
-            </a:r>
-            <a:r>
-              <a:rPr lang="en-IN" sz="2000" dirty="0"/>
-              <a:t>, </a:t>
-            </a:r>
-            <a:r>
-              <a:rPr lang="en-IN" sz="2000" dirty="0" err="1"/>
-              <a:t>y_train</a:t>
-            </a:r>
-            <a:r>
-              <a:rPr lang="en-IN" sz="2000" dirty="0"/>
-              <a:t>, </a:t>
-            </a:r>
-            <a:r>
-              <a:rPr lang="en-IN" sz="2000" dirty="0" err="1"/>
-              <a:t>y_test</a:t>
-            </a:r>
-            <a:r>
-              <a:rPr lang="en-IN" sz="2000" dirty="0"/>
-              <a:t> = </a:t>
-            </a:r>
-            <a:r>
-              <a:rPr lang="en-IN" sz="2000" dirty="0" err="1"/>
-              <a:t>train_test_split</a:t>
-            </a:r>
-            <a:r>
-              <a:rPr lang="en-IN" sz="2000" dirty="0"/>
-              <a:t>(X, y, </a:t>
-            </a:r>
-            <a:r>
-              <a:rPr lang="en-IN" sz="2000" dirty="0" err="1"/>
-              <a:t>test_size</a:t>
-            </a:r>
-            <a:r>
-              <a:rPr lang="en-IN" sz="2000" dirty="0"/>
-              <a:t>=0.3, </a:t>
-            </a:r>
-            <a:r>
-              <a:rPr lang="en-IN" sz="2000" dirty="0" err="1"/>
-              <a:t>random_state</a:t>
-            </a:r>
-            <a:r>
-              <a:rPr lang="en-IN" sz="2000" dirty="0"/>
-              <a:t>=42)</a:t>
-            </a:r>
-            <a:endParaRPr lang="en-IN" sz="2000" dirty="0"/>
-          </a:p>
-          <a:p>
-            <a:r>
-              <a:rPr lang="en-IN" sz="2000" dirty="0"/>
-              <a:t># Train a Random Forest classifier</a:t>
-            </a:r>
-            <a:endParaRPr lang="en-IN" sz="2000" dirty="0"/>
-          </a:p>
-          <a:p>
-            <a:r>
-              <a:rPr lang="en-IN" sz="2000" dirty="0"/>
-              <a:t>model = </a:t>
-            </a:r>
-            <a:r>
-              <a:rPr lang="en-IN" sz="2000" dirty="0" err="1"/>
-              <a:t>RandomForestClassifier</a:t>
-            </a:r>
-            <a:r>
-              <a:rPr lang="en-IN" sz="2000" dirty="0"/>
-              <a:t>(</a:t>
-            </a:r>
-            <a:r>
-              <a:rPr lang="en-IN" sz="2000" dirty="0" err="1"/>
-              <a:t>random_state</a:t>
-            </a:r>
-            <a:r>
-              <a:rPr lang="en-IN" sz="2000" dirty="0"/>
-              <a:t>=42)</a:t>
-            </a:r>
-            <a:endParaRPr lang="en-IN" sz="2000" dirty="0"/>
-          </a:p>
-          <a:p>
-            <a:r>
-              <a:rPr lang="en-IN" sz="2000" dirty="0" err="1"/>
-              <a:t>model.fit</a:t>
-            </a:r>
-            <a:r>
-              <a:rPr lang="en-IN" sz="2000" dirty="0"/>
-              <a:t>(</a:t>
-            </a:r>
-            <a:r>
-              <a:rPr lang="en-IN" sz="2000" dirty="0" err="1"/>
-              <a:t>X_train</a:t>
-            </a:r>
-            <a:r>
-              <a:rPr lang="en-IN" sz="2000" dirty="0"/>
-              <a:t>, </a:t>
-            </a:r>
-            <a:r>
-              <a:rPr lang="en-IN" sz="2000" dirty="0" err="1"/>
-              <a:t>y_train</a:t>
-            </a:r>
-            <a:r>
-              <a:rPr lang="en-IN" sz="2000" dirty="0"/>
-              <a:t>)</a:t>
-            </a:r>
-            <a:endParaRPr lang="en-IN" sz="2000" dirty="0"/>
           </a:p>
         </p:txBody>
       </p:sp>
@@ -16688,6 +16616,700 @@
 </p:sld>
 </file>
 
+<file path=ppt/slides/slide30.xml><?xml version="1.0" encoding="utf-8"?>
+<p:sld xmlns:a="http://schemas.openxmlformats.org/drawingml/2006/main" xmlns:r="http://schemas.openxmlformats.org/officeDocument/2006/relationships" xmlns:p="http://schemas.openxmlformats.org/presentationml/2006/main">
+  <p:cSld>
+    <p:spTree>
+      <p:nvGrpSpPr>
+        <p:cNvPr id="1" name=""/>
+        <p:cNvGrpSpPr/>
+        <p:nvPr/>
+      </p:nvGrpSpPr>
+      <p:grpSpPr>
+        <a:xfrm>
+          <a:off x="0" y="0"/>
+          <a:ext cx="0" cy="0"/>
+          <a:chOff x="0" y="0"/>
+          <a:chExt cx="0" cy="0"/>
+        </a:xfrm>
+      </p:grpSpPr>
+      <p:sp>
+        <p:nvSpPr>
+          <p:cNvPr id="20" name="TextBox 19"/>
+          <p:cNvSpPr txBox="1"/>
+          <p:nvPr/>
+        </p:nvSpPr>
+        <p:spPr>
+          <a:xfrm>
+            <a:off x="6428740" y="0"/>
+            <a:ext cx="5762625" cy="6739255"/>
+          </a:xfrm>
+          <a:prstGeom prst="rect">
+            <a:avLst/>
+          </a:prstGeom>
+          <a:noFill/>
+        </p:spPr>
+        <p:txBody>
+          <a:bodyPr wrap="square">
+            <a:spAutoFit/>
+          </a:bodyPr>
+          <a:lstStyle/>
+          <a:p>
+            <a:endParaRPr lang="en-IN" dirty="0"/>
+          </a:p>
+          <a:p>
+            <a:r>
+              <a:rPr lang="en-IN" dirty="0"/>
+              <a:t># Get predicted probabilities for the positive class</a:t>
+            </a:r>
+            <a:endParaRPr lang="en-IN" dirty="0"/>
+          </a:p>
+          <a:p>
+            <a:r>
+              <a:rPr lang="en-IN" dirty="0" err="1"/>
+              <a:t>y_scores</a:t>
+            </a:r>
+            <a:r>
+              <a:rPr lang="en-IN" dirty="0"/>
+              <a:t> = </a:t>
+            </a:r>
+            <a:r>
+              <a:rPr lang="en-IN" dirty="0" err="1"/>
+              <a:t>model.predict_proba</a:t>
+            </a:r>
+            <a:r>
+              <a:rPr lang="en-IN" dirty="0"/>
+              <a:t>(</a:t>
+            </a:r>
+            <a:r>
+              <a:rPr lang="en-IN" dirty="0" err="1"/>
+              <a:t>X_test</a:t>
+            </a:r>
+            <a:r>
+              <a:rPr lang="en-IN" dirty="0"/>
+              <a:t>)[:, 1]</a:t>
+            </a:r>
+            <a:endParaRPr lang="en-IN" dirty="0"/>
+          </a:p>
+          <a:p>
+            <a:endParaRPr lang="en-IN" dirty="0"/>
+          </a:p>
+          <a:p>
+            <a:r>
+              <a:rPr lang="en-IN" dirty="0"/>
+              <a:t># Calculate ROC curve</a:t>
+            </a:r>
+            <a:endParaRPr lang="en-IN" dirty="0"/>
+          </a:p>
+          <a:p>
+            <a:r>
+              <a:rPr lang="en-IN" dirty="0" err="1"/>
+              <a:t>fpr</a:t>
+            </a:r>
+            <a:r>
+              <a:rPr lang="en-IN" dirty="0"/>
+              <a:t>, </a:t>
+            </a:r>
+            <a:r>
+              <a:rPr lang="en-IN" dirty="0" err="1"/>
+              <a:t>tpr</a:t>
+            </a:r>
+            <a:r>
+              <a:rPr lang="en-IN" dirty="0"/>
+              <a:t>, thresholds = </a:t>
+            </a:r>
+            <a:r>
+              <a:rPr lang="en-IN" dirty="0" err="1"/>
+              <a:t>roc_curve</a:t>
+            </a:r>
+            <a:r>
+              <a:rPr lang="en-IN" dirty="0"/>
+              <a:t>(</a:t>
+            </a:r>
+            <a:r>
+              <a:rPr lang="en-IN" dirty="0" err="1"/>
+              <a:t>y_test</a:t>
+            </a:r>
+            <a:r>
+              <a:rPr lang="en-IN" dirty="0"/>
+              <a:t>, </a:t>
+            </a:r>
+            <a:r>
+              <a:rPr lang="en-IN" dirty="0" err="1"/>
+              <a:t>y_scores</a:t>
+            </a:r>
+            <a:r>
+              <a:rPr lang="en-IN" dirty="0"/>
+              <a:t>)</a:t>
+            </a:r>
+            <a:endParaRPr lang="en-IN" dirty="0"/>
+          </a:p>
+          <a:p>
+            <a:endParaRPr lang="en-IN" dirty="0"/>
+          </a:p>
+          <a:p>
+            <a:r>
+              <a:rPr lang="en-IN" dirty="0"/>
+              <a:t># Calculate AUC</a:t>
+            </a:r>
+            <a:endParaRPr lang="en-IN" dirty="0"/>
+          </a:p>
+          <a:p>
+            <a:r>
+              <a:rPr lang="en-IN" dirty="0" err="1"/>
+              <a:t>roc_auc</a:t>
+            </a:r>
+            <a:r>
+              <a:rPr lang="en-IN" dirty="0"/>
+              <a:t> = </a:t>
+            </a:r>
+            <a:r>
+              <a:rPr lang="en-IN" dirty="0" err="1"/>
+              <a:t>auc</a:t>
+            </a:r>
+            <a:r>
+              <a:rPr lang="en-IN" dirty="0"/>
+              <a:t>(</a:t>
+            </a:r>
+            <a:r>
+              <a:rPr lang="en-IN" dirty="0" err="1"/>
+              <a:t>fpr</a:t>
+            </a:r>
+            <a:r>
+              <a:rPr lang="en-IN" dirty="0"/>
+              <a:t>, </a:t>
+            </a:r>
+            <a:r>
+              <a:rPr lang="en-IN" dirty="0" err="1"/>
+              <a:t>tpr</a:t>
+            </a:r>
+            <a:r>
+              <a:rPr lang="en-IN" dirty="0"/>
+              <a:t>)</a:t>
+            </a:r>
+            <a:endParaRPr lang="en-IN" dirty="0"/>
+          </a:p>
+          <a:p>
+            <a:endParaRPr lang="en-IN" dirty="0"/>
+          </a:p>
+          <a:p>
+            <a:r>
+              <a:rPr lang="en-IN" dirty="0"/>
+              <a:t># Plot ROC curve</a:t>
+            </a:r>
+            <a:endParaRPr lang="en-IN" dirty="0"/>
+          </a:p>
+          <a:p>
+            <a:r>
+              <a:rPr lang="en-IN" dirty="0" err="1"/>
+              <a:t>plt.figure</a:t>
+            </a:r>
+            <a:r>
+              <a:rPr lang="en-IN" dirty="0"/>
+              <a:t>()</a:t>
+            </a:r>
+            <a:endParaRPr lang="en-IN" dirty="0"/>
+          </a:p>
+          <a:p>
+            <a:r>
+              <a:rPr lang="en-IN" dirty="0" err="1"/>
+              <a:t>plt.plot</a:t>
+            </a:r>
+            <a:r>
+              <a:rPr lang="en-IN" dirty="0"/>
+              <a:t>(</a:t>
+            </a:r>
+            <a:r>
+              <a:rPr lang="en-IN" dirty="0" err="1"/>
+              <a:t>fpr</a:t>
+            </a:r>
+            <a:r>
+              <a:rPr lang="en-IN" dirty="0"/>
+              <a:t>, </a:t>
+            </a:r>
+            <a:r>
+              <a:rPr lang="en-IN" dirty="0" err="1"/>
+              <a:t>tpr</a:t>
+            </a:r>
+            <a:r>
+              <a:rPr lang="en-IN" dirty="0"/>
+              <a:t>, </a:t>
+            </a:r>
+            <a:r>
+              <a:rPr lang="en-IN" dirty="0" err="1"/>
+              <a:t>color</a:t>
+            </a:r>
+            <a:r>
+              <a:rPr lang="en-IN" dirty="0"/>
+              <a:t>='blue', label=</a:t>
+            </a:r>
+            <a:r>
+              <a:rPr lang="en-IN" dirty="0" err="1"/>
+              <a:t>f'ROC</a:t>
+            </a:r>
+            <a:r>
+              <a:rPr lang="en-IN" dirty="0"/>
+              <a:t> curve (AUC = {roc_auc:.2f})')</a:t>
+            </a:r>
+            <a:endParaRPr lang="en-IN" dirty="0"/>
+          </a:p>
+          <a:p>
+            <a:r>
+              <a:rPr lang="en-IN" dirty="0" err="1"/>
+              <a:t>plt.plot</a:t>
+            </a:r>
+            <a:r>
+              <a:rPr lang="en-IN" dirty="0"/>
+              <a:t>([0, 1], [0, 1], </a:t>
+            </a:r>
+            <a:r>
+              <a:rPr lang="en-IN" dirty="0" err="1"/>
+              <a:t>color</a:t>
+            </a:r>
+            <a:r>
+              <a:rPr lang="en-IN" dirty="0"/>
+              <a:t>='red', </a:t>
+            </a:r>
+            <a:r>
+              <a:rPr lang="en-IN" dirty="0" err="1"/>
+              <a:t>linestyle</a:t>
+            </a:r>
+            <a:r>
+              <a:rPr lang="en-IN" dirty="0"/>
+              <a:t>='--')  # Diagonal line</a:t>
+            </a:r>
+            <a:endParaRPr lang="en-IN" dirty="0"/>
+          </a:p>
+          <a:p>
+            <a:r>
+              <a:rPr lang="en-IN" dirty="0" err="1"/>
+              <a:t>plt.xlim</a:t>
+            </a:r>
+            <a:r>
+              <a:rPr lang="en-IN" dirty="0"/>
+              <a:t>([0.0, 1.0])</a:t>
+            </a:r>
+            <a:endParaRPr lang="en-IN" dirty="0"/>
+          </a:p>
+          <a:p>
+            <a:r>
+              <a:rPr lang="en-IN" dirty="0" err="1"/>
+              <a:t>plt.ylim</a:t>
+            </a:r>
+            <a:r>
+              <a:rPr lang="en-IN" dirty="0"/>
+              <a:t>([0.0, 1.05])</a:t>
+            </a:r>
+            <a:endParaRPr lang="en-IN" dirty="0"/>
+          </a:p>
+          <a:p>
+            <a:r>
+              <a:rPr lang="en-IN" dirty="0" err="1"/>
+              <a:t>plt.xlabel</a:t>
+            </a:r>
+            <a:r>
+              <a:rPr lang="en-IN" dirty="0"/>
+              <a:t>('False Positive Rate')</a:t>
+            </a:r>
+            <a:endParaRPr lang="en-IN" dirty="0"/>
+          </a:p>
+          <a:p>
+            <a:r>
+              <a:rPr lang="en-IN" dirty="0" err="1"/>
+              <a:t>plt.ylabel</a:t>
+            </a:r>
+            <a:r>
+              <a:rPr lang="en-IN" dirty="0"/>
+              <a:t>('True Positive Rate')</a:t>
+            </a:r>
+            <a:endParaRPr lang="en-IN" dirty="0"/>
+          </a:p>
+          <a:p>
+            <a:r>
+              <a:rPr lang="en-IN" dirty="0" err="1"/>
+              <a:t>plt.title</a:t>
+            </a:r>
+            <a:r>
+              <a:rPr lang="en-IN" dirty="0"/>
+              <a:t>('Receiver Operating Characteristic (ROC) Curve')</a:t>
+            </a:r>
+            <a:endParaRPr lang="en-IN" dirty="0"/>
+          </a:p>
+          <a:p>
+            <a:r>
+              <a:rPr lang="en-IN" dirty="0" err="1"/>
+              <a:t>plt.legend</a:t>
+            </a:r>
+            <a:r>
+              <a:rPr lang="en-IN" dirty="0"/>
+              <a:t>(loc='lower right')</a:t>
+            </a:r>
+            <a:endParaRPr lang="en-IN" dirty="0"/>
+          </a:p>
+          <a:p>
+            <a:r>
+              <a:rPr lang="en-IN" dirty="0" err="1"/>
+              <a:t>plt.grid</a:t>
+            </a:r>
+            <a:r>
+              <a:rPr lang="en-IN" dirty="0"/>
+              <a:t>()</a:t>
+            </a:r>
+            <a:endParaRPr lang="en-IN" dirty="0"/>
+          </a:p>
+          <a:p>
+            <a:r>
+              <a:rPr lang="en-IN" dirty="0" err="1"/>
+              <a:t>plt.show</a:t>
+            </a:r>
+            <a:r>
+              <a:rPr lang="en-IN" dirty="0"/>
+              <a:t>()</a:t>
+            </a:r>
+            <a:endParaRPr lang="en-IN" dirty="0"/>
+          </a:p>
+        </p:txBody>
+      </p:sp>
+      <p:sp>
+        <p:nvSpPr>
+          <p:cNvPr id="22" name="TextBox 21"/>
+          <p:cNvSpPr txBox="1"/>
+          <p:nvPr/>
+        </p:nvSpPr>
+        <p:spPr>
+          <a:xfrm>
+            <a:off x="-62865" y="0"/>
+            <a:ext cx="6491605" cy="6554470"/>
+          </a:xfrm>
+          <a:prstGeom prst="rect">
+            <a:avLst/>
+          </a:prstGeom>
+          <a:noFill/>
+        </p:spPr>
+        <p:txBody>
+          <a:bodyPr wrap="square">
+            <a:spAutoFit/>
+          </a:bodyPr>
+          <a:lstStyle/>
+          <a:p>
+            <a:r>
+              <a:rPr lang="en-IN" sz="2000" dirty="0"/>
+              <a:t>import </a:t>
+            </a:r>
+            <a:r>
+              <a:rPr lang="en-IN" sz="2000" dirty="0" err="1"/>
+              <a:t>numpy</a:t>
+            </a:r>
+            <a:r>
+              <a:rPr lang="en-IN" sz="2000" dirty="0"/>
+              <a:t> as np</a:t>
+            </a:r>
+            <a:endParaRPr lang="en-IN" sz="2000" dirty="0"/>
+          </a:p>
+          <a:p>
+            <a:r>
+              <a:rPr lang="en-IN" sz="2000" dirty="0"/>
+              <a:t>import </a:t>
+            </a:r>
+            <a:r>
+              <a:rPr lang="en-IN" sz="2000" dirty="0" err="1"/>
+              <a:t>matplotlib.pyplot</a:t>
+            </a:r>
+            <a:r>
+              <a:rPr lang="en-IN" sz="2000" dirty="0"/>
+              <a:t> as </a:t>
+            </a:r>
+            <a:r>
+              <a:rPr lang="en-IN" sz="2000" dirty="0" err="1"/>
+              <a:t>plt</a:t>
+            </a:r>
+            <a:endParaRPr lang="en-IN" sz="2000" dirty="0"/>
+          </a:p>
+          <a:p>
+            <a:r>
+              <a:rPr lang="en-IN" sz="2000" dirty="0"/>
+              <a:t>from </a:t>
+            </a:r>
+            <a:r>
+              <a:rPr lang="en-IN" sz="2000" dirty="0" err="1"/>
+              <a:t>sklearn.datasets</a:t>
+            </a:r>
+            <a:r>
+              <a:rPr lang="en-IN" sz="2000" dirty="0"/>
+              <a:t> import </a:t>
+            </a:r>
+            <a:r>
+              <a:rPr lang="en-IN" sz="2000" dirty="0" err="1"/>
+              <a:t>load_iris</a:t>
+            </a:r>
+            <a:endParaRPr lang="en-IN" sz="2000" dirty="0"/>
+          </a:p>
+          <a:p>
+            <a:r>
+              <a:rPr lang="en-IN" sz="2000" dirty="0"/>
+              <a:t>from </a:t>
+            </a:r>
+            <a:r>
+              <a:rPr lang="en-IN" sz="2000" dirty="0" err="1"/>
+              <a:t>sklearn.model_selection</a:t>
+            </a:r>
+            <a:r>
+              <a:rPr lang="en-IN" sz="2000" dirty="0"/>
+              <a:t> import </a:t>
+            </a:r>
+            <a:r>
+              <a:rPr lang="en-IN" sz="2000" dirty="0" err="1"/>
+              <a:t>train_test_split</a:t>
+            </a:r>
+            <a:endParaRPr lang="en-IN" sz="2000" dirty="0"/>
+          </a:p>
+          <a:p>
+            <a:r>
+              <a:rPr lang="en-IN" sz="2000" dirty="0"/>
+              <a:t>from </a:t>
+            </a:r>
+            <a:r>
+              <a:rPr lang="en-IN" sz="2000" dirty="0" err="1"/>
+              <a:t>sklearn.ensemble</a:t>
+            </a:r>
+            <a:r>
+              <a:rPr lang="en-IN" sz="2000" dirty="0"/>
+              <a:t> import </a:t>
+            </a:r>
+            <a:r>
+              <a:rPr lang="en-IN" sz="2000" dirty="0" err="1"/>
+              <a:t>RandomForestClassifier</a:t>
+            </a:r>
+            <a:endParaRPr lang="en-IN" sz="2000" dirty="0"/>
+          </a:p>
+          <a:p>
+            <a:r>
+              <a:rPr lang="en-IN" sz="2000" dirty="0"/>
+              <a:t>from </a:t>
+            </a:r>
+            <a:r>
+              <a:rPr lang="en-IN" sz="2000" dirty="0" err="1"/>
+              <a:t>sklearn.metrics</a:t>
+            </a:r>
+            <a:r>
+              <a:rPr lang="en-IN" sz="2000" dirty="0"/>
+              <a:t> import </a:t>
+            </a:r>
+            <a:r>
+              <a:rPr lang="en-IN" sz="2000" dirty="0" err="1"/>
+              <a:t>roc_curve</a:t>
+            </a:r>
+            <a:r>
+              <a:rPr lang="en-IN" sz="2000" dirty="0"/>
+              <a:t>, </a:t>
+            </a:r>
+            <a:r>
+              <a:rPr lang="en-IN" sz="2000" dirty="0" err="1"/>
+              <a:t>auc</a:t>
+            </a:r>
+            <a:endParaRPr lang="en-IN" sz="2000" dirty="0"/>
+          </a:p>
+          <a:p>
+            <a:endParaRPr lang="en-IN" sz="2000" dirty="0"/>
+          </a:p>
+          <a:p>
+            <a:r>
+              <a:rPr lang="en-IN" sz="2000" dirty="0"/>
+              <a:t># Load the Iris dataset</a:t>
+            </a:r>
+            <a:endParaRPr lang="en-IN" sz="2000" dirty="0"/>
+          </a:p>
+          <a:p>
+            <a:r>
+              <a:rPr lang="en-IN" sz="2000" dirty="0"/>
+              <a:t>data = </a:t>
+            </a:r>
+            <a:r>
+              <a:rPr lang="en-IN" sz="2000" dirty="0" err="1"/>
+              <a:t>load_iris</a:t>
+            </a:r>
+            <a:r>
+              <a:rPr lang="en-IN" sz="2000" dirty="0"/>
+              <a:t>()</a:t>
+            </a:r>
+            <a:endParaRPr lang="en-IN" sz="2000" dirty="0"/>
+          </a:p>
+          <a:p>
+            <a:r>
+              <a:rPr lang="en-IN" sz="2000" dirty="0"/>
+              <a:t>X, y = </a:t>
+            </a:r>
+            <a:r>
+              <a:rPr lang="en-IN" sz="2000" dirty="0" err="1"/>
+              <a:t>data.data</a:t>
+            </a:r>
+            <a:r>
+              <a:rPr lang="en-IN" sz="2000" dirty="0"/>
+              <a:t>, </a:t>
+            </a:r>
+            <a:r>
+              <a:rPr lang="en-IN" sz="2000" dirty="0" err="1"/>
+              <a:t>data.target</a:t>
+            </a:r>
+            <a:endParaRPr lang="en-IN" sz="2000" dirty="0"/>
+          </a:p>
+          <a:p>
+            <a:r>
+              <a:rPr lang="en-IN" sz="2000" dirty="0"/>
+              <a:t># For binary classification, let's use only two classes (0 and 1)</a:t>
+            </a:r>
+            <a:endParaRPr lang="en-IN" sz="2000" dirty="0"/>
+          </a:p>
+          <a:p>
+            <a:r>
+              <a:rPr lang="en-IN" sz="2000" dirty="0"/>
+              <a:t>X = X[y != 2]</a:t>
+            </a:r>
+            <a:endParaRPr lang="en-IN" sz="2000" dirty="0"/>
+          </a:p>
+          <a:p>
+            <a:r>
+              <a:rPr lang="en-IN" sz="2000" dirty="0"/>
+              <a:t>y = y[y != 2]</a:t>
+            </a:r>
+            <a:endParaRPr lang="en-IN" sz="2000" dirty="0"/>
+          </a:p>
+          <a:p>
+            <a:endParaRPr lang="en-IN" sz="2000" dirty="0"/>
+          </a:p>
+          <a:p>
+            <a:r>
+              <a:rPr lang="en-IN" sz="2000" dirty="0"/>
+              <a:t># Split the dataset into training and testing sets</a:t>
+            </a:r>
+            <a:endParaRPr lang="en-IN" sz="2000" dirty="0"/>
+          </a:p>
+          <a:p>
+            <a:r>
+              <a:rPr lang="en-IN" sz="2000" dirty="0" err="1"/>
+              <a:t>X_train</a:t>
+            </a:r>
+            <a:r>
+              <a:rPr lang="en-IN" sz="2000" dirty="0"/>
+              <a:t>, </a:t>
+            </a:r>
+            <a:r>
+              <a:rPr lang="en-IN" sz="2000" dirty="0" err="1"/>
+              <a:t>X_test</a:t>
+            </a:r>
+            <a:r>
+              <a:rPr lang="en-IN" sz="2000" dirty="0"/>
+              <a:t>, </a:t>
+            </a:r>
+            <a:r>
+              <a:rPr lang="en-IN" sz="2000" dirty="0" err="1"/>
+              <a:t>y_train</a:t>
+            </a:r>
+            <a:r>
+              <a:rPr lang="en-IN" sz="2000" dirty="0"/>
+              <a:t>, </a:t>
+            </a:r>
+            <a:r>
+              <a:rPr lang="en-IN" sz="2000" dirty="0" err="1"/>
+              <a:t>y_test</a:t>
+            </a:r>
+            <a:r>
+              <a:rPr lang="en-IN" sz="2000" dirty="0"/>
+              <a:t> = </a:t>
+            </a:r>
+            <a:r>
+              <a:rPr lang="en-IN" sz="2000" dirty="0" err="1"/>
+              <a:t>train_test_split</a:t>
+            </a:r>
+            <a:r>
+              <a:rPr lang="en-IN" sz="2000" dirty="0"/>
+              <a:t>(X, y, </a:t>
+            </a:r>
+            <a:r>
+              <a:rPr lang="en-IN" sz="2000" dirty="0" err="1"/>
+              <a:t>test_size</a:t>
+            </a:r>
+            <a:r>
+              <a:rPr lang="en-IN" sz="2000" dirty="0"/>
+              <a:t>=0.3, </a:t>
+            </a:r>
+            <a:r>
+              <a:rPr lang="en-IN" sz="2000" dirty="0" err="1"/>
+              <a:t>random_state</a:t>
+            </a:r>
+            <a:r>
+              <a:rPr lang="en-IN" sz="2000" dirty="0"/>
+              <a:t>=42)</a:t>
+            </a:r>
+            <a:endParaRPr lang="en-IN" sz="2000" dirty="0"/>
+          </a:p>
+          <a:p>
+            <a:r>
+              <a:rPr lang="en-IN" sz="2000" dirty="0"/>
+              <a:t># Train a Random Forest classifier</a:t>
+            </a:r>
+            <a:endParaRPr lang="en-IN" sz="2000" dirty="0"/>
+          </a:p>
+          <a:p>
+            <a:r>
+              <a:rPr lang="en-IN" sz="2000" dirty="0"/>
+              <a:t>model = </a:t>
+            </a:r>
+            <a:r>
+              <a:rPr lang="en-IN" sz="2000" dirty="0" err="1"/>
+              <a:t>RandomForestClassifier</a:t>
+            </a:r>
+            <a:r>
+              <a:rPr lang="en-IN" sz="2000" dirty="0"/>
+              <a:t>(</a:t>
+            </a:r>
+            <a:r>
+              <a:rPr lang="en-IN" sz="2000" dirty="0" err="1"/>
+              <a:t>random_state</a:t>
+            </a:r>
+            <a:r>
+              <a:rPr lang="en-IN" sz="2000" dirty="0"/>
+              <a:t>=42)</a:t>
+            </a:r>
+            <a:endParaRPr lang="en-IN" sz="2000" dirty="0"/>
+          </a:p>
+          <a:p>
+            <a:r>
+              <a:rPr lang="en-IN" sz="2000" dirty="0" err="1"/>
+              <a:t>model.fit</a:t>
+            </a:r>
+            <a:r>
+              <a:rPr lang="en-IN" sz="2000" dirty="0"/>
+              <a:t>(</a:t>
+            </a:r>
+            <a:r>
+              <a:rPr lang="en-IN" sz="2000" dirty="0" err="1"/>
+              <a:t>X_train</a:t>
+            </a:r>
+            <a:r>
+              <a:rPr lang="en-IN" sz="2000" dirty="0"/>
+              <a:t>, </a:t>
+            </a:r>
+            <a:r>
+              <a:rPr lang="en-IN" sz="2000" dirty="0" err="1"/>
+              <a:t>y_train</a:t>
+            </a:r>
+            <a:r>
+              <a:rPr lang="en-IN" sz="2000" dirty="0"/>
+              <a:t>)</a:t>
+            </a:r>
+            <a:endParaRPr lang="en-IN" sz="2000" dirty="0"/>
+          </a:p>
+        </p:txBody>
+      </p:sp>
+    </p:spTree>
+  </p:cSld>
+  <p:clrMapOvr>
+    <a:masterClrMapping/>
+  </p:clrMapOvr>
+</p:sld>
+</file>
+
 <file path=ppt/slides/slide4.xml><?xml version="1.0" encoding="utf-8"?>
 <p:sld xmlns:a="http://schemas.openxmlformats.org/drawingml/2006/main" xmlns:r="http://schemas.openxmlformats.org/officeDocument/2006/relationships" xmlns:p="http://schemas.openxmlformats.org/presentationml/2006/main">
   <p:cSld>
@@ -17974,6 +18596,35 @@
               <a:effectLst/>
               <a:latin typeface="montserrat" panose="00000500000000000000" pitchFamily="2" charset="0"/>
             </a:endParaRPr>
+          </a:p>
+        </p:txBody>
+      </p:sp>
+      <p:sp>
+        <p:nvSpPr>
+          <p:cNvPr id="2" name="Text Box 1"/>
+          <p:cNvSpPr txBox="1"/>
+          <p:nvPr/>
+        </p:nvSpPr>
+        <p:spPr>
+          <a:xfrm>
+            <a:off x="5122545" y="4739640"/>
+            <a:ext cx="7070090" cy="368300"/>
+          </a:xfrm>
+          <a:prstGeom prst="rect">
+            <a:avLst/>
+          </a:prstGeom>
+          <a:noFill/>
+        </p:spPr>
+        <p:txBody>
+          <a:bodyPr wrap="square" rtlCol="0" anchor="t">
+            <a:spAutoFit/>
+          </a:bodyPr>
+          <a:p>
+            <a:r>
+              <a:rPr lang="en-US" altLang="en-US"/>
+              <a:t>https://datahacker.rs/004-machine-learning-logistic-regression-model/</a:t>
+            </a:r>
+            <a:endParaRPr lang="en-US"/>
           </a:p>
         </p:txBody>
       </p:sp>

--- a/8.0_Machine Learning/ml_class/ml_class_notes/class_3_Logistic_regression_class.pptx
+++ b/8.0_Machine Learning/ml_class/ml_class_notes/class_3_Logistic_regression_class.pptx
@@ -15647,7 +15647,7 @@
         </p:nvSpPr>
         <p:spPr>
           <a:xfrm>
-            <a:off x="142240" y="0"/>
+            <a:off x="142240" y="-63500"/>
             <a:ext cx="11740515" cy="6613525"/>
           </a:xfrm>
           <a:prstGeom prst="rect">

--- a/8.0_Machine Learning/ml_class/ml_class_notes/class_3_Logistic_regression_class.pptx
+++ b/8.0_Machine Learning/ml_class/ml_class_notes/class_3_Logistic_regression_class.pptx
@@ -12,29 +12,30 @@
     <p:sldId id="281" r:id="rId7"/>
     <p:sldId id="282" r:id="rId8"/>
     <p:sldId id="283" r:id="rId9"/>
-    <p:sldId id="284" r:id="rId10"/>
-    <p:sldId id="290" r:id="rId11"/>
-    <p:sldId id="301" r:id="rId12"/>
-    <p:sldId id="299" r:id="rId13"/>
-    <p:sldId id="285" r:id="rId14"/>
-    <p:sldId id="288" r:id="rId15"/>
-    <p:sldId id="312" r:id="rId16"/>
-    <p:sldId id="313" r:id="rId17"/>
-    <p:sldId id="300" r:id="rId18"/>
-    <p:sldId id="305" r:id="rId19"/>
-    <p:sldId id="287" r:id="rId20"/>
-    <p:sldId id="311" r:id="rId21"/>
-    <p:sldId id="289" r:id="rId22"/>
-    <p:sldId id="304" r:id="rId23"/>
-    <p:sldId id="303" r:id="rId24"/>
-    <p:sldId id="306" r:id="rId25"/>
-    <p:sldId id="307" r:id="rId26"/>
-    <p:sldId id="291" r:id="rId27"/>
-    <p:sldId id="292" r:id="rId28"/>
-    <p:sldId id="308" r:id="rId29"/>
-    <p:sldId id="309" r:id="rId30"/>
-    <p:sldId id="310" r:id="rId31"/>
-    <p:sldId id="293" r:id="rId32"/>
+    <p:sldId id="314" r:id="rId10"/>
+    <p:sldId id="284" r:id="rId11"/>
+    <p:sldId id="290" r:id="rId12"/>
+    <p:sldId id="301" r:id="rId13"/>
+    <p:sldId id="299" r:id="rId14"/>
+    <p:sldId id="285" r:id="rId15"/>
+    <p:sldId id="288" r:id="rId16"/>
+    <p:sldId id="312" r:id="rId17"/>
+    <p:sldId id="313" r:id="rId18"/>
+    <p:sldId id="300" r:id="rId19"/>
+    <p:sldId id="305" r:id="rId20"/>
+    <p:sldId id="287" r:id="rId21"/>
+    <p:sldId id="311" r:id="rId22"/>
+    <p:sldId id="289" r:id="rId23"/>
+    <p:sldId id="304" r:id="rId24"/>
+    <p:sldId id="303" r:id="rId25"/>
+    <p:sldId id="306" r:id="rId26"/>
+    <p:sldId id="307" r:id="rId27"/>
+    <p:sldId id="291" r:id="rId28"/>
+    <p:sldId id="292" r:id="rId29"/>
+    <p:sldId id="308" r:id="rId30"/>
+    <p:sldId id="309" r:id="rId31"/>
+    <p:sldId id="310" r:id="rId32"/>
+    <p:sldId id="293" r:id="rId33"/>
   </p:sldIdLst>
   <p:sldSz cx="12192000" cy="6858000"/>
   <p:notesSz cx="6858000" cy="9144000"/>
@@ -7684,170 +7685,24 @@
         <p:cNvGrpSpPr/>
         <p:nvPr/>
       </p:nvGrpSpPr>
-      <p:grpSpPr/>
+      <p:grpSpPr>
+        <a:xfrm>
+          <a:off x="0" y="0"/>
+          <a:ext cx="0" cy="0"/>
+          <a:chOff x="0" y="0"/>
+          <a:chExt cx="0" cy="0"/>
+        </a:xfrm>
+      </p:grpSpPr>
       <p:sp>
         <p:nvSpPr>
-          <p:cNvPr id="2" name="Text Box 1"/>
+          <p:cNvPr id="3" name="TextBox 2"/>
           <p:cNvSpPr txBox="1"/>
           <p:nvPr/>
         </p:nvSpPr>
         <p:spPr>
           <a:xfrm>
-            <a:off x="1314450" y="896620"/>
-            <a:ext cx="10337800" cy="1322070"/>
-          </a:xfrm>
-          <a:prstGeom prst="rect">
-            <a:avLst/>
-          </a:prstGeom>
-        </p:spPr>
-        <p:txBody>
-          <a:bodyPr wrap="square">
-            <a:spAutoFit/>
-          </a:bodyPr>
-          <a:p>
-            <a:pPr marL="0" indent="0" algn="l" fontAlgn="base">
-              <a:spcBef>
-                <a:spcPct val="0"/>
-              </a:spcBef>
-              <a:spcAft>
-                <a:spcPct val="0"/>
-              </a:spcAft>
-            </a:pPr>
-            <a:r>
-              <a:rPr sz="1600" b="1" i="0">
-                <a:solidFill>
-                  <a:srgbClr val="273239"/>
-                </a:solidFill>
-                <a:latin typeface="Nunito"/>
-                <a:ea typeface="Nunito"/>
-              </a:rPr>
-              <a:t>Model evaluation</a:t>
-            </a:r>
-            <a:r>
-              <a:rPr sz="1600" b="0" i="0">
-                <a:solidFill>
-                  <a:srgbClr val="273239"/>
-                </a:solidFill>
-                <a:latin typeface="Nunito"/>
-                <a:ea typeface="Nunito"/>
-              </a:rPr>
-              <a:t> is like giving them a test to see if they </a:t>
-            </a:r>
-            <a:r>
-              <a:rPr sz="1600" b="0" i="1">
-                <a:solidFill>
-                  <a:srgbClr val="273239"/>
-                </a:solidFill>
-                <a:latin typeface="Nunito"/>
-                <a:ea typeface="Nunito"/>
-              </a:rPr>
-              <a:t>truly</a:t>
-            </a:r>
-            <a:r>
-              <a:rPr sz="1600" b="0" i="0">
-                <a:solidFill>
-                  <a:srgbClr val="273239"/>
-                </a:solidFill>
-                <a:latin typeface="Nunito"/>
-                <a:ea typeface="Nunito"/>
-              </a:rPr>
-              <a:t> learned the subject—or just memorized answers. It helps us answer:</a:t>
-            </a:r>
-            <a:endParaRPr sz="1600" b="0" i="0">
-              <a:solidFill>
-                <a:srgbClr val="273239"/>
-              </a:solidFill>
-              <a:latin typeface="Nunito"/>
-              <a:ea typeface="Nunito"/>
-            </a:endParaRPr>
-          </a:p>
-          <a:p>
-            <a:pPr marL="0" indent="0" algn="l" fontAlgn="base">
-              <a:spcBef>
-                <a:spcPct val="0"/>
-              </a:spcBef>
-              <a:spcAft>
-                <a:spcPct val="0"/>
-              </a:spcAft>
-            </a:pPr>
-            <a:endParaRPr sz="1600" b="0" i="0">
-              <a:solidFill>
-                <a:srgbClr val="273239"/>
-              </a:solidFill>
-              <a:latin typeface="Nunito"/>
-              <a:ea typeface="Nunito"/>
-            </a:endParaRPr>
-          </a:p>
-          <a:p>
-            <a:pPr marL="457200" lvl="1" indent="0" algn="l" fontAlgn="base">
-              <a:spcBef>
-                <a:spcPct val="0"/>
-              </a:spcBef>
-              <a:spcAft>
-                <a:spcPct val="0"/>
-              </a:spcAft>
-              <a:buFont typeface="Arial" panose="020B0604020202020204"/>
-              <a:buChar char="•"/>
-            </a:pPr>
-            <a:r>
-              <a:rPr sz="1600" b="1" i="0">
-                <a:solidFill>
-                  <a:srgbClr val="273239"/>
-                </a:solidFill>
-                <a:latin typeface="Nunito"/>
-                <a:ea typeface="Nunito"/>
-              </a:rPr>
-              <a:t>Did the model learn patterns?</a:t>
-            </a:r>
-            <a:endParaRPr sz="1600" b="1" i="0">
-              <a:solidFill>
-                <a:srgbClr val="273239"/>
-              </a:solidFill>
-              <a:latin typeface="Nunito"/>
-              <a:ea typeface="Nunito"/>
-            </a:endParaRPr>
-          </a:p>
-          <a:p>
-            <a:pPr marL="457200" lvl="1" indent="0" algn="l" fontAlgn="base">
-              <a:spcBef>
-                <a:spcPct val="0"/>
-              </a:spcBef>
-              <a:spcAft>
-                <a:spcPct val="0"/>
-              </a:spcAft>
-              <a:buFont typeface="Arial" panose="020B0604020202020204"/>
-              <a:buChar char="•"/>
-            </a:pPr>
-            <a:r>
-              <a:rPr sz="1600" b="1" i="0">
-                <a:solidFill>
-                  <a:srgbClr val="273239"/>
-                </a:solidFill>
-                <a:latin typeface="Nunito"/>
-                <a:ea typeface="Nunito"/>
-              </a:rPr>
-              <a:t>Will it fail on new questions?</a:t>
-            </a:r>
-            <a:endParaRPr sz="1600" b="1" i="0">
-              <a:solidFill>
-                <a:srgbClr val="273239"/>
-              </a:solidFill>
-              <a:latin typeface="Nunito"/>
-              <a:ea typeface="Nunito"/>
-            </a:endParaRPr>
-          </a:p>
-        </p:txBody>
-      </p:sp>
-      <p:sp>
-        <p:nvSpPr>
-          <p:cNvPr id="3" name="Text Box 2"/>
-          <p:cNvSpPr txBox="1"/>
-          <p:nvPr/>
-        </p:nvSpPr>
-        <p:spPr>
-          <a:xfrm>
-            <a:off x="1051560" y="113665"/>
-            <a:ext cx="6096000" cy="706755"/>
+            <a:off x="981710" y="664845"/>
+            <a:ext cx="9235440" cy="2339975"/>
           </a:xfrm>
           <a:prstGeom prst="rect">
             <a:avLst/>
@@ -7855,44 +7710,117 @@
           <a:noFill/>
         </p:spPr>
         <p:txBody>
-          <a:bodyPr wrap="square" rtlCol="0" anchor="t">
-            <a:spAutoFit/>
+          <a:bodyPr wrap="square">
+            <a:noAutofit/>
           </a:bodyPr>
-          <a:p>
-            <a:r>
-              <a:rPr sz="4000" b="1">
-                <a:solidFill>
-                  <a:srgbClr val="FF0000"/>
-                </a:solidFill>
-                <a:effectLst>
-                  <a:outerShdw blurRad="38100" dist="38100" dir="2700000" algn="tl">
-                    <a:srgbClr val="000000">
-                      <a:alpha val="43137"/>
-                    </a:srgbClr>
-                  </a:outerShdw>
-                </a:effectLst>
-                <a:latin typeface="Arial" panose="020B0604020202020204" pitchFamily="34" charset="0"/>
-                <a:ea typeface="Nunito"/>
-                <a:cs typeface="Arial" panose="020B0604020202020204" pitchFamily="34" charset="0"/>
-                <a:sym typeface="+mn-ea"/>
-              </a:rPr>
-              <a:t>Model evaluation </a:t>
-            </a:r>
-            <a:endParaRPr lang="en-US" sz="4000" b="1">
-              <a:solidFill>
-                <a:srgbClr val="FF0000"/>
-              </a:solidFill>
-              <a:effectLst>
-                <a:outerShdw blurRad="38100" dist="38100" dir="2700000" algn="tl">
-                  <a:srgbClr val="000000">
-                    <a:alpha val="43137"/>
-                  </a:srgbClr>
-                </a:outerShdw>
-              </a:effectLst>
-              <a:latin typeface="Arial" panose="020B0604020202020204" pitchFamily="34" charset="0"/>
-              <a:ea typeface="Nunito"/>
-              <a:cs typeface="Arial" panose="020B0604020202020204" pitchFamily="34" charset="0"/>
-              <a:sym typeface="+mn-ea"/>
+          <a:lstStyle/>
+          <a:p>
+            <a:pPr algn="l" fontAlgn="base"/>
+            <a:r>
+              <a:rPr lang="en-US" b="1" i="0" dirty="0">
+                <a:solidFill>
+                  <a:srgbClr val="273239"/>
+                </a:solidFill>
+                <a:effectLst/>
+                <a:latin typeface="Nunito" pitchFamily="2" charset="0"/>
+              </a:rPr>
+              <a:t>Cost functions/loss function in logistic regression</a:t>
+            </a:r>
+            <a:endParaRPr lang="en-US" b="1" i="0" dirty="0">
+              <a:solidFill>
+                <a:srgbClr val="273239"/>
+              </a:solidFill>
+              <a:effectLst/>
+              <a:latin typeface="Nunito" pitchFamily="2" charset="0"/>
+            </a:endParaRPr>
+          </a:p>
+          <a:p>
+            <a:pPr marL="742950" lvl="1" indent="-285750" algn="l" fontAlgn="base">
+              <a:buFont typeface="Arial" panose="020B0604020202020204" pitchFamily="34" charset="0"/>
+              <a:buChar char="•"/>
+            </a:pPr>
+            <a:r>
+              <a:rPr lang="en-US" b="0" i="0" dirty="0">
+                <a:solidFill>
+                  <a:srgbClr val="273239"/>
+                </a:solidFill>
+                <a:effectLst/>
+                <a:latin typeface="Nunito" pitchFamily="2" charset="0"/>
+              </a:rPr>
+              <a:t>Log loss</a:t>
+            </a:r>
+            <a:endParaRPr lang="en-US" b="0" i="0" dirty="0">
+              <a:solidFill>
+                <a:srgbClr val="273239"/>
+              </a:solidFill>
+              <a:effectLst/>
+              <a:latin typeface="Nunito" pitchFamily="2" charset="0"/>
+            </a:endParaRPr>
+          </a:p>
+          <a:p>
+            <a:pPr marL="742950" lvl="1" indent="-285750" algn="l" fontAlgn="base">
+              <a:buFont typeface="Arial" panose="020B0604020202020204" pitchFamily="34" charset="0"/>
+              <a:buChar char="•"/>
+            </a:pPr>
+            <a:r>
+              <a:rPr lang="en-US" dirty="0">
+                <a:solidFill>
+                  <a:srgbClr val="273239"/>
+                </a:solidFill>
+                <a:latin typeface="Nunito" pitchFamily="2" charset="0"/>
+              </a:rPr>
+              <a:t>L1 (feature selection ,lasso)and L2(reduction overfitting ridge) regularization</a:t>
+            </a:r>
+            <a:endParaRPr lang="en-US" dirty="0">
+              <a:solidFill>
+                <a:srgbClr val="273239"/>
+              </a:solidFill>
+              <a:latin typeface="Nunito" pitchFamily="2" charset="0"/>
+            </a:endParaRPr>
+          </a:p>
+          <a:p>
+            <a:pPr marL="742950" lvl="1" indent="-285750" algn="l" fontAlgn="base">
+              <a:buFont typeface="Arial" panose="020B0604020202020204" pitchFamily="34" charset="0"/>
+              <a:buChar char="•"/>
+            </a:pPr>
+            <a:endParaRPr lang="en-US" b="0" i="0" dirty="0">
+              <a:solidFill>
+                <a:srgbClr val="273239"/>
+              </a:solidFill>
+              <a:effectLst/>
+              <a:latin typeface="Nunito" pitchFamily="2" charset="0"/>
+            </a:endParaRPr>
+          </a:p>
+          <a:p>
+            <a:pPr marL="742950" lvl="1" indent="-285750" algn="l" fontAlgn="base">
+              <a:buFont typeface="Arial" panose="020B0604020202020204" pitchFamily="34" charset="0"/>
+              <a:buChar char="•"/>
+            </a:pPr>
+            <a:r>
+              <a:rPr lang="en-US" dirty="0">
+                <a:solidFill>
+                  <a:srgbClr val="273239"/>
+                </a:solidFill>
+                <a:latin typeface="Nunito" pitchFamily="2" charset="0"/>
+              </a:rPr>
+              <a:t>C &amp; lambda relationship (</a:t>
+            </a:r>
+            <a:r>
+              <a:rPr lang="en-US" b="0" i="0" dirty="0">
+                <a:solidFill>
+                  <a:srgbClr val="273239"/>
+                </a:solidFill>
+                <a:effectLst/>
+                <a:latin typeface="Nunito" pitchFamily="2" charset="0"/>
+              </a:rPr>
+              <a:t>lambda is hyper parameter )</a:t>
+            </a:r>
+            <a:endParaRPr lang="en-US" b="0" i="0" dirty="0">
+              <a:solidFill>
+                <a:srgbClr val="273239"/>
+              </a:solidFill>
+              <a:effectLst/>
+              <a:latin typeface="Nunito" pitchFamily="2" charset="0"/>
             </a:endParaRPr>
           </a:p>
         </p:txBody>
@@ -7923,6 +7851,236 @@
         </p:nvSpPr>
         <p:spPr>
           <a:xfrm>
+            <a:off x="1314450" y="896620"/>
+            <a:ext cx="10337800" cy="1322070"/>
+          </a:xfrm>
+          <a:prstGeom prst="rect">
+            <a:avLst/>
+          </a:prstGeom>
+        </p:spPr>
+        <p:txBody>
+          <a:bodyPr wrap="square">
+            <a:spAutoFit/>
+          </a:bodyPr>
+          <a:p>
+            <a:pPr marL="0" indent="0" algn="l" fontAlgn="base">
+              <a:spcBef>
+                <a:spcPct val="0"/>
+              </a:spcBef>
+              <a:spcAft>
+                <a:spcPct val="0"/>
+              </a:spcAft>
+            </a:pPr>
+            <a:r>
+              <a:rPr sz="1600" b="1" i="0">
+                <a:solidFill>
+                  <a:srgbClr val="273239"/>
+                </a:solidFill>
+                <a:latin typeface="Nunito"/>
+                <a:ea typeface="Nunito"/>
+              </a:rPr>
+              <a:t>Model evaluation</a:t>
+            </a:r>
+            <a:r>
+              <a:rPr sz="1600" b="0" i="0">
+                <a:solidFill>
+                  <a:srgbClr val="273239"/>
+                </a:solidFill>
+                <a:latin typeface="Nunito"/>
+                <a:ea typeface="Nunito"/>
+              </a:rPr>
+              <a:t> is like giving them a test to see if they </a:t>
+            </a:r>
+            <a:r>
+              <a:rPr sz="1600" b="0" i="1">
+                <a:solidFill>
+                  <a:srgbClr val="273239"/>
+                </a:solidFill>
+                <a:latin typeface="Nunito"/>
+                <a:ea typeface="Nunito"/>
+              </a:rPr>
+              <a:t>truly</a:t>
+            </a:r>
+            <a:r>
+              <a:rPr sz="1600" b="0" i="0">
+                <a:solidFill>
+                  <a:srgbClr val="273239"/>
+                </a:solidFill>
+                <a:latin typeface="Nunito"/>
+                <a:ea typeface="Nunito"/>
+              </a:rPr>
+              <a:t> learned the subject—or just memorized answers. It helps us answer:</a:t>
+            </a:r>
+            <a:endParaRPr sz="1600" b="0" i="0">
+              <a:solidFill>
+                <a:srgbClr val="273239"/>
+              </a:solidFill>
+              <a:latin typeface="Nunito"/>
+              <a:ea typeface="Nunito"/>
+            </a:endParaRPr>
+          </a:p>
+          <a:p>
+            <a:pPr marL="0" indent="0" algn="l" fontAlgn="base">
+              <a:spcBef>
+                <a:spcPct val="0"/>
+              </a:spcBef>
+              <a:spcAft>
+                <a:spcPct val="0"/>
+              </a:spcAft>
+            </a:pPr>
+            <a:endParaRPr sz="1600" b="0" i="0">
+              <a:solidFill>
+                <a:srgbClr val="273239"/>
+              </a:solidFill>
+              <a:latin typeface="Nunito"/>
+              <a:ea typeface="Nunito"/>
+            </a:endParaRPr>
+          </a:p>
+          <a:p>
+            <a:pPr marL="457200" lvl="1" indent="0" algn="l" fontAlgn="base">
+              <a:spcBef>
+                <a:spcPct val="0"/>
+              </a:spcBef>
+              <a:spcAft>
+                <a:spcPct val="0"/>
+              </a:spcAft>
+              <a:buFont typeface="Arial" panose="020B0604020202020204"/>
+              <a:buChar char="•"/>
+            </a:pPr>
+            <a:r>
+              <a:rPr sz="1600" b="1" i="0">
+                <a:solidFill>
+                  <a:srgbClr val="273239"/>
+                </a:solidFill>
+                <a:latin typeface="Nunito"/>
+                <a:ea typeface="Nunito"/>
+              </a:rPr>
+              <a:t>Did the model learn patterns?</a:t>
+            </a:r>
+            <a:endParaRPr sz="1600" b="1" i="0">
+              <a:solidFill>
+                <a:srgbClr val="273239"/>
+              </a:solidFill>
+              <a:latin typeface="Nunito"/>
+              <a:ea typeface="Nunito"/>
+            </a:endParaRPr>
+          </a:p>
+          <a:p>
+            <a:pPr marL="457200" lvl="1" indent="0" algn="l" fontAlgn="base">
+              <a:spcBef>
+                <a:spcPct val="0"/>
+              </a:spcBef>
+              <a:spcAft>
+                <a:spcPct val="0"/>
+              </a:spcAft>
+              <a:buFont typeface="Arial" panose="020B0604020202020204"/>
+              <a:buChar char="•"/>
+            </a:pPr>
+            <a:r>
+              <a:rPr sz="1600" b="1" i="0">
+                <a:solidFill>
+                  <a:srgbClr val="273239"/>
+                </a:solidFill>
+                <a:latin typeface="Nunito"/>
+                <a:ea typeface="Nunito"/>
+              </a:rPr>
+              <a:t>Will it fail on new questions?</a:t>
+            </a:r>
+            <a:endParaRPr sz="1600" b="1" i="0">
+              <a:solidFill>
+                <a:srgbClr val="273239"/>
+              </a:solidFill>
+              <a:latin typeface="Nunito"/>
+              <a:ea typeface="Nunito"/>
+            </a:endParaRPr>
+          </a:p>
+        </p:txBody>
+      </p:sp>
+      <p:sp>
+        <p:nvSpPr>
+          <p:cNvPr id="3" name="Text Box 2"/>
+          <p:cNvSpPr txBox="1"/>
+          <p:nvPr/>
+        </p:nvSpPr>
+        <p:spPr>
+          <a:xfrm>
+            <a:off x="1051560" y="113665"/>
+            <a:ext cx="6096000" cy="706755"/>
+          </a:xfrm>
+          <a:prstGeom prst="rect">
+            <a:avLst/>
+          </a:prstGeom>
+          <a:noFill/>
+        </p:spPr>
+        <p:txBody>
+          <a:bodyPr wrap="square" rtlCol="0" anchor="t">
+            <a:spAutoFit/>
+          </a:bodyPr>
+          <a:p>
+            <a:r>
+              <a:rPr sz="4000" b="1">
+                <a:solidFill>
+                  <a:srgbClr val="FF0000"/>
+                </a:solidFill>
+                <a:effectLst>
+                  <a:outerShdw blurRad="38100" dist="38100" dir="2700000" algn="tl">
+                    <a:srgbClr val="000000">
+                      <a:alpha val="43137"/>
+                    </a:srgbClr>
+                  </a:outerShdw>
+                </a:effectLst>
+                <a:latin typeface="Arial" panose="020B0604020202020204" pitchFamily="34" charset="0"/>
+                <a:ea typeface="Nunito"/>
+                <a:cs typeface="Arial" panose="020B0604020202020204" pitchFamily="34" charset="0"/>
+                <a:sym typeface="+mn-ea"/>
+              </a:rPr>
+              <a:t>Model evaluation </a:t>
+            </a:r>
+            <a:endParaRPr lang="en-US" sz="4000" b="1">
+              <a:solidFill>
+                <a:srgbClr val="FF0000"/>
+              </a:solidFill>
+              <a:effectLst>
+                <a:outerShdw blurRad="38100" dist="38100" dir="2700000" algn="tl">
+                  <a:srgbClr val="000000">
+                    <a:alpha val="43137"/>
+                  </a:srgbClr>
+                </a:outerShdw>
+              </a:effectLst>
+              <a:latin typeface="Arial" panose="020B0604020202020204" pitchFamily="34" charset="0"/>
+              <a:ea typeface="Nunito"/>
+              <a:cs typeface="Arial" panose="020B0604020202020204" pitchFamily="34" charset="0"/>
+              <a:sym typeface="+mn-ea"/>
+            </a:endParaRPr>
+          </a:p>
+        </p:txBody>
+      </p:sp>
+    </p:spTree>
+  </p:cSld>
+  <p:clrMapOvr>
+    <a:masterClrMapping/>
+  </p:clrMapOvr>
+</p:sld>
+</file>
+
+<file path=ppt/slides/slide12.xml><?xml version="1.0" encoding="utf-8"?>
+<p:sld xmlns:a="http://schemas.openxmlformats.org/drawingml/2006/main" xmlns:r="http://schemas.openxmlformats.org/officeDocument/2006/relationships" xmlns:p="http://schemas.openxmlformats.org/presentationml/2006/main">
+  <p:cSld>
+    <p:spTree>
+      <p:nvGrpSpPr>
+        <p:cNvPr id="1" name=""/>
+        <p:cNvGrpSpPr/>
+        <p:nvPr/>
+      </p:nvGrpSpPr>
+      <p:grpSpPr/>
+      <p:sp>
+        <p:nvSpPr>
+          <p:cNvPr id="2" name="Text Box 1"/>
+          <p:cNvSpPr txBox="1"/>
+          <p:nvPr/>
+        </p:nvSpPr>
+        <p:spPr>
+          <a:xfrm>
             <a:off x="879475" y="221615"/>
             <a:ext cx="7818755" cy="3271520"/>
           </a:xfrm>
@@ -8313,7 +8471,7 @@
 </p:sld>
 </file>
 
-<file path=ppt/slides/slide12.xml><?xml version="1.0" encoding="utf-8"?>
+<file path=ppt/slides/slide13.xml><?xml version="1.0" encoding="utf-8"?>
 <p:sld xmlns:a="http://schemas.openxmlformats.org/drawingml/2006/main" xmlns:r="http://schemas.openxmlformats.org/officeDocument/2006/relationships" xmlns:p="http://schemas.openxmlformats.org/presentationml/2006/main">
   <p:cSld>
     <p:spTree>
@@ -8744,7 +8902,7 @@
 </p:sld>
 </file>
 
-<file path=ppt/slides/slide13.xml><?xml version="1.0" encoding="utf-8"?>
+<file path=ppt/slides/slide14.xml><?xml version="1.0" encoding="utf-8"?>
 <p:sld xmlns:a="http://schemas.openxmlformats.org/drawingml/2006/main" xmlns:r="http://schemas.openxmlformats.org/officeDocument/2006/relationships" xmlns:p="http://schemas.openxmlformats.org/presentationml/2006/main">
   <p:cSld>
     <p:spTree>
@@ -8857,7 +9015,7 @@
         </p:blipFill>
         <p:spPr bwMode="auto">
           <a:xfrm>
-            <a:off x="1750695" y="1633538"/>
+            <a:off x="1764030" y="1633538"/>
             <a:ext cx="9734550" cy="3362325"/>
           </a:xfrm>
           <a:prstGeom prst="rect">
@@ -8883,7 +9041,7 @@
 </p:sld>
 </file>
 
-<file path=ppt/slides/slide14.xml><?xml version="1.0" encoding="utf-8"?>
+<file path=ppt/slides/slide15.xml><?xml version="1.0" encoding="utf-8"?>
 <p:sld xmlns:a="http://schemas.openxmlformats.org/drawingml/2006/main" xmlns:r="http://schemas.openxmlformats.org/officeDocument/2006/relationships" xmlns:p="http://schemas.openxmlformats.org/presentationml/2006/main">
   <p:cSld>
     <p:spTree>
@@ -8969,7 +9127,7 @@
 </p:sld>
 </file>
 
-<file path=ppt/slides/slide15.xml><?xml version="1.0" encoding="utf-8"?>
+<file path=ppt/slides/slide16.xml><?xml version="1.0" encoding="utf-8"?>
 <p:sld xmlns:a="http://schemas.openxmlformats.org/drawingml/2006/main" xmlns:r="http://schemas.openxmlformats.org/officeDocument/2006/relationships" xmlns:p="http://schemas.openxmlformats.org/presentationml/2006/main">
   <p:cSld>
     <p:spTree>
@@ -9503,7 +9661,7 @@
 </p:sld>
 </file>
 
-<file path=ppt/slides/slide16.xml><?xml version="1.0" encoding="utf-8"?>
+<file path=ppt/slides/slide17.xml><?xml version="1.0" encoding="utf-8"?>
 <p:sld xmlns:a="http://schemas.openxmlformats.org/drawingml/2006/main" xmlns:r="http://schemas.openxmlformats.org/officeDocument/2006/relationships" xmlns:p="http://schemas.openxmlformats.org/presentationml/2006/main">
   <p:cSld>
     <p:spTree>
@@ -9645,7 +9803,7 @@
 </p:sld>
 </file>
 
-<file path=ppt/slides/slide17.xml><?xml version="1.0" encoding="utf-8"?>
+<file path=ppt/slides/slide18.xml><?xml version="1.0" encoding="utf-8"?>
 <p:sld xmlns:a="http://schemas.openxmlformats.org/drawingml/2006/main" xmlns:r="http://schemas.openxmlformats.org/officeDocument/2006/relationships" xmlns:p="http://schemas.openxmlformats.org/presentationml/2006/main">
   <p:cSld>
     <p:spTree>
@@ -10536,7 +10694,7 @@
 </p:sld>
 </file>
 
-<file path=ppt/slides/slide18.xml><?xml version="1.0" encoding="utf-8"?>
+<file path=ppt/slides/slide19.xml><?xml version="1.0" encoding="utf-8"?>
 <p:sld xmlns:a="http://schemas.openxmlformats.org/drawingml/2006/main" xmlns:r="http://schemas.openxmlformats.org/officeDocument/2006/relationships" xmlns:p="http://schemas.openxmlformats.org/presentationml/2006/main">
   <p:cSld>
     <p:spTree>
@@ -10826,48 +10984,6 @@
           </a:p>
         </p:txBody>
       </p:sp>
-    </p:spTree>
-  </p:cSld>
-  <p:clrMapOvr>
-    <a:masterClrMapping/>
-  </p:clrMapOvr>
-</p:sld>
-</file>
-
-<file path=ppt/slides/slide19.xml><?xml version="1.0" encoding="utf-8"?>
-<p:sld xmlns:a="http://schemas.openxmlformats.org/drawingml/2006/main" xmlns:r="http://schemas.openxmlformats.org/officeDocument/2006/relationships" xmlns:p="http://schemas.openxmlformats.org/presentationml/2006/main">
-  <p:cSld>
-    <p:spTree>
-      <p:nvGrpSpPr>
-        <p:cNvPr id="1" name=""/>
-        <p:cNvGrpSpPr/>
-        <p:nvPr/>
-      </p:nvGrpSpPr>
-      <p:grpSpPr/>
-      <p:pic>
-        <p:nvPicPr>
-          <p:cNvPr id="4" name="Picture 3" descr="type-1-and-2-errors"/>
-          <p:cNvPicPr>
-            <a:picLocks noChangeAspect="1"/>
-          </p:cNvPicPr>
-          <p:nvPr/>
-        </p:nvPicPr>
-        <p:blipFill>
-          <a:blip r:embed="rId1"/>
-          <a:stretch>
-            <a:fillRect/>
-          </a:stretch>
-        </p:blipFill>
-        <p:spPr>
-          <a:xfrm>
-            <a:off x="2030095" y="0"/>
-            <a:ext cx="8411845" cy="6210935"/>
-          </a:xfrm>
-          <a:prstGeom prst="rect">
-            <a:avLst/>
-          </a:prstGeom>
-        </p:spPr>
-      </p:pic>
     </p:spTree>
   </p:cSld>
   <p:clrMapOvr>
@@ -10951,6 +11067,48 @@
         <p:cNvGrpSpPr/>
         <p:nvPr/>
       </p:nvGrpSpPr>
+      <p:grpSpPr/>
+      <p:pic>
+        <p:nvPicPr>
+          <p:cNvPr id="4" name="Picture 3" descr="type-1-and-2-errors"/>
+          <p:cNvPicPr>
+            <a:picLocks noChangeAspect="1"/>
+          </p:cNvPicPr>
+          <p:nvPr/>
+        </p:nvPicPr>
+        <p:blipFill>
+          <a:blip r:embed="rId1"/>
+          <a:stretch>
+            <a:fillRect/>
+          </a:stretch>
+        </p:blipFill>
+        <p:spPr>
+          <a:xfrm>
+            <a:off x="2030095" y="0"/>
+            <a:ext cx="8411845" cy="6210935"/>
+          </a:xfrm>
+          <a:prstGeom prst="rect">
+            <a:avLst/>
+          </a:prstGeom>
+        </p:spPr>
+      </p:pic>
+    </p:spTree>
+  </p:cSld>
+  <p:clrMapOvr>
+    <a:masterClrMapping/>
+  </p:clrMapOvr>
+</p:sld>
+</file>
+
+<file path=ppt/slides/slide21.xml><?xml version="1.0" encoding="utf-8"?>
+<p:sld xmlns:a="http://schemas.openxmlformats.org/drawingml/2006/main" xmlns:r="http://schemas.openxmlformats.org/officeDocument/2006/relationships" xmlns:p="http://schemas.openxmlformats.org/presentationml/2006/main">
+  <p:cSld>
+    <p:spTree>
+      <p:nvGrpSpPr>
+        <p:cNvPr id="1" name=""/>
+        <p:cNvGrpSpPr/>
+        <p:nvPr/>
+      </p:nvGrpSpPr>
       <p:grpSpPr>
         <a:xfrm>
           <a:off x="0" y="0"/>
@@ -11522,7 +11680,7 @@
 </p:sld>
 </file>
 
-<file path=ppt/slides/slide21.xml><?xml version="1.0" encoding="utf-8"?>
+<file path=ppt/slides/slide22.xml><?xml version="1.0" encoding="utf-8"?>
 <p:sld xmlns:a="http://schemas.openxmlformats.org/drawingml/2006/main" xmlns:r="http://schemas.openxmlformats.org/officeDocument/2006/relationships" xmlns:p="http://schemas.openxmlformats.org/presentationml/2006/main">
   <p:cSld>
     <p:spTree>
@@ -11811,7 +11969,7 @@
 </p:sld>
 </file>
 
-<file path=ppt/slides/slide22.xml><?xml version="1.0" encoding="utf-8"?>
+<file path=ppt/slides/slide23.xml><?xml version="1.0" encoding="utf-8"?>
 <p:sld xmlns:a="http://schemas.openxmlformats.org/drawingml/2006/main" xmlns:r="http://schemas.openxmlformats.org/officeDocument/2006/relationships" xmlns:p="http://schemas.openxmlformats.org/presentationml/2006/main">
   <p:cSld>
     <p:spTree>
@@ -12406,7 +12564,7 @@
 </p:sld>
 </file>
 
-<file path=ppt/slides/slide23.xml><?xml version="1.0" encoding="utf-8"?>
+<file path=ppt/slides/slide24.xml><?xml version="1.0" encoding="utf-8"?>
 <p:sld xmlns:a="http://schemas.openxmlformats.org/drawingml/2006/main" xmlns:r="http://schemas.openxmlformats.org/officeDocument/2006/relationships" xmlns:p="http://schemas.openxmlformats.org/presentationml/2006/main">
   <p:cSld>
     <p:spTree>
@@ -13039,7 +13197,7 @@
 </p:sld>
 </file>
 
-<file path=ppt/slides/slide24.xml><?xml version="1.0" encoding="utf-8"?>
+<file path=ppt/slides/slide25.xml><?xml version="1.0" encoding="utf-8"?>
 <p:sld xmlns:a="http://schemas.openxmlformats.org/drawingml/2006/main" xmlns:r="http://schemas.openxmlformats.org/officeDocument/2006/relationships" xmlns:p="http://schemas.openxmlformats.org/presentationml/2006/main">
   <p:cSld>
     <p:spTree>
@@ -13079,7 +13237,7 @@
 </p:sld>
 </file>
 
-<file path=ppt/slides/slide25.xml><?xml version="1.0" encoding="utf-8"?>
+<file path=ppt/slides/slide26.xml><?xml version="1.0" encoding="utf-8"?>
 <p:sld xmlns:a="http://schemas.openxmlformats.org/drawingml/2006/main" xmlns:r="http://schemas.openxmlformats.org/officeDocument/2006/relationships" xmlns:p="http://schemas.openxmlformats.org/presentationml/2006/main">
   <p:cSld>
     <p:spTree>
@@ -14700,7 +14858,7 @@
 </p:sld>
 </file>
 
-<file path=ppt/slides/slide26.xml><?xml version="1.0" encoding="utf-8"?>
+<file path=ppt/slides/slide27.xml><?xml version="1.0" encoding="utf-8"?>
 <p:sld xmlns:a="http://schemas.openxmlformats.org/drawingml/2006/main" xmlns:r="http://schemas.openxmlformats.org/officeDocument/2006/relationships" xmlns:p="http://schemas.openxmlformats.org/presentationml/2006/main">
   <p:cSld>
     <p:spTree>
@@ -15024,7 +15182,7 @@
 </p:sld>
 </file>
 
-<file path=ppt/slides/slide27.xml><?xml version="1.0" encoding="utf-8"?>
+<file path=ppt/slides/slide28.xml><?xml version="1.0" encoding="utf-8"?>
 <p:sld xmlns:a="http://schemas.openxmlformats.org/drawingml/2006/main" xmlns:r="http://schemas.openxmlformats.org/officeDocument/2006/relationships" xmlns:p="http://schemas.openxmlformats.org/presentationml/2006/main">
   <p:cSld>
     <p:spTree>
@@ -15230,7 +15388,7 @@
 </p:sld>
 </file>
 
-<file path=ppt/slides/slide28.xml><?xml version="1.0" encoding="utf-8"?>
+<file path=ppt/slides/slide29.xml><?xml version="1.0" encoding="utf-8"?>
 <p:sld xmlns:a="http://schemas.openxmlformats.org/drawingml/2006/main" xmlns:r="http://schemas.openxmlformats.org/officeDocument/2006/relationships" xmlns:p="http://schemas.openxmlformats.org/presentationml/2006/main">
   <p:cSld>
     <p:spTree>
@@ -15617,694 +15775,6 @@
               <a:latin typeface="Arial" panose="020B0604020202020204" pitchFamily="34" charset="0"/>
               <a:ea typeface="Google Sans"/>
               <a:cs typeface="Arial" panose="020B0604020202020204" pitchFamily="34" charset="0"/>
-            </a:endParaRPr>
-          </a:p>
-        </p:txBody>
-      </p:sp>
-    </p:spTree>
-  </p:cSld>
-  <p:clrMapOvr>
-    <a:masterClrMapping/>
-  </p:clrMapOvr>
-</p:sld>
-</file>
-
-<file path=ppt/slides/slide29.xml><?xml version="1.0" encoding="utf-8"?>
-<p:sld xmlns:a="http://schemas.openxmlformats.org/drawingml/2006/main" xmlns:r="http://schemas.openxmlformats.org/officeDocument/2006/relationships" xmlns:p="http://schemas.openxmlformats.org/presentationml/2006/main">
-  <p:cSld>
-    <p:spTree>
-      <p:nvGrpSpPr>
-        <p:cNvPr id="1" name=""/>
-        <p:cNvGrpSpPr/>
-        <p:nvPr/>
-      </p:nvGrpSpPr>
-      <p:grpSpPr/>
-      <p:sp>
-        <p:nvSpPr>
-          <p:cNvPr id="2" name="Text Box 1"/>
-          <p:cNvSpPr txBox="1"/>
-          <p:nvPr/>
-        </p:nvSpPr>
-        <p:spPr>
-          <a:xfrm>
-            <a:off x="142240" y="-63500"/>
-            <a:ext cx="11740515" cy="6613525"/>
-          </a:xfrm>
-          <a:prstGeom prst="rect">
-            <a:avLst/>
-          </a:prstGeom>
-          <a:noFill/>
-        </p:spPr>
-        <p:txBody>
-          <a:bodyPr wrap="square" rtlCol="0" anchor="t">
-            <a:spAutoFit/>
-          </a:bodyPr>
-          <a:p>
-            <a:pPr marL="0" indent="0">
-              <a:lnSpc>
-                <a:spcPct val="100000"/>
-              </a:lnSpc>
-              <a:spcBef>
-                <a:spcPts val="1000"/>
-              </a:spcBef>
-              <a:spcAft>
-                <a:spcPts val="500"/>
-              </a:spcAft>
-            </a:pPr>
-            <a:r>
-              <a:rPr>
-                <a:solidFill>
-                  <a:srgbClr val="001D35"/>
-                </a:solidFill>
-                <a:latin typeface="Arial" panose="020B0604020202020204" pitchFamily="34" charset="0"/>
-                <a:ea typeface="Google Sans"/>
-                <a:cs typeface="Arial" panose="020B0604020202020204" pitchFamily="34" charset="0"/>
-                <a:sym typeface="+mn-ea"/>
-              </a:rPr>
-              <a:t>3. Why is AUC-ROC Useful?</a:t>
-            </a:r>
-            <a:endParaRPr b="0" i="0">
-              <a:solidFill>
-                <a:srgbClr val="001D35"/>
-              </a:solidFill>
-              <a:latin typeface="Arial" panose="020B0604020202020204" pitchFamily="34" charset="0"/>
-              <a:ea typeface="Google Sans"/>
-              <a:cs typeface="Arial" panose="020B0604020202020204" pitchFamily="34" charset="0"/>
-            </a:endParaRPr>
-          </a:p>
-          <a:p>
-            <a:pPr marL="457200" lvl="1" indent="0">
-              <a:lnSpc>
-                <a:spcPct val="100000"/>
-              </a:lnSpc>
-              <a:spcBef>
-                <a:spcPct val="0"/>
-              </a:spcBef>
-              <a:spcAft>
-                <a:spcPts val="400"/>
-              </a:spcAft>
-              <a:buFont typeface="Arial" panose="020B0604020202020204"/>
-              <a:buChar char="•"/>
-            </a:pPr>
-            <a:r>
-              <a:rPr sz="1600">
-                <a:solidFill>
-                  <a:srgbClr val="001D35"/>
-                </a:solidFill>
-                <a:latin typeface="Arial" panose="020B0604020202020204" pitchFamily="34" charset="0"/>
-                <a:ea typeface="Google Sans"/>
-                <a:cs typeface="Arial" panose="020B0604020202020204" pitchFamily="34" charset="0"/>
-                <a:sym typeface="+mn-ea"/>
-              </a:rPr>
-              <a:t>Threshold-Independent:</a:t>
-            </a:r>
-            <a:endParaRPr sz="1600" b="0" i="0">
-              <a:solidFill>
-                <a:srgbClr val="001D35"/>
-              </a:solidFill>
-              <a:latin typeface="Arial" panose="020B0604020202020204" pitchFamily="34" charset="0"/>
-              <a:ea typeface="Google Sans"/>
-              <a:cs typeface="Arial" panose="020B0604020202020204" pitchFamily="34" charset="0"/>
-            </a:endParaRPr>
-          </a:p>
-          <a:p>
-            <a:pPr marL="457200" lvl="1" indent="0">
-              <a:lnSpc>
-                <a:spcPct val="100000"/>
-              </a:lnSpc>
-              <a:spcBef>
-                <a:spcPct val="0"/>
-              </a:spcBef>
-              <a:spcAft>
-                <a:spcPts val="400"/>
-              </a:spcAft>
-            </a:pPr>
-            <a:r>
-              <a:rPr sz="1600">
-                <a:solidFill>
-                  <a:srgbClr val="545D7E"/>
-                </a:solidFill>
-                <a:latin typeface="Arial" panose="020B0604020202020204" pitchFamily="34" charset="0"/>
-                <a:ea typeface="Google Sans"/>
-                <a:cs typeface="Arial" panose="020B0604020202020204" pitchFamily="34" charset="0"/>
-                <a:sym typeface="+mn-ea"/>
-              </a:rPr>
-              <a:t>It provides a single value summarizing model performance across different thresholds, making it useful for comparing models with different optimal thresholds. </a:t>
-            </a:r>
-            <a:endParaRPr sz="1600" b="0" i="0">
-              <a:solidFill>
-                <a:srgbClr val="545D7E"/>
-              </a:solidFill>
-              <a:latin typeface="Arial" panose="020B0604020202020204" pitchFamily="34" charset="0"/>
-              <a:ea typeface="Google Sans"/>
-              <a:cs typeface="Arial" panose="020B0604020202020204" pitchFamily="34" charset="0"/>
-            </a:endParaRPr>
-          </a:p>
-          <a:p>
-            <a:pPr marL="457200" lvl="1" indent="0">
-              <a:lnSpc>
-                <a:spcPct val="100000"/>
-              </a:lnSpc>
-              <a:spcBef>
-                <a:spcPct val="0"/>
-              </a:spcBef>
-              <a:spcAft>
-                <a:spcPts val="400"/>
-              </a:spcAft>
-              <a:buFont typeface="Arial" panose="020B0604020202020204"/>
-              <a:buChar char="•"/>
-            </a:pPr>
-            <a:r>
-              <a:rPr sz="1600">
-                <a:solidFill>
-                  <a:srgbClr val="001D35"/>
-                </a:solidFill>
-                <a:latin typeface="Arial" panose="020B0604020202020204" pitchFamily="34" charset="0"/>
-                <a:ea typeface="Google Sans"/>
-                <a:cs typeface="Arial" panose="020B0604020202020204" pitchFamily="34" charset="0"/>
-                <a:sym typeface="+mn-ea"/>
-              </a:rPr>
-              <a:t>Model Comparison:</a:t>
-            </a:r>
-            <a:endParaRPr sz="1600" b="0" i="0">
-              <a:solidFill>
-                <a:srgbClr val="001D35"/>
-              </a:solidFill>
-              <a:latin typeface="Arial" panose="020B0604020202020204" pitchFamily="34" charset="0"/>
-              <a:ea typeface="Google Sans"/>
-              <a:cs typeface="Arial" panose="020B0604020202020204" pitchFamily="34" charset="0"/>
-            </a:endParaRPr>
-          </a:p>
-          <a:p>
-            <a:pPr marL="457200" lvl="1" indent="0">
-              <a:lnSpc>
-                <a:spcPct val="100000"/>
-              </a:lnSpc>
-              <a:spcBef>
-                <a:spcPct val="0"/>
-              </a:spcBef>
-              <a:spcAft>
-                <a:spcPts val="400"/>
-              </a:spcAft>
-            </a:pPr>
-            <a:r>
-              <a:rPr sz="1600">
-                <a:solidFill>
-                  <a:srgbClr val="545D7E"/>
-                </a:solidFill>
-                <a:latin typeface="Arial" panose="020B0604020202020204" pitchFamily="34" charset="0"/>
-                <a:ea typeface="Google Sans"/>
-                <a:cs typeface="Arial" panose="020B0604020202020204" pitchFamily="34" charset="0"/>
-                <a:sym typeface="+mn-ea"/>
-              </a:rPr>
-              <a:t>It helps compare the performance of different models by providing a single, easily comparable metric. </a:t>
-            </a:r>
-            <a:endParaRPr sz="1600" b="0" i="0">
-              <a:solidFill>
-                <a:srgbClr val="545D7E"/>
-              </a:solidFill>
-              <a:latin typeface="Arial" panose="020B0604020202020204" pitchFamily="34" charset="0"/>
-              <a:ea typeface="Google Sans"/>
-              <a:cs typeface="Arial" panose="020B0604020202020204" pitchFamily="34" charset="0"/>
-            </a:endParaRPr>
-          </a:p>
-          <a:p>
-            <a:pPr marL="457200" lvl="1" indent="0">
-              <a:lnSpc>
-                <a:spcPct val="100000"/>
-              </a:lnSpc>
-              <a:spcBef>
-                <a:spcPct val="0"/>
-              </a:spcBef>
-              <a:spcAft>
-                <a:spcPct val="0"/>
-              </a:spcAft>
-              <a:buFont typeface="Arial" panose="020B0604020202020204"/>
-              <a:buChar char="•"/>
-            </a:pPr>
-            <a:r>
-              <a:rPr sz="1600">
-                <a:solidFill>
-                  <a:srgbClr val="001D35"/>
-                </a:solidFill>
-                <a:latin typeface="Arial" panose="020B0604020202020204" pitchFamily="34" charset="0"/>
-                <a:ea typeface="Google Sans"/>
-                <a:cs typeface="Arial" panose="020B0604020202020204" pitchFamily="34" charset="0"/>
-                <a:sym typeface="+mn-ea"/>
-              </a:rPr>
-              <a:t>Ranking:</a:t>
-            </a:r>
-            <a:endParaRPr sz="1600" b="0" i="0">
-              <a:solidFill>
-                <a:srgbClr val="001D35"/>
-              </a:solidFill>
-              <a:latin typeface="Arial" panose="020B0604020202020204" pitchFamily="34" charset="0"/>
-              <a:ea typeface="Google Sans"/>
-              <a:cs typeface="Arial" panose="020B0604020202020204" pitchFamily="34" charset="0"/>
-            </a:endParaRPr>
-          </a:p>
-          <a:p>
-            <a:pPr marL="457200" lvl="1" indent="0">
-              <a:lnSpc>
-                <a:spcPct val="100000"/>
-              </a:lnSpc>
-              <a:spcBef>
-                <a:spcPct val="0"/>
-              </a:spcBef>
-              <a:spcAft>
-                <a:spcPct val="0"/>
-              </a:spcAft>
-            </a:pPr>
-            <a:r>
-              <a:rPr sz="1600">
-                <a:solidFill>
-                  <a:srgbClr val="545D7E"/>
-                </a:solidFill>
-                <a:latin typeface="Arial" panose="020B0604020202020204" pitchFamily="34" charset="0"/>
-                <a:ea typeface="Google Sans"/>
-                <a:cs typeface="Arial" panose="020B0604020202020204" pitchFamily="34" charset="0"/>
-                <a:sym typeface="+mn-ea"/>
-              </a:rPr>
-              <a:t>It is particularly useful when the goal is to rank predictions by their confidence level rather than producing well-calibrated probability estimates. </a:t>
-            </a:r>
-            <a:endParaRPr sz="1600" b="0" i="0">
-              <a:solidFill>
-                <a:srgbClr val="545D7E"/>
-              </a:solidFill>
-              <a:latin typeface="Arial" panose="020B0604020202020204" pitchFamily="34" charset="0"/>
-              <a:ea typeface="Google Sans"/>
-              <a:cs typeface="Arial" panose="020B0604020202020204" pitchFamily="34" charset="0"/>
-            </a:endParaRPr>
-          </a:p>
-          <a:p>
-            <a:pPr marL="0" indent="0">
-              <a:lnSpc>
-                <a:spcPct val="100000"/>
-              </a:lnSpc>
-              <a:spcBef>
-                <a:spcPts val="1000"/>
-              </a:spcBef>
-              <a:spcAft>
-                <a:spcPts val="500"/>
-              </a:spcAft>
-            </a:pPr>
-            <a:r>
-              <a:rPr>
-                <a:solidFill>
-                  <a:srgbClr val="001D35"/>
-                </a:solidFill>
-                <a:latin typeface="Arial" panose="020B0604020202020204" pitchFamily="34" charset="0"/>
-                <a:ea typeface="Google Sans"/>
-                <a:cs typeface="Arial" panose="020B0604020202020204" pitchFamily="34" charset="0"/>
-                <a:sym typeface="+mn-ea"/>
-              </a:rPr>
-              <a:t>4. Interpreting AUC-ROC Values: </a:t>
-            </a:r>
-            <a:endParaRPr b="0" i="0">
-              <a:solidFill>
-                <a:srgbClr val="001D35"/>
-              </a:solidFill>
-              <a:latin typeface="Arial" panose="020B0604020202020204" pitchFamily="34" charset="0"/>
-              <a:ea typeface="Google Sans"/>
-              <a:cs typeface="Arial" panose="020B0604020202020204" pitchFamily="34" charset="0"/>
-            </a:endParaRPr>
-          </a:p>
-          <a:p>
-            <a:pPr marL="457200" lvl="1" indent="0">
-              <a:lnSpc>
-                <a:spcPct val="100000"/>
-              </a:lnSpc>
-              <a:spcBef>
-                <a:spcPct val="0"/>
-              </a:spcBef>
-              <a:spcAft>
-                <a:spcPts val="400"/>
-              </a:spcAft>
-              <a:buFont typeface="Arial" panose="020B0604020202020204"/>
-              <a:buChar char="•"/>
-            </a:pPr>
-            <a:r>
-              <a:rPr sz="1600">
-                <a:solidFill>
-                  <a:srgbClr val="001D35"/>
-                </a:solidFill>
-                <a:latin typeface="Arial" panose="020B0604020202020204" pitchFamily="34" charset="0"/>
-                <a:ea typeface="Google Sans"/>
-                <a:cs typeface="Arial" panose="020B0604020202020204" pitchFamily="34" charset="0"/>
-                <a:sym typeface="+mn-ea"/>
-              </a:rPr>
-              <a:t>0.5: No discrimination, equivalent to random guessing.</a:t>
-            </a:r>
-            <a:endParaRPr sz="1600" b="0" i="0">
-              <a:solidFill>
-                <a:srgbClr val="001D35"/>
-              </a:solidFill>
-              <a:latin typeface="Arial" panose="020B0604020202020204" pitchFamily="34" charset="0"/>
-              <a:ea typeface="Google Sans"/>
-              <a:cs typeface="Arial" panose="020B0604020202020204" pitchFamily="34" charset="0"/>
-            </a:endParaRPr>
-          </a:p>
-          <a:p>
-            <a:pPr marL="457200" lvl="1" indent="0">
-              <a:lnSpc>
-                <a:spcPct val="100000"/>
-              </a:lnSpc>
-              <a:spcBef>
-                <a:spcPct val="0"/>
-              </a:spcBef>
-              <a:spcAft>
-                <a:spcPts val="400"/>
-              </a:spcAft>
-              <a:buFont typeface="Arial" panose="020B0604020202020204"/>
-              <a:buChar char="•"/>
-            </a:pPr>
-            <a:r>
-              <a:rPr sz="1600">
-                <a:solidFill>
-                  <a:srgbClr val="001D35"/>
-                </a:solidFill>
-                <a:latin typeface="Arial" panose="020B0604020202020204" pitchFamily="34" charset="0"/>
-                <a:ea typeface="Google Sans"/>
-                <a:cs typeface="Arial" panose="020B0604020202020204" pitchFamily="34" charset="0"/>
-                <a:sym typeface="+mn-ea"/>
-              </a:rPr>
-              <a:t>0.7 - 0.8: Considered acceptable.</a:t>
-            </a:r>
-            <a:endParaRPr sz="1600" b="0" i="0">
-              <a:solidFill>
-                <a:srgbClr val="001D35"/>
-              </a:solidFill>
-              <a:latin typeface="Arial" panose="020B0604020202020204" pitchFamily="34" charset="0"/>
-              <a:ea typeface="Google Sans"/>
-              <a:cs typeface="Arial" panose="020B0604020202020204" pitchFamily="34" charset="0"/>
-            </a:endParaRPr>
-          </a:p>
-          <a:p>
-            <a:pPr marL="457200" lvl="1" indent="0">
-              <a:lnSpc>
-                <a:spcPct val="100000"/>
-              </a:lnSpc>
-              <a:spcBef>
-                <a:spcPct val="0"/>
-              </a:spcBef>
-              <a:spcAft>
-                <a:spcPts val="400"/>
-              </a:spcAft>
-              <a:buFont typeface="Arial" panose="020B0604020202020204"/>
-              <a:buChar char="•"/>
-            </a:pPr>
-            <a:r>
-              <a:rPr sz="1600">
-                <a:solidFill>
-                  <a:srgbClr val="001D35"/>
-                </a:solidFill>
-                <a:latin typeface="Arial" panose="020B0604020202020204" pitchFamily="34" charset="0"/>
-                <a:ea typeface="Google Sans"/>
-                <a:cs typeface="Arial" panose="020B0604020202020204" pitchFamily="34" charset="0"/>
-                <a:sym typeface="+mn-ea"/>
-              </a:rPr>
-              <a:t>0.8 - 0.9: Considered excellent.</a:t>
-            </a:r>
-            <a:endParaRPr sz="1600" b="0" i="0">
-              <a:solidFill>
-                <a:srgbClr val="001D35"/>
-              </a:solidFill>
-              <a:latin typeface="Arial" panose="020B0604020202020204" pitchFamily="34" charset="0"/>
-              <a:ea typeface="Google Sans"/>
-              <a:cs typeface="Arial" panose="020B0604020202020204" pitchFamily="34" charset="0"/>
-            </a:endParaRPr>
-          </a:p>
-          <a:p>
-            <a:pPr marL="457200" lvl="1" indent="0">
-              <a:lnSpc>
-                <a:spcPct val="100000"/>
-              </a:lnSpc>
-              <a:spcBef>
-                <a:spcPct val="0"/>
-              </a:spcBef>
-              <a:spcAft>
-                <a:spcPct val="0"/>
-              </a:spcAft>
-              <a:buFont typeface="Arial" panose="020B0604020202020204"/>
-              <a:buChar char="•"/>
-            </a:pPr>
-            <a:r>
-              <a:rPr sz="1600">
-                <a:solidFill>
-                  <a:srgbClr val="001D35"/>
-                </a:solidFill>
-                <a:latin typeface="Arial" panose="020B0604020202020204" pitchFamily="34" charset="0"/>
-                <a:ea typeface="Google Sans"/>
-                <a:cs typeface="Arial" panose="020B0604020202020204" pitchFamily="34" charset="0"/>
-                <a:sym typeface="+mn-ea"/>
-              </a:rPr>
-              <a:t>&gt; 0.9: Considered outstanding. </a:t>
-            </a:r>
-            <a:endParaRPr sz="1600" b="0" i="0">
-              <a:solidFill>
-                <a:srgbClr val="001D35"/>
-              </a:solidFill>
-              <a:latin typeface="Arial" panose="020B0604020202020204" pitchFamily="34" charset="0"/>
-              <a:ea typeface="Google Sans"/>
-              <a:cs typeface="Arial" panose="020B0604020202020204" pitchFamily="34" charset="0"/>
-            </a:endParaRPr>
-          </a:p>
-          <a:p>
-            <a:pPr marL="0" indent="0">
-              <a:lnSpc>
-                <a:spcPct val="100000"/>
-              </a:lnSpc>
-              <a:spcBef>
-                <a:spcPts val="1000"/>
-              </a:spcBef>
-              <a:spcAft>
-                <a:spcPts val="500"/>
-              </a:spcAft>
-            </a:pPr>
-            <a:r>
-              <a:rPr>
-                <a:solidFill>
-                  <a:srgbClr val="001D35"/>
-                </a:solidFill>
-                <a:latin typeface="Arial" panose="020B0604020202020204" pitchFamily="34" charset="0"/>
-                <a:ea typeface="Google Sans"/>
-                <a:cs typeface="Arial" panose="020B0604020202020204" pitchFamily="34" charset="0"/>
-                <a:sym typeface="+mn-ea"/>
-              </a:rPr>
-              <a:t>5. When to Use AUC-ROC:</a:t>
-            </a:r>
-            <a:endParaRPr b="0" i="0">
-              <a:solidFill>
-                <a:srgbClr val="001D35"/>
-              </a:solidFill>
-              <a:latin typeface="Arial" panose="020B0604020202020204" pitchFamily="34" charset="0"/>
-              <a:ea typeface="Google Sans"/>
-              <a:cs typeface="Arial" panose="020B0604020202020204" pitchFamily="34" charset="0"/>
-            </a:endParaRPr>
-          </a:p>
-          <a:p>
-            <a:pPr marL="457200" lvl="1" indent="0">
-              <a:lnSpc>
-                <a:spcPct val="100000"/>
-              </a:lnSpc>
-              <a:spcBef>
-                <a:spcPct val="0"/>
-              </a:spcBef>
-              <a:spcAft>
-                <a:spcPts val="400"/>
-              </a:spcAft>
-              <a:buFont typeface="Arial" panose="020B0604020202020204"/>
-              <a:buChar char="•"/>
-            </a:pPr>
-            <a:r>
-              <a:rPr sz="1600">
-                <a:solidFill>
-                  <a:srgbClr val="001D35"/>
-                </a:solidFill>
-                <a:latin typeface="Arial" panose="020B0604020202020204" pitchFamily="34" charset="0"/>
-                <a:ea typeface="Google Sans"/>
-                <a:cs typeface="Arial" panose="020B0604020202020204" pitchFamily="34" charset="0"/>
-                <a:sym typeface="+mn-ea"/>
-              </a:rPr>
-              <a:t>Binary Classification:</a:t>
-            </a:r>
-            <a:endParaRPr sz="1600" b="0" i="0">
-              <a:solidFill>
-                <a:srgbClr val="001D35"/>
-              </a:solidFill>
-              <a:latin typeface="Arial" panose="020B0604020202020204" pitchFamily="34" charset="0"/>
-              <a:ea typeface="Google Sans"/>
-              <a:cs typeface="Arial" panose="020B0604020202020204" pitchFamily="34" charset="0"/>
-            </a:endParaRPr>
-          </a:p>
-          <a:p>
-            <a:pPr marL="457200" lvl="1" indent="0">
-              <a:lnSpc>
-                <a:spcPct val="100000"/>
-              </a:lnSpc>
-              <a:spcBef>
-                <a:spcPct val="0"/>
-              </a:spcBef>
-              <a:spcAft>
-                <a:spcPts val="400"/>
-              </a:spcAft>
-            </a:pPr>
-            <a:r>
-              <a:rPr sz="1600">
-                <a:solidFill>
-                  <a:srgbClr val="545D7E"/>
-                </a:solidFill>
-                <a:latin typeface="Arial" panose="020B0604020202020204" pitchFamily="34" charset="0"/>
-                <a:ea typeface="Google Sans"/>
-                <a:cs typeface="Arial" panose="020B0604020202020204" pitchFamily="34" charset="0"/>
-                <a:sym typeface="+mn-ea"/>
-              </a:rPr>
-              <a:t>AUC-ROC is best suited for binary classification problems where there are only two possible outcomes. </a:t>
-            </a:r>
-            <a:endParaRPr sz="1600" b="0" i="0">
-              <a:solidFill>
-                <a:srgbClr val="545D7E"/>
-              </a:solidFill>
-              <a:latin typeface="Arial" panose="020B0604020202020204" pitchFamily="34" charset="0"/>
-              <a:ea typeface="Google Sans"/>
-              <a:cs typeface="Arial" panose="020B0604020202020204" pitchFamily="34" charset="0"/>
-            </a:endParaRPr>
-          </a:p>
-          <a:p>
-            <a:pPr marL="457200" lvl="1" indent="0">
-              <a:lnSpc>
-                <a:spcPct val="100000"/>
-              </a:lnSpc>
-              <a:spcBef>
-                <a:spcPct val="0"/>
-              </a:spcBef>
-              <a:spcAft>
-                <a:spcPts val="400"/>
-              </a:spcAft>
-              <a:buFont typeface="Arial" panose="020B0604020202020204"/>
-              <a:buChar char="•"/>
-            </a:pPr>
-            <a:r>
-              <a:rPr sz="1600">
-                <a:solidFill>
-                  <a:srgbClr val="001D35"/>
-                </a:solidFill>
-                <a:latin typeface="Arial" panose="020B0604020202020204" pitchFamily="34" charset="0"/>
-                <a:ea typeface="Google Sans"/>
-                <a:cs typeface="Arial" panose="020B0604020202020204" pitchFamily="34" charset="0"/>
-                <a:sym typeface="+mn-ea"/>
-              </a:rPr>
-              <a:t>Model Training and Evaluation:</a:t>
-            </a:r>
-            <a:endParaRPr sz="1600" b="0" i="0">
-              <a:solidFill>
-                <a:srgbClr val="001D35"/>
-              </a:solidFill>
-              <a:latin typeface="Arial" panose="020B0604020202020204" pitchFamily="34" charset="0"/>
-              <a:ea typeface="Google Sans"/>
-              <a:cs typeface="Arial" panose="020B0604020202020204" pitchFamily="34" charset="0"/>
-            </a:endParaRPr>
-          </a:p>
-          <a:p>
-            <a:pPr marL="457200" lvl="1" indent="0">
-              <a:lnSpc>
-                <a:spcPct val="100000"/>
-              </a:lnSpc>
-              <a:spcBef>
-                <a:spcPct val="0"/>
-              </a:spcBef>
-              <a:spcAft>
-                <a:spcPts val="400"/>
-              </a:spcAft>
-            </a:pPr>
-            <a:r>
-              <a:rPr sz="1600">
-                <a:solidFill>
-                  <a:srgbClr val="545D7E"/>
-                </a:solidFill>
-                <a:latin typeface="Arial" panose="020B0604020202020204" pitchFamily="34" charset="0"/>
-                <a:ea typeface="Google Sans"/>
-                <a:cs typeface="Arial" panose="020B0604020202020204" pitchFamily="34" charset="0"/>
-                <a:sym typeface="+mn-ea"/>
-              </a:rPr>
-              <a:t>It can be used during model training to compare different models and for evaluating the performance of the final model. </a:t>
-            </a:r>
-            <a:endParaRPr sz="1600" b="0" i="0">
-              <a:solidFill>
-                <a:srgbClr val="545D7E"/>
-              </a:solidFill>
-              <a:latin typeface="Arial" panose="020B0604020202020204" pitchFamily="34" charset="0"/>
-              <a:ea typeface="Google Sans"/>
-              <a:cs typeface="Arial" panose="020B0604020202020204" pitchFamily="34" charset="0"/>
-            </a:endParaRPr>
-          </a:p>
-          <a:p>
-            <a:pPr marL="457200" lvl="1" indent="0">
-              <a:lnSpc>
-                <a:spcPct val="100000"/>
-              </a:lnSpc>
-              <a:spcBef>
-                <a:spcPct val="0"/>
-              </a:spcBef>
-              <a:spcAft>
-                <a:spcPct val="0"/>
-              </a:spcAft>
-              <a:buFont typeface="Arial" panose="020B0604020202020204"/>
-              <a:buChar char="•"/>
-            </a:pPr>
-            <a:r>
-              <a:rPr sz="1600">
-                <a:solidFill>
-                  <a:srgbClr val="001D35"/>
-                </a:solidFill>
-                <a:latin typeface="Arial" panose="020B0604020202020204" pitchFamily="34" charset="0"/>
-                <a:ea typeface="Google Sans"/>
-                <a:cs typeface="Arial" panose="020B0604020202020204" pitchFamily="34" charset="0"/>
-                <a:sym typeface="+mn-ea"/>
-              </a:rPr>
-              <a:t>Imbalanced Datasets:</a:t>
-            </a:r>
-            <a:endParaRPr sz="1600" b="0" i="0">
-              <a:solidFill>
-                <a:srgbClr val="001D35"/>
-              </a:solidFill>
-              <a:latin typeface="Arial" panose="020B0604020202020204" pitchFamily="34" charset="0"/>
-              <a:ea typeface="Google Sans"/>
-              <a:cs typeface="Arial" panose="020B0604020202020204" pitchFamily="34" charset="0"/>
-            </a:endParaRPr>
-          </a:p>
-          <a:p>
-            <a:pPr marL="457200" lvl="1" indent="0">
-              <a:lnSpc>
-                <a:spcPct val="100000"/>
-              </a:lnSpc>
-              <a:spcBef>
-                <a:spcPct val="0"/>
-              </a:spcBef>
-              <a:spcAft>
-                <a:spcPct val="0"/>
-              </a:spcAft>
-            </a:pPr>
-            <a:r>
-              <a:rPr sz="1600">
-                <a:solidFill>
-                  <a:srgbClr val="545D7E"/>
-                </a:solidFill>
-                <a:latin typeface="Arial" panose="020B0604020202020204" pitchFamily="34" charset="0"/>
-                <a:ea typeface="Google Sans"/>
-                <a:cs typeface="Arial" panose="020B0604020202020204" pitchFamily="34" charset="0"/>
-                <a:sym typeface="+mn-ea"/>
-              </a:rPr>
-              <a:t>It can be a more reliable metric than accuracy when dealing with imbalanced datasets (where one class is significantly more frequent than the other). </a:t>
-            </a:r>
-            <a:endParaRPr lang="en-US" sz="1600">
-              <a:solidFill>
-                <a:srgbClr val="545D7E"/>
-              </a:solidFill>
-              <a:latin typeface="Arial" panose="020B0604020202020204" pitchFamily="34" charset="0"/>
-              <a:ea typeface="Google Sans"/>
-              <a:cs typeface="Arial" panose="020B0604020202020204" pitchFamily="34" charset="0"/>
-              <a:sym typeface="+mn-ea"/>
             </a:endParaRPr>
           </a:p>
         </p:txBody>
@@ -16625,6 +16095,694 @@
         <p:cNvGrpSpPr/>
         <p:nvPr/>
       </p:nvGrpSpPr>
+      <p:grpSpPr/>
+      <p:sp>
+        <p:nvSpPr>
+          <p:cNvPr id="2" name="Text Box 1"/>
+          <p:cNvSpPr txBox="1"/>
+          <p:nvPr/>
+        </p:nvSpPr>
+        <p:spPr>
+          <a:xfrm>
+            <a:off x="142240" y="-63500"/>
+            <a:ext cx="11740515" cy="6613525"/>
+          </a:xfrm>
+          <a:prstGeom prst="rect">
+            <a:avLst/>
+          </a:prstGeom>
+          <a:noFill/>
+        </p:spPr>
+        <p:txBody>
+          <a:bodyPr wrap="square" rtlCol="0" anchor="t">
+            <a:spAutoFit/>
+          </a:bodyPr>
+          <a:p>
+            <a:pPr marL="0" indent="0">
+              <a:lnSpc>
+                <a:spcPct val="100000"/>
+              </a:lnSpc>
+              <a:spcBef>
+                <a:spcPts val="1000"/>
+              </a:spcBef>
+              <a:spcAft>
+                <a:spcPts val="500"/>
+              </a:spcAft>
+            </a:pPr>
+            <a:r>
+              <a:rPr>
+                <a:solidFill>
+                  <a:srgbClr val="001D35"/>
+                </a:solidFill>
+                <a:latin typeface="Arial" panose="020B0604020202020204" pitchFamily="34" charset="0"/>
+                <a:ea typeface="Google Sans"/>
+                <a:cs typeface="Arial" panose="020B0604020202020204" pitchFamily="34" charset="0"/>
+                <a:sym typeface="+mn-ea"/>
+              </a:rPr>
+              <a:t>3. Why is AUC-ROC Useful?</a:t>
+            </a:r>
+            <a:endParaRPr b="0" i="0">
+              <a:solidFill>
+                <a:srgbClr val="001D35"/>
+              </a:solidFill>
+              <a:latin typeface="Arial" panose="020B0604020202020204" pitchFamily="34" charset="0"/>
+              <a:ea typeface="Google Sans"/>
+              <a:cs typeface="Arial" panose="020B0604020202020204" pitchFamily="34" charset="0"/>
+            </a:endParaRPr>
+          </a:p>
+          <a:p>
+            <a:pPr marL="457200" lvl="1" indent="0">
+              <a:lnSpc>
+                <a:spcPct val="100000"/>
+              </a:lnSpc>
+              <a:spcBef>
+                <a:spcPct val="0"/>
+              </a:spcBef>
+              <a:spcAft>
+                <a:spcPts val="400"/>
+              </a:spcAft>
+              <a:buFont typeface="Arial" panose="020B0604020202020204"/>
+              <a:buChar char="•"/>
+            </a:pPr>
+            <a:r>
+              <a:rPr sz="1600">
+                <a:solidFill>
+                  <a:srgbClr val="001D35"/>
+                </a:solidFill>
+                <a:latin typeface="Arial" panose="020B0604020202020204" pitchFamily="34" charset="0"/>
+                <a:ea typeface="Google Sans"/>
+                <a:cs typeface="Arial" panose="020B0604020202020204" pitchFamily="34" charset="0"/>
+                <a:sym typeface="+mn-ea"/>
+              </a:rPr>
+              <a:t>Threshold-Independent:</a:t>
+            </a:r>
+            <a:endParaRPr sz="1600" b="0" i="0">
+              <a:solidFill>
+                <a:srgbClr val="001D35"/>
+              </a:solidFill>
+              <a:latin typeface="Arial" panose="020B0604020202020204" pitchFamily="34" charset="0"/>
+              <a:ea typeface="Google Sans"/>
+              <a:cs typeface="Arial" panose="020B0604020202020204" pitchFamily="34" charset="0"/>
+            </a:endParaRPr>
+          </a:p>
+          <a:p>
+            <a:pPr marL="457200" lvl="1" indent="0">
+              <a:lnSpc>
+                <a:spcPct val="100000"/>
+              </a:lnSpc>
+              <a:spcBef>
+                <a:spcPct val="0"/>
+              </a:spcBef>
+              <a:spcAft>
+                <a:spcPts val="400"/>
+              </a:spcAft>
+            </a:pPr>
+            <a:r>
+              <a:rPr sz="1600">
+                <a:solidFill>
+                  <a:srgbClr val="545D7E"/>
+                </a:solidFill>
+                <a:latin typeface="Arial" panose="020B0604020202020204" pitchFamily="34" charset="0"/>
+                <a:ea typeface="Google Sans"/>
+                <a:cs typeface="Arial" panose="020B0604020202020204" pitchFamily="34" charset="0"/>
+                <a:sym typeface="+mn-ea"/>
+              </a:rPr>
+              <a:t>It provides a single value summarizing model performance across different thresholds, making it useful for comparing models with different optimal thresholds. </a:t>
+            </a:r>
+            <a:endParaRPr sz="1600" b="0" i="0">
+              <a:solidFill>
+                <a:srgbClr val="545D7E"/>
+              </a:solidFill>
+              <a:latin typeface="Arial" panose="020B0604020202020204" pitchFamily="34" charset="0"/>
+              <a:ea typeface="Google Sans"/>
+              <a:cs typeface="Arial" panose="020B0604020202020204" pitchFamily="34" charset="0"/>
+            </a:endParaRPr>
+          </a:p>
+          <a:p>
+            <a:pPr marL="457200" lvl="1" indent="0">
+              <a:lnSpc>
+                <a:spcPct val="100000"/>
+              </a:lnSpc>
+              <a:spcBef>
+                <a:spcPct val="0"/>
+              </a:spcBef>
+              <a:spcAft>
+                <a:spcPts val="400"/>
+              </a:spcAft>
+              <a:buFont typeface="Arial" panose="020B0604020202020204"/>
+              <a:buChar char="•"/>
+            </a:pPr>
+            <a:r>
+              <a:rPr sz="1600">
+                <a:solidFill>
+                  <a:srgbClr val="001D35"/>
+                </a:solidFill>
+                <a:latin typeface="Arial" panose="020B0604020202020204" pitchFamily="34" charset="0"/>
+                <a:ea typeface="Google Sans"/>
+                <a:cs typeface="Arial" panose="020B0604020202020204" pitchFamily="34" charset="0"/>
+                <a:sym typeface="+mn-ea"/>
+              </a:rPr>
+              <a:t>Model Comparison:</a:t>
+            </a:r>
+            <a:endParaRPr sz="1600" b="0" i="0">
+              <a:solidFill>
+                <a:srgbClr val="001D35"/>
+              </a:solidFill>
+              <a:latin typeface="Arial" panose="020B0604020202020204" pitchFamily="34" charset="0"/>
+              <a:ea typeface="Google Sans"/>
+              <a:cs typeface="Arial" panose="020B0604020202020204" pitchFamily="34" charset="0"/>
+            </a:endParaRPr>
+          </a:p>
+          <a:p>
+            <a:pPr marL="457200" lvl="1" indent="0">
+              <a:lnSpc>
+                <a:spcPct val="100000"/>
+              </a:lnSpc>
+              <a:spcBef>
+                <a:spcPct val="0"/>
+              </a:spcBef>
+              <a:spcAft>
+                <a:spcPts val="400"/>
+              </a:spcAft>
+            </a:pPr>
+            <a:r>
+              <a:rPr sz="1600">
+                <a:solidFill>
+                  <a:srgbClr val="545D7E"/>
+                </a:solidFill>
+                <a:latin typeface="Arial" panose="020B0604020202020204" pitchFamily="34" charset="0"/>
+                <a:ea typeface="Google Sans"/>
+                <a:cs typeface="Arial" panose="020B0604020202020204" pitchFamily="34" charset="0"/>
+                <a:sym typeface="+mn-ea"/>
+              </a:rPr>
+              <a:t>It helps compare the performance of different models by providing a single, easily comparable metric. </a:t>
+            </a:r>
+            <a:endParaRPr sz="1600" b="0" i="0">
+              <a:solidFill>
+                <a:srgbClr val="545D7E"/>
+              </a:solidFill>
+              <a:latin typeface="Arial" panose="020B0604020202020204" pitchFamily="34" charset="0"/>
+              <a:ea typeface="Google Sans"/>
+              <a:cs typeface="Arial" panose="020B0604020202020204" pitchFamily="34" charset="0"/>
+            </a:endParaRPr>
+          </a:p>
+          <a:p>
+            <a:pPr marL="457200" lvl="1" indent="0">
+              <a:lnSpc>
+                <a:spcPct val="100000"/>
+              </a:lnSpc>
+              <a:spcBef>
+                <a:spcPct val="0"/>
+              </a:spcBef>
+              <a:spcAft>
+                <a:spcPct val="0"/>
+              </a:spcAft>
+              <a:buFont typeface="Arial" panose="020B0604020202020204"/>
+              <a:buChar char="•"/>
+            </a:pPr>
+            <a:r>
+              <a:rPr sz="1600">
+                <a:solidFill>
+                  <a:srgbClr val="001D35"/>
+                </a:solidFill>
+                <a:latin typeface="Arial" panose="020B0604020202020204" pitchFamily="34" charset="0"/>
+                <a:ea typeface="Google Sans"/>
+                <a:cs typeface="Arial" panose="020B0604020202020204" pitchFamily="34" charset="0"/>
+                <a:sym typeface="+mn-ea"/>
+              </a:rPr>
+              <a:t>Ranking:</a:t>
+            </a:r>
+            <a:endParaRPr sz="1600" b="0" i="0">
+              <a:solidFill>
+                <a:srgbClr val="001D35"/>
+              </a:solidFill>
+              <a:latin typeface="Arial" panose="020B0604020202020204" pitchFamily="34" charset="0"/>
+              <a:ea typeface="Google Sans"/>
+              <a:cs typeface="Arial" panose="020B0604020202020204" pitchFamily="34" charset="0"/>
+            </a:endParaRPr>
+          </a:p>
+          <a:p>
+            <a:pPr marL="457200" lvl="1" indent="0">
+              <a:lnSpc>
+                <a:spcPct val="100000"/>
+              </a:lnSpc>
+              <a:spcBef>
+                <a:spcPct val="0"/>
+              </a:spcBef>
+              <a:spcAft>
+                <a:spcPct val="0"/>
+              </a:spcAft>
+            </a:pPr>
+            <a:r>
+              <a:rPr sz="1600">
+                <a:solidFill>
+                  <a:srgbClr val="545D7E"/>
+                </a:solidFill>
+                <a:latin typeface="Arial" panose="020B0604020202020204" pitchFamily="34" charset="0"/>
+                <a:ea typeface="Google Sans"/>
+                <a:cs typeface="Arial" panose="020B0604020202020204" pitchFamily="34" charset="0"/>
+                <a:sym typeface="+mn-ea"/>
+              </a:rPr>
+              <a:t>It is particularly useful when the goal is to rank predictions by their confidence level rather than producing well-calibrated probability estimates. </a:t>
+            </a:r>
+            <a:endParaRPr sz="1600" b="0" i="0">
+              <a:solidFill>
+                <a:srgbClr val="545D7E"/>
+              </a:solidFill>
+              <a:latin typeface="Arial" panose="020B0604020202020204" pitchFamily="34" charset="0"/>
+              <a:ea typeface="Google Sans"/>
+              <a:cs typeface="Arial" panose="020B0604020202020204" pitchFamily="34" charset="0"/>
+            </a:endParaRPr>
+          </a:p>
+          <a:p>
+            <a:pPr marL="0" indent="0">
+              <a:lnSpc>
+                <a:spcPct val="100000"/>
+              </a:lnSpc>
+              <a:spcBef>
+                <a:spcPts val="1000"/>
+              </a:spcBef>
+              <a:spcAft>
+                <a:spcPts val="500"/>
+              </a:spcAft>
+            </a:pPr>
+            <a:r>
+              <a:rPr>
+                <a:solidFill>
+                  <a:srgbClr val="001D35"/>
+                </a:solidFill>
+                <a:latin typeface="Arial" panose="020B0604020202020204" pitchFamily="34" charset="0"/>
+                <a:ea typeface="Google Sans"/>
+                <a:cs typeface="Arial" panose="020B0604020202020204" pitchFamily="34" charset="0"/>
+                <a:sym typeface="+mn-ea"/>
+              </a:rPr>
+              <a:t>4. Interpreting AUC-ROC Values: </a:t>
+            </a:r>
+            <a:endParaRPr b="0" i="0">
+              <a:solidFill>
+                <a:srgbClr val="001D35"/>
+              </a:solidFill>
+              <a:latin typeface="Arial" panose="020B0604020202020204" pitchFamily="34" charset="0"/>
+              <a:ea typeface="Google Sans"/>
+              <a:cs typeface="Arial" panose="020B0604020202020204" pitchFamily="34" charset="0"/>
+            </a:endParaRPr>
+          </a:p>
+          <a:p>
+            <a:pPr marL="457200" lvl="1" indent="0">
+              <a:lnSpc>
+                <a:spcPct val="100000"/>
+              </a:lnSpc>
+              <a:spcBef>
+                <a:spcPct val="0"/>
+              </a:spcBef>
+              <a:spcAft>
+                <a:spcPts val="400"/>
+              </a:spcAft>
+              <a:buFont typeface="Arial" panose="020B0604020202020204"/>
+              <a:buChar char="•"/>
+            </a:pPr>
+            <a:r>
+              <a:rPr sz="1600">
+                <a:solidFill>
+                  <a:srgbClr val="001D35"/>
+                </a:solidFill>
+                <a:latin typeface="Arial" panose="020B0604020202020204" pitchFamily="34" charset="0"/>
+                <a:ea typeface="Google Sans"/>
+                <a:cs typeface="Arial" panose="020B0604020202020204" pitchFamily="34" charset="0"/>
+                <a:sym typeface="+mn-ea"/>
+              </a:rPr>
+              <a:t>0.5: No discrimination, equivalent to random guessing.</a:t>
+            </a:r>
+            <a:endParaRPr sz="1600" b="0" i="0">
+              <a:solidFill>
+                <a:srgbClr val="001D35"/>
+              </a:solidFill>
+              <a:latin typeface="Arial" panose="020B0604020202020204" pitchFamily="34" charset="0"/>
+              <a:ea typeface="Google Sans"/>
+              <a:cs typeface="Arial" panose="020B0604020202020204" pitchFamily="34" charset="0"/>
+            </a:endParaRPr>
+          </a:p>
+          <a:p>
+            <a:pPr marL="457200" lvl="1" indent="0">
+              <a:lnSpc>
+                <a:spcPct val="100000"/>
+              </a:lnSpc>
+              <a:spcBef>
+                <a:spcPct val="0"/>
+              </a:spcBef>
+              <a:spcAft>
+                <a:spcPts val="400"/>
+              </a:spcAft>
+              <a:buFont typeface="Arial" panose="020B0604020202020204"/>
+              <a:buChar char="•"/>
+            </a:pPr>
+            <a:r>
+              <a:rPr sz="1600">
+                <a:solidFill>
+                  <a:srgbClr val="001D35"/>
+                </a:solidFill>
+                <a:latin typeface="Arial" panose="020B0604020202020204" pitchFamily="34" charset="0"/>
+                <a:ea typeface="Google Sans"/>
+                <a:cs typeface="Arial" panose="020B0604020202020204" pitchFamily="34" charset="0"/>
+                <a:sym typeface="+mn-ea"/>
+              </a:rPr>
+              <a:t>0.7 - 0.8: Considered acceptable.</a:t>
+            </a:r>
+            <a:endParaRPr sz="1600" b="0" i="0">
+              <a:solidFill>
+                <a:srgbClr val="001D35"/>
+              </a:solidFill>
+              <a:latin typeface="Arial" panose="020B0604020202020204" pitchFamily="34" charset="0"/>
+              <a:ea typeface="Google Sans"/>
+              <a:cs typeface="Arial" panose="020B0604020202020204" pitchFamily="34" charset="0"/>
+            </a:endParaRPr>
+          </a:p>
+          <a:p>
+            <a:pPr marL="457200" lvl="1" indent="0">
+              <a:lnSpc>
+                <a:spcPct val="100000"/>
+              </a:lnSpc>
+              <a:spcBef>
+                <a:spcPct val="0"/>
+              </a:spcBef>
+              <a:spcAft>
+                <a:spcPts val="400"/>
+              </a:spcAft>
+              <a:buFont typeface="Arial" panose="020B0604020202020204"/>
+              <a:buChar char="•"/>
+            </a:pPr>
+            <a:r>
+              <a:rPr sz="1600">
+                <a:solidFill>
+                  <a:srgbClr val="001D35"/>
+                </a:solidFill>
+                <a:latin typeface="Arial" panose="020B0604020202020204" pitchFamily="34" charset="0"/>
+                <a:ea typeface="Google Sans"/>
+                <a:cs typeface="Arial" panose="020B0604020202020204" pitchFamily="34" charset="0"/>
+                <a:sym typeface="+mn-ea"/>
+              </a:rPr>
+              <a:t>0.8 - 0.9: Considered excellent.</a:t>
+            </a:r>
+            <a:endParaRPr sz="1600" b="0" i="0">
+              <a:solidFill>
+                <a:srgbClr val="001D35"/>
+              </a:solidFill>
+              <a:latin typeface="Arial" panose="020B0604020202020204" pitchFamily="34" charset="0"/>
+              <a:ea typeface="Google Sans"/>
+              <a:cs typeface="Arial" panose="020B0604020202020204" pitchFamily="34" charset="0"/>
+            </a:endParaRPr>
+          </a:p>
+          <a:p>
+            <a:pPr marL="457200" lvl="1" indent="0">
+              <a:lnSpc>
+                <a:spcPct val="100000"/>
+              </a:lnSpc>
+              <a:spcBef>
+                <a:spcPct val="0"/>
+              </a:spcBef>
+              <a:spcAft>
+                <a:spcPct val="0"/>
+              </a:spcAft>
+              <a:buFont typeface="Arial" panose="020B0604020202020204"/>
+              <a:buChar char="•"/>
+            </a:pPr>
+            <a:r>
+              <a:rPr sz="1600">
+                <a:solidFill>
+                  <a:srgbClr val="001D35"/>
+                </a:solidFill>
+                <a:latin typeface="Arial" panose="020B0604020202020204" pitchFamily="34" charset="0"/>
+                <a:ea typeface="Google Sans"/>
+                <a:cs typeface="Arial" panose="020B0604020202020204" pitchFamily="34" charset="0"/>
+                <a:sym typeface="+mn-ea"/>
+              </a:rPr>
+              <a:t>&gt; 0.9: Considered outstanding. </a:t>
+            </a:r>
+            <a:endParaRPr sz="1600" b="0" i="0">
+              <a:solidFill>
+                <a:srgbClr val="001D35"/>
+              </a:solidFill>
+              <a:latin typeface="Arial" panose="020B0604020202020204" pitchFamily="34" charset="0"/>
+              <a:ea typeface="Google Sans"/>
+              <a:cs typeface="Arial" panose="020B0604020202020204" pitchFamily="34" charset="0"/>
+            </a:endParaRPr>
+          </a:p>
+          <a:p>
+            <a:pPr marL="0" indent="0">
+              <a:lnSpc>
+                <a:spcPct val="100000"/>
+              </a:lnSpc>
+              <a:spcBef>
+                <a:spcPts val="1000"/>
+              </a:spcBef>
+              <a:spcAft>
+                <a:spcPts val="500"/>
+              </a:spcAft>
+            </a:pPr>
+            <a:r>
+              <a:rPr>
+                <a:solidFill>
+                  <a:srgbClr val="001D35"/>
+                </a:solidFill>
+                <a:latin typeface="Arial" panose="020B0604020202020204" pitchFamily="34" charset="0"/>
+                <a:ea typeface="Google Sans"/>
+                <a:cs typeface="Arial" panose="020B0604020202020204" pitchFamily="34" charset="0"/>
+                <a:sym typeface="+mn-ea"/>
+              </a:rPr>
+              <a:t>5. When to Use AUC-ROC:</a:t>
+            </a:r>
+            <a:endParaRPr b="0" i="0">
+              <a:solidFill>
+                <a:srgbClr val="001D35"/>
+              </a:solidFill>
+              <a:latin typeface="Arial" panose="020B0604020202020204" pitchFamily="34" charset="0"/>
+              <a:ea typeface="Google Sans"/>
+              <a:cs typeface="Arial" panose="020B0604020202020204" pitchFamily="34" charset="0"/>
+            </a:endParaRPr>
+          </a:p>
+          <a:p>
+            <a:pPr marL="457200" lvl="1" indent="0">
+              <a:lnSpc>
+                <a:spcPct val="100000"/>
+              </a:lnSpc>
+              <a:spcBef>
+                <a:spcPct val="0"/>
+              </a:spcBef>
+              <a:spcAft>
+                <a:spcPts val="400"/>
+              </a:spcAft>
+              <a:buFont typeface="Arial" panose="020B0604020202020204"/>
+              <a:buChar char="•"/>
+            </a:pPr>
+            <a:r>
+              <a:rPr sz="1600">
+                <a:solidFill>
+                  <a:srgbClr val="001D35"/>
+                </a:solidFill>
+                <a:latin typeface="Arial" panose="020B0604020202020204" pitchFamily="34" charset="0"/>
+                <a:ea typeface="Google Sans"/>
+                <a:cs typeface="Arial" panose="020B0604020202020204" pitchFamily="34" charset="0"/>
+                <a:sym typeface="+mn-ea"/>
+              </a:rPr>
+              <a:t>Binary Classification:</a:t>
+            </a:r>
+            <a:endParaRPr sz="1600" b="0" i="0">
+              <a:solidFill>
+                <a:srgbClr val="001D35"/>
+              </a:solidFill>
+              <a:latin typeface="Arial" panose="020B0604020202020204" pitchFamily="34" charset="0"/>
+              <a:ea typeface="Google Sans"/>
+              <a:cs typeface="Arial" panose="020B0604020202020204" pitchFamily="34" charset="0"/>
+            </a:endParaRPr>
+          </a:p>
+          <a:p>
+            <a:pPr marL="457200" lvl="1" indent="0">
+              <a:lnSpc>
+                <a:spcPct val="100000"/>
+              </a:lnSpc>
+              <a:spcBef>
+                <a:spcPct val="0"/>
+              </a:spcBef>
+              <a:spcAft>
+                <a:spcPts val="400"/>
+              </a:spcAft>
+            </a:pPr>
+            <a:r>
+              <a:rPr sz="1600">
+                <a:solidFill>
+                  <a:srgbClr val="545D7E"/>
+                </a:solidFill>
+                <a:latin typeface="Arial" panose="020B0604020202020204" pitchFamily="34" charset="0"/>
+                <a:ea typeface="Google Sans"/>
+                <a:cs typeface="Arial" panose="020B0604020202020204" pitchFamily="34" charset="0"/>
+                <a:sym typeface="+mn-ea"/>
+              </a:rPr>
+              <a:t>AUC-ROC is best suited for binary classification problems where there are only two possible outcomes. </a:t>
+            </a:r>
+            <a:endParaRPr sz="1600" b="0" i="0">
+              <a:solidFill>
+                <a:srgbClr val="545D7E"/>
+              </a:solidFill>
+              <a:latin typeface="Arial" panose="020B0604020202020204" pitchFamily="34" charset="0"/>
+              <a:ea typeface="Google Sans"/>
+              <a:cs typeface="Arial" panose="020B0604020202020204" pitchFamily="34" charset="0"/>
+            </a:endParaRPr>
+          </a:p>
+          <a:p>
+            <a:pPr marL="457200" lvl="1" indent="0">
+              <a:lnSpc>
+                <a:spcPct val="100000"/>
+              </a:lnSpc>
+              <a:spcBef>
+                <a:spcPct val="0"/>
+              </a:spcBef>
+              <a:spcAft>
+                <a:spcPts val="400"/>
+              </a:spcAft>
+              <a:buFont typeface="Arial" panose="020B0604020202020204"/>
+              <a:buChar char="•"/>
+            </a:pPr>
+            <a:r>
+              <a:rPr sz="1600">
+                <a:solidFill>
+                  <a:srgbClr val="001D35"/>
+                </a:solidFill>
+                <a:latin typeface="Arial" panose="020B0604020202020204" pitchFamily="34" charset="0"/>
+                <a:ea typeface="Google Sans"/>
+                <a:cs typeface="Arial" panose="020B0604020202020204" pitchFamily="34" charset="0"/>
+                <a:sym typeface="+mn-ea"/>
+              </a:rPr>
+              <a:t>Model Training and Evaluation:</a:t>
+            </a:r>
+            <a:endParaRPr sz="1600" b="0" i="0">
+              <a:solidFill>
+                <a:srgbClr val="001D35"/>
+              </a:solidFill>
+              <a:latin typeface="Arial" panose="020B0604020202020204" pitchFamily="34" charset="0"/>
+              <a:ea typeface="Google Sans"/>
+              <a:cs typeface="Arial" panose="020B0604020202020204" pitchFamily="34" charset="0"/>
+            </a:endParaRPr>
+          </a:p>
+          <a:p>
+            <a:pPr marL="457200" lvl="1" indent="0">
+              <a:lnSpc>
+                <a:spcPct val="100000"/>
+              </a:lnSpc>
+              <a:spcBef>
+                <a:spcPct val="0"/>
+              </a:spcBef>
+              <a:spcAft>
+                <a:spcPts val="400"/>
+              </a:spcAft>
+            </a:pPr>
+            <a:r>
+              <a:rPr sz="1600">
+                <a:solidFill>
+                  <a:srgbClr val="545D7E"/>
+                </a:solidFill>
+                <a:latin typeface="Arial" panose="020B0604020202020204" pitchFamily="34" charset="0"/>
+                <a:ea typeface="Google Sans"/>
+                <a:cs typeface="Arial" panose="020B0604020202020204" pitchFamily="34" charset="0"/>
+                <a:sym typeface="+mn-ea"/>
+              </a:rPr>
+              <a:t>It can be used during model training to compare different models and for evaluating the performance of the final model. </a:t>
+            </a:r>
+            <a:endParaRPr sz="1600" b="0" i="0">
+              <a:solidFill>
+                <a:srgbClr val="545D7E"/>
+              </a:solidFill>
+              <a:latin typeface="Arial" panose="020B0604020202020204" pitchFamily="34" charset="0"/>
+              <a:ea typeface="Google Sans"/>
+              <a:cs typeface="Arial" panose="020B0604020202020204" pitchFamily="34" charset="0"/>
+            </a:endParaRPr>
+          </a:p>
+          <a:p>
+            <a:pPr marL="457200" lvl="1" indent="0">
+              <a:lnSpc>
+                <a:spcPct val="100000"/>
+              </a:lnSpc>
+              <a:spcBef>
+                <a:spcPct val="0"/>
+              </a:spcBef>
+              <a:spcAft>
+                <a:spcPct val="0"/>
+              </a:spcAft>
+              <a:buFont typeface="Arial" panose="020B0604020202020204"/>
+              <a:buChar char="•"/>
+            </a:pPr>
+            <a:r>
+              <a:rPr sz="1600">
+                <a:solidFill>
+                  <a:srgbClr val="001D35"/>
+                </a:solidFill>
+                <a:latin typeface="Arial" panose="020B0604020202020204" pitchFamily="34" charset="0"/>
+                <a:ea typeface="Google Sans"/>
+                <a:cs typeface="Arial" panose="020B0604020202020204" pitchFamily="34" charset="0"/>
+                <a:sym typeface="+mn-ea"/>
+              </a:rPr>
+              <a:t>Imbalanced Datasets:</a:t>
+            </a:r>
+            <a:endParaRPr sz="1600" b="0" i="0">
+              <a:solidFill>
+                <a:srgbClr val="001D35"/>
+              </a:solidFill>
+              <a:latin typeface="Arial" panose="020B0604020202020204" pitchFamily="34" charset="0"/>
+              <a:ea typeface="Google Sans"/>
+              <a:cs typeface="Arial" panose="020B0604020202020204" pitchFamily="34" charset="0"/>
+            </a:endParaRPr>
+          </a:p>
+          <a:p>
+            <a:pPr marL="457200" lvl="1" indent="0">
+              <a:lnSpc>
+                <a:spcPct val="100000"/>
+              </a:lnSpc>
+              <a:spcBef>
+                <a:spcPct val="0"/>
+              </a:spcBef>
+              <a:spcAft>
+                <a:spcPct val="0"/>
+              </a:spcAft>
+            </a:pPr>
+            <a:r>
+              <a:rPr sz="1600">
+                <a:solidFill>
+                  <a:srgbClr val="545D7E"/>
+                </a:solidFill>
+                <a:latin typeface="Arial" panose="020B0604020202020204" pitchFamily="34" charset="0"/>
+                <a:ea typeface="Google Sans"/>
+                <a:cs typeface="Arial" panose="020B0604020202020204" pitchFamily="34" charset="0"/>
+                <a:sym typeface="+mn-ea"/>
+              </a:rPr>
+              <a:t>It can be a more reliable metric than accuracy when dealing with imbalanced datasets (where one class is significantly more frequent than the other). </a:t>
+            </a:r>
+            <a:endParaRPr lang="en-US" sz="1600">
+              <a:solidFill>
+                <a:srgbClr val="545D7E"/>
+              </a:solidFill>
+              <a:latin typeface="Arial" panose="020B0604020202020204" pitchFamily="34" charset="0"/>
+              <a:ea typeface="Google Sans"/>
+              <a:cs typeface="Arial" panose="020B0604020202020204" pitchFamily="34" charset="0"/>
+              <a:sym typeface="+mn-ea"/>
+            </a:endParaRPr>
+          </a:p>
+        </p:txBody>
+      </p:sp>
+    </p:spTree>
+  </p:cSld>
+  <p:clrMapOvr>
+    <a:masterClrMapping/>
+  </p:clrMapOvr>
+</p:sld>
+</file>
+
+<file path=ppt/slides/slide31.xml><?xml version="1.0" encoding="utf-8"?>
+<p:sld xmlns:a="http://schemas.openxmlformats.org/drawingml/2006/main" xmlns:r="http://schemas.openxmlformats.org/officeDocument/2006/relationships" xmlns:p="http://schemas.openxmlformats.org/presentationml/2006/main">
+  <p:cSld>
+    <p:spTree>
+      <p:nvGrpSpPr>
+        <p:cNvPr id="1" name=""/>
+        <p:cNvGrpSpPr/>
+        <p:nvPr/>
+      </p:nvGrpSpPr>
       <p:grpSpPr>
         <a:xfrm>
           <a:off x="0" y="0"/>
@@ -18868,557 +19026,31 @@
         <p:cNvGrpSpPr/>
         <p:nvPr/>
       </p:nvGrpSpPr>
-      <p:grpSpPr>
-        <a:xfrm>
-          <a:off x="0" y="0"/>
-          <a:ext cx="0" cy="0"/>
-          <a:chOff x="0" y="0"/>
-          <a:chExt cx="0" cy="0"/>
-        </a:xfrm>
-      </p:grpSpPr>
-      <p:sp>
-        <p:nvSpPr>
-          <p:cNvPr id="3" name="TextBox 2"/>
-          <p:cNvSpPr txBox="1"/>
+      <p:grpSpPr/>
+      <p:pic>
+        <p:nvPicPr>
+          <p:cNvPr id="2" name="Picture 1"/>
+          <p:cNvPicPr>
+            <a:picLocks noChangeAspect="1"/>
+          </p:cNvPicPr>
           <p:nvPr/>
-        </p:nvSpPr>
+        </p:nvPicPr>
+        <p:blipFill>
+          <a:blip r:embed="rId1"/>
+          <a:stretch>
+            <a:fillRect/>
+          </a:stretch>
+        </p:blipFill>
         <p:spPr>
           <a:xfrm>
-            <a:off x="559904" y="566678"/>
-            <a:ext cx="11072191" cy="3784600"/>
+            <a:off x="885825" y="535305"/>
+            <a:ext cx="9544050" cy="2638425"/>
           </a:xfrm>
           <a:prstGeom prst="rect">
             <a:avLst/>
           </a:prstGeom>
-          <a:noFill/>
         </p:spPr>
-        <p:txBody>
-          <a:bodyPr wrap="square">
-            <a:spAutoFit/>
-          </a:bodyPr>
-          <a:lstStyle/>
-          <a:p>
-            <a:pPr algn="l"/>
-            <a:r>
-              <a:rPr lang="en-US" b="1" i="0" dirty="0">
-                <a:solidFill>
-                  <a:srgbClr val="FF0000"/>
-                </a:solidFill>
-                <a:effectLst/>
-                <a:latin typeface="montserrat" panose="00000500000000000000" pitchFamily="2" charset="0"/>
-              </a:rPr>
-              <a:t>Type of Logistic Regression:</a:t>
-            </a:r>
-            <a:endParaRPr lang="en-US" b="1" i="0" dirty="0">
-              <a:solidFill>
-                <a:srgbClr val="FF0000"/>
-              </a:solidFill>
-              <a:effectLst/>
-              <a:latin typeface="montserrat" panose="00000500000000000000" pitchFamily="2" charset="0"/>
-            </a:endParaRPr>
-          </a:p>
-          <a:p>
-            <a:pPr algn="just"/>
-            <a:r>
-              <a:rPr lang="en-US" b="0" i="0" dirty="0">
-                <a:solidFill>
-                  <a:srgbClr val="2B2A29"/>
-                </a:solidFill>
-                <a:effectLst/>
-                <a:latin typeface="montserrat" panose="00000500000000000000" pitchFamily="2" charset="0"/>
-              </a:rPr>
-              <a:t>On the basis of the categories, Logistic Regression can be classified into three types:</a:t>
-            </a:r>
-            <a:endParaRPr lang="en-US" b="0" i="0" dirty="0">
-              <a:solidFill>
-                <a:srgbClr val="2B2A29"/>
-              </a:solidFill>
-              <a:effectLst/>
-              <a:latin typeface="montserrat" panose="00000500000000000000" pitchFamily="2" charset="0"/>
-            </a:endParaRPr>
-          </a:p>
-          <a:p>
-            <a:pPr algn="just"/>
-            <a:endParaRPr lang="en-US" b="0" i="0" dirty="0">
-              <a:solidFill>
-                <a:srgbClr val="2B2A29"/>
-              </a:solidFill>
-              <a:effectLst/>
-              <a:latin typeface="montserrat" panose="00000500000000000000" pitchFamily="2" charset="0"/>
-            </a:endParaRPr>
-          </a:p>
-          <a:p>
-            <a:pPr algn="just">
-              <a:buFont typeface="Arial" panose="020B0604020202020204" pitchFamily="34" charset="0"/>
-              <a:buChar char="•"/>
-            </a:pPr>
-            <a:r>
-              <a:rPr lang="en-US" sz="2400" b="1" i="0" dirty="0">
-                <a:solidFill>
-                  <a:srgbClr val="2B2A29"/>
-                </a:solidFill>
-                <a:effectLst/>
-                <a:latin typeface="montserrat" panose="00000500000000000000" pitchFamily="2" charset="0"/>
-              </a:rPr>
-              <a:t>Binomial</a:t>
-            </a:r>
-            <a:r>
-              <a:rPr lang="en-US" b="1" i="0" dirty="0">
-                <a:solidFill>
-                  <a:srgbClr val="2B2A29"/>
-                </a:solidFill>
-                <a:effectLst/>
-                <a:latin typeface="montserrat" panose="00000500000000000000" pitchFamily="2" charset="0"/>
-              </a:rPr>
-              <a:t>:</a:t>
-            </a:r>
-            <a:r>
-              <a:rPr lang="en-US" b="0" i="0" dirty="0">
-                <a:solidFill>
-                  <a:srgbClr val="2B2A29"/>
-                </a:solidFill>
-                <a:effectLst/>
-                <a:latin typeface="montserrat" panose="00000500000000000000" pitchFamily="2" charset="0"/>
-              </a:rPr>
-              <a:t> In binomial Logistic regression, there can be only two possible types of the dependent variables, such as 0 or 1, Pass or Fail, etc.</a:t>
-            </a:r>
-            <a:endParaRPr lang="en-US" b="0" i="0" dirty="0">
-              <a:solidFill>
-                <a:srgbClr val="2B2A29"/>
-              </a:solidFill>
-              <a:effectLst/>
-              <a:latin typeface="montserrat" panose="00000500000000000000" pitchFamily="2" charset="0"/>
-            </a:endParaRPr>
-          </a:p>
-          <a:p>
-            <a:pPr algn="just">
-              <a:buFont typeface="Arial" panose="020B0604020202020204" pitchFamily="34" charset="0"/>
-              <a:buChar char="•"/>
-            </a:pPr>
-            <a:endParaRPr lang="en-US" b="1" i="0" dirty="0">
-              <a:solidFill>
-                <a:srgbClr val="2B2A29"/>
-              </a:solidFill>
-              <a:effectLst/>
-              <a:latin typeface="montserrat" panose="00000500000000000000" pitchFamily="2" charset="0"/>
-            </a:endParaRPr>
-          </a:p>
-          <a:p>
-            <a:pPr algn="just">
-              <a:buFont typeface="Arial" panose="020B0604020202020204" pitchFamily="34" charset="0"/>
-              <a:buChar char="•"/>
-            </a:pPr>
-            <a:r>
-              <a:rPr lang="en-US" b="1" i="0" dirty="0">
-                <a:solidFill>
-                  <a:srgbClr val="2B2A29"/>
-                </a:solidFill>
-                <a:effectLst/>
-                <a:latin typeface="montserrat" panose="00000500000000000000" pitchFamily="2" charset="0"/>
-              </a:rPr>
-              <a:t>Multinomial:</a:t>
-            </a:r>
-            <a:r>
-              <a:rPr lang="en-US" b="0" i="0" dirty="0">
-                <a:solidFill>
-                  <a:srgbClr val="2B2A29"/>
-                </a:solidFill>
-                <a:effectLst/>
-                <a:latin typeface="montserrat" panose="00000500000000000000" pitchFamily="2" charset="0"/>
-              </a:rPr>
-              <a:t> In multinomial Logistic regression, there can be 3 or more possible unordered types of the dependent variable, such as "cat", "dogs", or "sheep"</a:t>
-            </a:r>
-            <a:endParaRPr lang="en-US" b="0" i="0" dirty="0">
-              <a:solidFill>
-                <a:srgbClr val="2B2A29"/>
-              </a:solidFill>
-              <a:effectLst/>
-              <a:latin typeface="montserrat" panose="00000500000000000000" pitchFamily="2" charset="0"/>
-            </a:endParaRPr>
-          </a:p>
-          <a:p>
-            <a:pPr algn="just">
-              <a:buFont typeface="Arial" panose="020B0604020202020204" pitchFamily="34" charset="0"/>
-              <a:buChar char="•"/>
-            </a:pPr>
-            <a:endParaRPr lang="en-US" b="1" i="0" dirty="0">
-              <a:solidFill>
-                <a:srgbClr val="2B2A29"/>
-              </a:solidFill>
-              <a:effectLst/>
-              <a:latin typeface="montserrat" panose="00000500000000000000" pitchFamily="2" charset="0"/>
-            </a:endParaRPr>
-          </a:p>
-          <a:p>
-            <a:pPr algn="just">
-              <a:buFont typeface="Arial" panose="020B0604020202020204" pitchFamily="34" charset="0"/>
-              <a:buChar char="•"/>
-            </a:pPr>
-            <a:r>
-              <a:rPr lang="en-US" b="1" i="0" dirty="0">
-                <a:solidFill>
-                  <a:srgbClr val="2B2A29"/>
-                </a:solidFill>
-                <a:effectLst/>
-                <a:latin typeface="montserrat" panose="00000500000000000000" pitchFamily="2" charset="0"/>
-              </a:rPr>
-              <a:t>Ordinal:</a:t>
-            </a:r>
-            <a:r>
-              <a:rPr lang="en-US" b="0" i="0" dirty="0">
-                <a:solidFill>
-                  <a:srgbClr val="2B2A29"/>
-                </a:solidFill>
-                <a:effectLst/>
-                <a:latin typeface="montserrat" panose="00000500000000000000" pitchFamily="2" charset="0"/>
-              </a:rPr>
-              <a:t> In ordinal Logistic regression, there can be 3 or more possible ordered types of dependent variables, such as "low", "Medium", or "High".</a:t>
-            </a:r>
-            <a:endParaRPr lang="en-US" b="0" i="0" dirty="0">
-              <a:solidFill>
-                <a:srgbClr val="2B2A29"/>
-              </a:solidFill>
-              <a:effectLst/>
-              <a:latin typeface="montserrat" panose="00000500000000000000" pitchFamily="2" charset="0"/>
-            </a:endParaRPr>
-          </a:p>
-          <a:p>
-            <a:br>
-              <a:rPr lang="en-US" dirty="0"/>
-            </a:br>
-            <a:endParaRPr lang="en-IN" dirty="0"/>
-          </a:p>
-        </p:txBody>
-      </p:sp>
-      <p:sp>
-        <p:nvSpPr>
-          <p:cNvPr id="5" name="TextBox 4"/>
-          <p:cNvSpPr txBox="1"/>
-          <p:nvPr/>
-        </p:nvSpPr>
-        <p:spPr>
-          <a:xfrm>
-            <a:off x="784306" y="4098518"/>
-            <a:ext cx="8351355" cy="1751965"/>
-          </a:xfrm>
-          <a:prstGeom prst="rect">
-            <a:avLst/>
-          </a:prstGeom>
-          <a:noFill/>
-        </p:spPr>
-        <p:txBody>
-          <a:bodyPr wrap="square">
-            <a:spAutoFit/>
-          </a:bodyPr>
-          <a:lstStyle/>
-          <a:p>
-            <a:pPr algn="l">
-              <a:lnSpc>
-                <a:spcPct val="120000"/>
-              </a:lnSpc>
-            </a:pPr>
-            <a:r>
-              <a:rPr lang="en-IN" b="0" i="0" dirty="0">
-                <a:solidFill>
-                  <a:srgbClr val="2B2A29"/>
-                </a:solidFill>
-                <a:effectLst/>
-                <a:latin typeface="Arial" panose="020B0604020202020204" pitchFamily="34" charset="0"/>
-                <a:cs typeface="Arial" panose="020B0604020202020204" pitchFamily="34" charset="0"/>
-              </a:rPr>
-              <a:t>#Fitting Logistic Regression to the training set  </a:t>
-            </a:r>
-            <a:endParaRPr lang="en-IN" b="0" i="0" dirty="0">
-              <a:solidFill>
-                <a:srgbClr val="2B2A29"/>
-              </a:solidFill>
-              <a:effectLst/>
-              <a:latin typeface="Arial" panose="020B0604020202020204" pitchFamily="34" charset="0"/>
-              <a:cs typeface="Arial" panose="020B0604020202020204" pitchFamily="34" charset="0"/>
-            </a:endParaRPr>
-          </a:p>
-          <a:p>
-            <a:pPr algn="l">
-              <a:lnSpc>
-                <a:spcPct val="120000"/>
-              </a:lnSpc>
-            </a:pPr>
-            <a:endParaRPr lang="en-IN" b="0" i="0" dirty="0">
-              <a:solidFill>
-                <a:srgbClr val="2B2A29"/>
-              </a:solidFill>
-              <a:effectLst/>
-              <a:latin typeface="Arial" panose="020B0604020202020204" pitchFamily="34" charset="0"/>
-              <a:cs typeface="Arial" panose="020B0604020202020204" pitchFamily="34" charset="0"/>
-            </a:endParaRPr>
-          </a:p>
-          <a:p>
-            <a:pPr algn="l">
-              <a:lnSpc>
-                <a:spcPct val="120000"/>
-              </a:lnSpc>
-            </a:pPr>
-            <a:r>
-              <a:rPr lang="en-IN" b="0" i="0" dirty="0">
-                <a:solidFill>
-                  <a:srgbClr val="2B2A29"/>
-                </a:solidFill>
-                <a:effectLst/>
-                <a:latin typeface="Arial" panose="020B0604020202020204" pitchFamily="34" charset="0"/>
-                <a:cs typeface="Arial" panose="020B0604020202020204" pitchFamily="34" charset="0"/>
-              </a:rPr>
-              <a:t>from </a:t>
-            </a:r>
-            <a:r>
-              <a:rPr lang="en-IN" b="0" i="0" dirty="0" err="1">
-                <a:solidFill>
-                  <a:srgbClr val="2B2A29"/>
-                </a:solidFill>
-                <a:effectLst/>
-                <a:latin typeface="Arial" panose="020B0604020202020204" pitchFamily="34" charset="0"/>
-                <a:cs typeface="Arial" panose="020B0604020202020204" pitchFamily="34" charset="0"/>
-              </a:rPr>
-              <a:t>sklearn.linear_model</a:t>
-            </a:r>
-            <a:r>
-              <a:rPr lang="en-IN" b="0" i="0" dirty="0">
-                <a:solidFill>
-                  <a:srgbClr val="2B2A29"/>
-                </a:solidFill>
-                <a:effectLst/>
-                <a:latin typeface="Arial" panose="020B0604020202020204" pitchFamily="34" charset="0"/>
-                <a:cs typeface="Arial" panose="020B0604020202020204" pitchFamily="34" charset="0"/>
-              </a:rPr>
-              <a:t> </a:t>
-            </a:r>
-            <a:r>
-              <a:rPr lang="en-IN" b="1" i="0" dirty="0">
-                <a:solidFill>
-                  <a:srgbClr val="006699"/>
-                </a:solidFill>
-                <a:effectLst/>
-                <a:latin typeface="Arial" panose="020B0604020202020204" pitchFamily="34" charset="0"/>
-                <a:cs typeface="Arial" panose="020B0604020202020204" pitchFamily="34" charset="0"/>
-              </a:rPr>
-              <a:t>import</a:t>
-            </a:r>
-            <a:r>
-              <a:rPr lang="en-IN" b="0" i="0" dirty="0">
-                <a:solidFill>
-                  <a:srgbClr val="2B2A29"/>
-                </a:solidFill>
-                <a:effectLst/>
-                <a:latin typeface="Arial" panose="020B0604020202020204" pitchFamily="34" charset="0"/>
-                <a:cs typeface="Arial" panose="020B0604020202020204" pitchFamily="34" charset="0"/>
-              </a:rPr>
-              <a:t> </a:t>
-            </a:r>
-            <a:r>
-              <a:rPr lang="en-IN" b="0" i="0" dirty="0" err="1">
-                <a:solidFill>
-                  <a:srgbClr val="2B2A29"/>
-                </a:solidFill>
-                <a:effectLst/>
-                <a:latin typeface="Arial" panose="020B0604020202020204" pitchFamily="34" charset="0"/>
-                <a:cs typeface="Arial" panose="020B0604020202020204" pitchFamily="34" charset="0"/>
-              </a:rPr>
-              <a:t>LogisticRegression</a:t>
-            </a:r>
-            <a:r>
-              <a:rPr lang="en-IN" b="0" i="0" dirty="0">
-                <a:solidFill>
-                  <a:srgbClr val="2B2A29"/>
-                </a:solidFill>
-                <a:effectLst/>
-                <a:latin typeface="Arial" panose="020B0604020202020204" pitchFamily="34" charset="0"/>
-                <a:cs typeface="Arial" panose="020B0604020202020204" pitchFamily="34" charset="0"/>
-              </a:rPr>
-              <a:t>  </a:t>
-            </a:r>
-            <a:endParaRPr lang="en-IN" b="0" i="0" dirty="0">
-              <a:solidFill>
-                <a:srgbClr val="2B2A29"/>
-              </a:solidFill>
-              <a:effectLst/>
-              <a:latin typeface="Arial" panose="020B0604020202020204" pitchFamily="34" charset="0"/>
-              <a:cs typeface="Arial" panose="020B0604020202020204" pitchFamily="34" charset="0"/>
-            </a:endParaRPr>
-          </a:p>
-          <a:p>
-            <a:pPr algn="l">
-              <a:lnSpc>
-                <a:spcPct val="120000"/>
-              </a:lnSpc>
-            </a:pPr>
-            <a:r>
-              <a:rPr lang="en-IN" b="0" i="0" dirty="0">
-                <a:solidFill>
-                  <a:srgbClr val="2B2A29"/>
-                </a:solidFill>
-                <a:effectLst/>
-                <a:latin typeface="Arial" panose="020B0604020202020204" pitchFamily="34" charset="0"/>
-                <a:cs typeface="Arial" panose="020B0604020202020204" pitchFamily="34" charset="0"/>
-              </a:rPr>
-              <a:t>classifier= </a:t>
-            </a:r>
-            <a:r>
-              <a:rPr lang="en-IN" b="0" i="0" dirty="0" err="1">
-                <a:solidFill>
-                  <a:srgbClr val="2B2A29"/>
-                </a:solidFill>
-                <a:effectLst/>
-                <a:latin typeface="Arial" panose="020B0604020202020204" pitchFamily="34" charset="0"/>
-                <a:cs typeface="Arial" panose="020B0604020202020204" pitchFamily="34" charset="0"/>
-              </a:rPr>
-              <a:t>LogisticRegression</a:t>
-            </a:r>
-            <a:r>
-              <a:rPr lang="en-IN" b="0" i="0" dirty="0">
-                <a:solidFill>
-                  <a:srgbClr val="2B2A29"/>
-                </a:solidFill>
-                <a:effectLst/>
-                <a:latin typeface="Arial" panose="020B0604020202020204" pitchFamily="34" charset="0"/>
-                <a:cs typeface="Arial" panose="020B0604020202020204" pitchFamily="34" charset="0"/>
-              </a:rPr>
-              <a:t>(</a:t>
-            </a:r>
-            <a:r>
-              <a:rPr lang="en-IN" b="0" i="0" dirty="0" err="1">
-                <a:solidFill>
-                  <a:srgbClr val="2B2A29"/>
-                </a:solidFill>
-                <a:effectLst/>
-                <a:latin typeface="Arial" panose="020B0604020202020204" pitchFamily="34" charset="0"/>
-                <a:cs typeface="Arial" panose="020B0604020202020204" pitchFamily="34" charset="0"/>
-              </a:rPr>
-              <a:t>random_state</a:t>
-            </a:r>
-            <a:r>
-              <a:rPr lang="en-IN" b="0" i="0" dirty="0">
-                <a:solidFill>
-                  <a:srgbClr val="2B2A29"/>
-                </a:solidFill>
-                <a:effectLst/>
-                <a:latin typeface="Arial" panose="020B0604020202020204" pitchFamily="34" charset="0"/>
-                <a:cs typeface="Arial" panose="020B0604020202020204" pitchFamily="34" charset="0"/>
-              </a:rPr>
-              <a:t>=</a:t>
-            </a:r>
-            <a:r>
-              <a:rPr lang="en-IN" b="0" i="0" dirty="0">
-                <a:solidFill>
-                  <a:srgbClr val="C00000"/>
-                </a:solidFill>
-                <a:effectLst/>
-                <a:latin typeface="Arial" panose="020B0604020202020204" pitchFamily="34" charset="0"/>
-                <a:cs typeface="Arial" panose="020B0604020202020204" pitchFamily="34" charset="0"/>
-              </a:rPr>
-              <a:t>0</a:t>
-            </a:r>
-            <a:r>
-              <a:rPr lang="en-IN" b="0" i="0" dirty="0">
-                <a:solidFill>
-                  <a:srgbClr val="2B2A29"/>
-                </a:solidFill>
-                <a:effectLst/>
-                <a:latin typeface="Arial" panose="020B0604020202020204" pitchFamily="34" charset="0"/>
-                <a:cs typeface="Arial" panose="020B0604020202020204" pitchFamily="34" charset="0"/>
-              </a:rPr>
-              <a:t>)  </a:t>
-            </a:r>
-            <a:endParaRPr lang="en-IN" b="0" i="0" dirty="0">
-              <a:solidFill>
-                <a:srgbClr val="2B2A29"/>
-              </a:solidFill>
-              <a:effectLst/>
-              <a:latin typeface="Arial" panose="020B0604020202020204" pitchFamily="34" charset="0"/>
-              <a:cs typeface="Arial" panose="020B0604020202020204" pitchFamily="34" charset="0"/>
-            </a:endParaRPr>
-          </a:p>
-          <a:p>
-            <a:pPr algn="l">
-              <a:lnSpc>
-                <a:spcPct val="120000"/>
-              </a:lnSpc>
-            </a:pPr>
-            <a:r>
-              <a:rPr lang="en-IN" b="0" i="0" dirty="0" err="1">
-                <a:solidFill>
-                  <a:srgbClr val="2B2A29"/>
-                </a:solidFill>
-                <a:effectLst/>
-                <a:latin typeface="Arial" panose="020B0604020202020204" pitchFamily="34" charset="0"/>
-                <a:cs typeface="Arial" panose="020B0604020202020204" pitchFamily="34" charset="0"/>
-              </a:rPr>
-              <a:t>classifier.fit</a:t>
-            </a:r>
-            <a:r>
-              <a:rPr lang="en-IN" b="0" i="0" dirty="0">
-                <a:solidFill>
-                  <a:srgbClr val="2B2A29"/>
-                </a:solidFill>
-                <a:effectLst/>
-                <a:latin typeface="Arial" panose="020B0604020202020204" pitchFamily="34" charset="0"/>
-                <a:cs typeface="Arial" panose="020B0604020202020204" pitchFamily="34" charset="0"/>
-              </a:rPr>
-              <a:t>(</a:t>
-            </a:r>
-            <a:r>
-              <a:rPr lang="en-IN" b="0" i="0" dirty="0" err="1">
-                <a:solidFill>
-                  <a:srgbClr val="2B2A29"/>
-                </a:solidFill>
-                <a:effectLst/>
-                <a:latin typeface="Arial" panose="020B0604020202020204" pitchFamily="34" charset="0"/>
-                <a:cs typeface="Arial" panose="020B0604020202020204" pitchFamily="34" charset="0"/>
-              </a:rPr>
-              <a:t>x_train</a:t>
-            </a:r>
-            <a:r>
-              <a:rPr lang="en-IN" b="0" i="0" dirty="0">
-                <a:solidFill>
-                  <a:srgbClr val="2B2A29"/>
-                </a:solidFill>
-                <a:effectLst/>
-                <a:latin typeface="Arial" panose="020B0604020202020204" pitchFamily="34" charset="0"/>
-                <a:cs typeface="Arial" panose="020B0604020202020204" pitchFamily="34" charset="0"/>
-              </a:rPr>
-              <a:t>, </a:t>
-            </a:r>
-            <a:r>
-              <a:rPr lang="en-IN" b="0" i="0" dirty="0" err="1">
-                <a:solidFill>
-                  <a:srgbClr val="2B2A29"/>
-                </a:solidFill>
-                <a:effectLst/>
-                <a:latin typeface="Arial" panose="020B0604020202020204" pitchFamily="34" charset="0"/>
-                <a:cs typeface="Arial" panose="020B0604020202020204" pitchFamily="34" charset="0"/>
-              </a:rPr>
-              <a:t>y_train</a:t>
-            </a:r>
-            <a:r>
-              <a:rPr lang="en-IN" b="0" i="0" dirty="0">
-                <a:solidFill>
-                  <a:srgbClr val="2B2A29"/>
-                </a:solidFill>
-                <a:effectLst/>
-                <a:latin typeface="Arial" panose="020B0604020202020204" pitchFamily="34" charset="0"/>
-                <a:cs typeface="Arial" panose="020B0604020202020204" pitchFamily="34" charset="0"/>
-              </a:rPr>
-              <a:t>)  </a:t>
-            </a:r>
-            <a:endParaRPr lang="en-IN" b="0" i="0" dirty="0">
-              <a:solidFill>
-                <a:srgbClr val="2B2A29"/>
-              </a:solidFill>
-              <a:effectLst/>
-              <a:latin typeface="Arial" panose="020B0604020202020204" pitchFamily="34" charset="0"/>
-              <a:cs typeface="Arial" panose="020B0604020202020204" pitchFamily="34" charset="0"/>
-            </a:endParaRPr>
-          </a:p>
-        </p:txBody>
-      </p:sp>
+      </p:pic>
     </p:spTree>
   </p:cSld>
   <p:clrMapOvr>
@@ -19452,8 +19084,8 @@
         </p:nvSpPr>
         <p:spPr>
           <a:xfrm>
-            <a:off x="981710" y="664845"/>
-            <a:ext cx="9235440" cy="2339975"/>
+            <a:off x="559904" y="566678"/>
+            <a:ext cx="11072191" cy="3784600"/>
           </a:xfrm>
           <a:prstGeom prst="rect">
             <a:avLst/>
@@ -19462,116 +19094,527 @@
         </p:spPr>
         <p:txBody>
           <a:bodyPr wrap="square">
-            <a:noAutofit/>
+            <a:spAutoFit/>
           </a:bodyPr>
           <a:lstStyle/>
           <a:p>
-            <a:pPr algn="l" fontAlgn="base"/>
+            <a:pPr algn="l"/>
             <a:r>
               <a:rPr lang="en-US" b="1" i="0" dirty="0">
                 <a:solidFill>
-                  <a:srgbClr val="273239"/>
-                </a:solidFill>
-                <a:effectLst/>
-                <a:latin typeface="Nunito" pitchFamily="2" charset="0"/>
-              </a:rPr>
-              <a:t>Cost functions/loss function in logistic regression</a:t>
+                  <a:srgbClr val="FF0000"/>
+                </a:solidFill>
+                <a:effectLst/>
+                <a:latin typeface="montserrat" panose="00000500000000000000" pitchFamily="2" charset="0"/>
+              </a:rPr>
+              <a:t>Type of Logistic Regression:</a:t>
             </a:r>
             <a:endParaRPr lang="en-US" b="1" i="0" dirty="0">
               <a:solidFill>
-                <a:srgbClr val="273239"/>
+                <a:srgbClr val="FF0000"/>
               </a:solidFill>
               <a:effectLst/>
-              <a:latin typeface="Nunito" pitchFamily="2" charset="0"/>
-            </a:endParaRPr>
-          </a:p>
-          <a:p>
-            <a:pPr marL="742950" lvl="1" indent="-285750" algn="l" fontAlgn="base">
+              <a:latin typeface="montserrat" panose="00000500000000000000" pitchFamily="2" charset="0"/>
+            </a:endParaRPr>
+          </a:p>
+          <a:p>
+            <a:pPr algn="just"/>
+            <a:r>
+              <a:rPr lang="en-US" b="0" i="0" dirty="0">
+                <a:solidFill>
+                  <a:srgbClr val="2B2A29"/>
+                </a:solidFill>
+                <a:effectLst/>
+                <a:latin typeface="montserrat" panose="00000500000000000000" pitchFamily="2" charset="0"/>
+              </a:rPr>
+              <a:t>On the basis of the categories, Logistic Regression can be classified into three types:</a:t>
+            </a:r>
+            <a:endParaRPr lang="en-US" b="0" i="0" dirty="0">
+              <a:solidFill>
+                <a:srgbClr val="2B2A29"/>
+              </a:solidFill>
+              <a:effectLst/>
+              <a:latin typeface="montserrat" panose="00000500000000000000" pitchFamily="2" charset="0"/>
+            </a:endParaRPr>
+          </a:p>
+          <a:p>
+            <a:pPr algn="just"/>
+            <a:endParaRPr lang="en-US" b="0" i="0" dirty="0">
+              <a:solidFill>
+                <a:srgbClr val="2B2A29"/>
+              </a:solidFill>
+              <a:effectLst/>
+              <a:latin typeface="montserrat" panose="00000500000000000000" pitchFamily="2" charset="0"/>
+            </a:endParaRPr>
+          </a:p>
+          <a:p>
+            <a:pPr algn="just">
               <a:buFont typeface="Arial" panose="020B0604020202020204" pitchFamily="34" charset="0"/>
               <a:buChar char="•"/>
             </a:pPr>
             <a:r>
+              <a:rPr lang="en-US" sz="2400" b="1" i="0" dirty="0">
+                <a:solidFill>
+                  <a:srgbClr val="2B2A29"/>
+                </a:solidFill>
+                <a:effectLst/>
+                <a:latin typeface="montserrat" panose="00000500000000000000" pitchFamily="2" charset="0"/>
+              </a:rPr>
+              <a:t>Binomial</a:t>
+            </a:r>
+            <a:r>
+              <a:rPr lang="en-US" b="1" i="0" dirty="0">
+                <a:solidFill>
+                  <a:srgbClr val="2B2A29"/>
+                </a:solidFill>
+                <a:effectLst/>
+                <a:latin typeface="montserrat" panose="00000500000000000000" pitchFamily="2" charset="0"/>
+              </a:rPr>
+              <a:t>:</a:t>
+            </a:r>
+            <a:r>
               <a:rPr lang="en-US" b="0" i="0" dirty="0">
                 <a:solidFill>
-                  <a:srgbClr val="273239"/>
-                </a:solidFill>
-                <a:effectLst/>
-                <a:latin typeface="Nunito" pitchFamily="2" charset="0"/>
-              </a:rPr>
-              <a:t>Log loss</a:t>
+                  <a:srgbClr val="2B2A29"/>
+                </a:solidFill>
+                <a:effectLst/>
+                <a:latin typeface="montserrat" panose="00000500000000000000" pitchFamily="2" charset="0"/>
+              </a:rPr>
+              <a:t> In binomial Logistic regression, there can be only two possible types of the dependent variables, such as 0 or 1, Pass or Fail, etc.</a:t>
             </a:r>
             <a:endParaRPr lang="en-US" b="0" i="0" dirty="0">
               <a:solidFill>
-                <a:srgbClr val="273239"/>
+                <a:srgbClr val="2B2A29"/>
               </a:solidFill>
               <a:effectLst/>
-              <a:latin typeface="Nunito" pitchFamily="2" charset="0"/>
-            </a:endParaRPr>
-          </a:p>
-          <a:p>
-            <a:pPr marL="742950" lvl="1" indent="-285750" algn="l" fontAlgn="base">
+              <a:latin typeface="montserrat" panose="00000500000000000000" pitchFamily="2" charset="0"/>
+            </a:endParaRPr>
+          </a:p>
+          <a:p>
+            <a:pPr algn="just">
               <a:buFont typeface="Arial" panose="020B0604020202020204" pitchFamily="34" charset="0"/>
               <a:buChar char="•"/>
             </a:pPr>
-            <a:r>
-              <a:rPr lang="en-US" dirty="0">
-                <a:solidFill>
-                  <a:srgbClr val="273239"/>
-                </a:solidFill>
-                <a:latin typeface="Nunito" pitchFamily="2" charset="0"/>
-              </a:rPr>
-              <a:t>L1 (feature selection ,lasso)and L2(reduction overfitting ridge) regularization</a:t>
-            </a:r>
-            <a:endParaRPr lang="en-US" dirty="0">
-              <a:solidFill>
-                <a:srgbClr val="273239"/>
-              </a:solidFill>
-              <a:latin typeface="Nunito" pitchFamily="2" charset="0"/>
-            </a:endParaRPr>
-          </a:p>
-          <a:p>
-            <a:pPr marL="742950" lvl="1" indent="-285750" algn="l" fontAlgn="base">
+            <a:endParaRPr lang="en-US" b="1" i="0" dirty="0">
+              <a:solidFill>
+                <a:srgbClr val="2B2A29"/>
+              </a:solidFill>
+              <a:effectLst/>
+              <a:latin typeface="montserrat" panose="00000500000000000000" pitchFamily="2" charset="0"/>
+            </a:endParaRPr>
+          </a:p>
+          <a:p>
+            <a:pPr algn="just">
               <a:buFont typeface="Arial" panose="020B0604020202020204" pitchFamily="34" charset="0"/>
               <a:buChar char="•"/>
             </a:pPr>
+            <a:r>
+              <a:rPr lang="en-US" b="1" i="0" dirty="0">
+                <a:solidFill>
+                  <a:srgbClr val="2B2A29"/>
+                </a:solidFill>
+                <a:effectLst/>
+                <a:latin typeface="montserrat" panose="00000500000000000000" pitchFamily="2" charset="0"/>
+              </a:rPr>
+              <a:t>Multinomial:</a:t>
+            </a:r>
+            <a:r>
+              <a:rPr lang="en-US" b="0" i="0" dirty="0">
+                <a:solidFill>
+                  <a:srgbClr val="2B2A29"/>
+                </a:solidFill>
+                <a:effectLst/>
+                <a:latin typeface="montserrat" panose="00000500000000000000" pitchFamily="2" charset="0"/>
+              </a:rPr>
+              <a:t> In multinomial Logistic regression, there can be 3 or more possible unordered types of the dependent variable, such as "cat", "dogs", or "sheep"</a:t>
+            </a:r>
             <a:endParaRPr lang="en-US" b="0" i="0" dirty="0">
               <a:solidFill>
-                <a:srgbClr val="273239"/>
+                <a:srgbClr val="2B2A29"/>
               </a:solidFill>
               <a:effectLst/>
-              <a:latin typeface="Nunito" pitchFamily="2" charset="0"/>
-            </a:endParaRPr>
-          </a:p>
-          <a:p>
-            <a:pPr marL="742950" lvl="1" indent="-285750" algn="l" fontAlgn="base">
+              <a:latin typeface="montserrat" panose="00000500000000000000" pitchFamily="2" charset="0"/>
+            </a:endParaRPr>
+          </a:p>
+          <a:p>
+            <a:pPr algn="just">
               <a:buFont typeface="Arial" panose="020B0604020202020204" pitchFamily="34" charset="0"/>
               <a:buChar char="•"/>
             </a:pPr>
-            <a:r>
-              <a:rPr lang="en-US" dirty="0">
-                <a:solidFill>
-                  <a:srgbClr val="273239"/>
-                </a:solidFill>
-                <a:latin typeface="Nunito" pitchFamily="2" charset="0"/>
-              </a:rPr>
-              <a:t>C &amp; lambda relationship (</a:t>
+            <a:endParaRPr lang="en-US" b="1" i="0" dirty="0">
+              <a:solidFill>
+                <a:srgbClr val="2B2A29"/>
+              </a:solidFill>
+              <a:effectLst/>
+              <a:latin typeface="montserrat" panose="00000500000000000000" pitchFamily="2" charset="0"/>
+            </a:endParaRPr>
+          </a:p>
+          <a:p>
+            <a:pPr algn="just">
+              <a:buFont typeface="Arial" panose="020B0604020202020204" pitchFamily="34" charset="0"/>
+              <a:buChar char="•"/>
+            </a:pPr>
+            <a:r>
+              <a:rPr lang="en-US" b="1" i="0" dirty="0">
+                <a:solidFill>
+                  <a:srgbClr val="2B2A29"/>
+                </a:solidFill>
+                <a:effectLst/>
+                <a:latin typeface="montserrat" panose="00000500000000000000" pitchFamily="2" charset="0"/>
+              </a:rPr>
+              <a:t>Ordinal:</a:t>
             </a:r>
             <a:r>
               <a:rPr lang="en-US" b="0" i="0" dirty="0">
                 <a:solidFill>
-                  <a:srgbClr val="273239"/>
-                </a:solidFill>
-                <a:effectLst/>
-                <a:latin typeface="Nunito" pitchFamily="2" charset="0"/>
-              </a:rPr>
-              <a:t>lambda is hyper parameter )</a:t>
+                  <a:srgbClr val="2B2A29"/>
+                </a:solidFill>
+                <a:effectLst/>
+                <a:latin typeface="montserrat" panose="00000500000000000000" pitchFamily="2" charset="0"/>
+              </a:rPr>
+              <a:t> In ordinal Logistic regression, there can be 3 or more possible ordered types of dependent variables, such as "low", "Medium", or "High".</a:t>
             </a:r>
             <a:endParaRPr lang="en-US" b="0" i="0" dirty="0">
               <a:solidFill>
-                <a:srgbClr val="273239"/>
+                <a:srgbClr val="2B2A29"/>
               </a:solidFill>
               <a:effectLst/>
-              <a:latin typeface="Nunito" pitchFamily="2" charset="0"/>
+              <a:latin typeface="montserrat" panose="00000500000000000000" pitchFamily="2" charset="0"/>
+            </a:endParaRPr>
+          </a:p>
+          <a:p>
+            <a:br>
+              <a:rPr lang="en-US" dirty="0"/>
+            </a:br>
+            <a:endParaRPr lang="en-IN" dirty="0"/>
+          </a:p>
+        </p:txBody>
+      </p:sp>
+      <p:sp>
+        <p:nvSpPr>
+          <p:cNvPr id="5" name="TextBox 4"/>
+          <p:cNvSpPr txBox="1"/>
+          <p:nvPr/>
+        </p:nvSpPr>
+        <p:spPr>
+          <a:xfrm>
+            <a:off x="784306" y="4098518"/>
+            <a:ext cx="8351355" cy="1751965"/>
+          </a:xfrm>
+          <a:prstGeom prst="rect">
+            <a:avLst/>
+          </a:prstGeom>
+          <a:noFill/>
+        </p:spPr>
+        <p:txBody>
+          <a:bodyPr wrap="square">
+            <a:spAutoFit/>
+          </a:bodyPr>
+          <a:lstStyle/>
+          <a:p>
+            <a:pPr algn="l">
+              <a:lnSpc>
+                <a:spcPct val="120000"/>
+              </a:lnSpc>
+            </a:pPr>
+            <a:r>
+              <a:rPr lang="en-IN" b="0" i="0" dirty="0">
+                <a:solidFill>
+                  <a:srgbClr val="2B2A29"/>
+                </a:solidFill>
+                <a:effectLst/>
+                <a:latin typeface="Arial" panose="020B0604020202020204" pitchFamily="34" charset="0"/>
+                <a:cs typeface="Arial" panose="020B0604020202020204" pitchFamily="34" charset="0"/>
+              </a:rPr>
+              <a:t>#Fitting Logistic Regression to the training set  </a:t>
+            </a:r>
+            <a:endParaRPr lang="en-IN" b="0" i="0" dirty="0">
+              <a:solidFill>
+                <a:srgbClr val="2B2A29"/>
+              </a:solidFill>
+              <a:effectLst/>
+              <a:latin typeface="Arial" panose="020B0604020202020204" pitchFamily="34" charset="0"/>
+              <a:cs typeface="Arial" panose="020B0604020202020204" pitchFamily="34" charset="0"/>
+            </a:endParaRPr>
+          </a:p>
+          <a:p>
+            <a:pPr algn="l">
+              <a:lnSpc>
+                <a:spcPct val="120000"/>
+              </a:lnSpc>
+            </a:pPr>
+            <a:endParaRPr lang="en-IN" b="0" i="0" dirty="0">
+              <a:solidFill>
+                <a:srgbClr val="2B2A29"/>
+              </a:solidFill>
+              <a:effectLst/>
+              <a:latin typeface="Arial" panose="020B0604020202020204" pitchFamily="34" charset="0"/>
+              <a:cs typeface="Arial" panose="020B0604020202020204" pitchFamily="34" charset="0"/>
+            </a:endParaRPr>
+          </a:p>
+          <a:p>
+            <a:pPr algn="l">
+              <a:lnSpc>
+                <a:spcPct val="120000"/>
+              </a:lnSpc>
+            </a:pPr>
+            <a:r>
+              <a:rPr lang="en-IN" b="0" i="0" dirty="0">
+                <a:solidFill>
+                  <a:srgbClr val="2B2A29"/>
+                </a:solidFill>
+                <a:effectLst/>
+                <a:latin typeface="Arial" panose="020B0604020202020204" pitchFamily="34" charset="0"/>
+                <a:cs typeface="Arial" panose="020B0604020202020204" pitchFamily="34" charset="0"/>
+              </a:rPr>
+              <a:t>from </a:t>
+            </a:r>
+            <a:r>
+              <a:rPr lang="en-IN" b="0" i="0" dirty="0" err="1">
+                <a:solidFill>
+                  <a:srgbClr val="2B2A29"/>
+                </a:solidFill>
+                <a:effectLst/>
+                <a:latin typeface="Arial" panose="020B0604020202020204" pitchFamily="34" charset="0"/>
+                <a:cs typeface="Arial" panose="020B0604020202020204" pitchFamily="34" charset="0"/>
+              </a:rPr>
+              <a:t>sklearn.linear_model</a:t>
+            </a:r>
+            <a:r>
+              <a:rPr lang="en-IN" b="0" i="0" dirty="0">
+                <a:solidFill>
+                  <a:srgbClr val="2B2A29"/>
+                </a:solidFill>
+                <a:effectLst/>
+                <a:latin typeface="Arial" panose="020B0604020202020204" pitchFamily="34" charset="0"/>
+                <a:cs typeface="Arial" panose="020B0604020202020204" pitchFamily="34" charset="0"/>
+              </a:rPr>
+              <a:t> </a:t>
+            </a:r>
+            <a:r>
+              <a:rPr lang="en-IN" b="1" i="0" dirty="0">
+                <a:solidFill>
+                  <a:srgbClr val="006699"/>
+                </a:solidFill>
+                <a:effectLst/>
+                <a:latin typeface="Arial" panose="020B0604020202020204" pitchFamily="34" charset="0"/>
+                <a:cs typeface="Arial" panose="020B0604020202020204" pitchFamily="34" charset="0"/>
+              </a:rPr>
+              <a:t>import</a:t>
+            </a:r>
+            <a:r>
+              <a:rPr lang="en-IN" b="0" i="0" dirty="0">
+                <a:solidFill>
+                  <a:srgbClr val="2B2A29"/>
+                </a:solidFill>
+                <a:effectLst/>
+                <a:latin typeface="Arial" panose="020B0604020202020204" pitchFamily="34" charset="0"/>
+                <a:cs typeface="Arial" panose="020B0604020202020204" pitchFamily="34" charset="0"/>
+              </a:rPr>
+              <a:t> </a:t>
+            </a:r>
+            <a:r>
+              <a:rPr lang="en-IN" b="0" i="0" dirty="0" err="1">
+                <a:solidFill>
+                  <a:srgbClr val="2B2A29"/>
+                </a:solidFill>
+                <a:effectLst/>
+                <a:latin typeface="Arial" panose="020B0604020202020204" pitchFamily="34" charset="0"/>
+                <a:cs typeface="Arial" panose="020B0604020202020204" pitchFamily="34" charset="0"/>
+              </a:rPr>
+              <a:t>LogisticRegression</a:t>
+            </a:r>
+            <a:r>
+              <a:rPr lang="en-IN" b="0" i="0" dirty="0">
+                <a:solidFill>
+                  <a:srgbClr val="2B2A29"/>
+                </a:solidFill>
+                <a:effectLst/>
+                <a:latin typeface="Arial" panose="020B0604020202020204" pitchFamily="34" charset="0"/>
+                <a:cs typeface="Arial" panose="020B0604020202020204" pitchFamily="34" charset="0"/>
+              </a:rPr>
+              <a:t>  </a:t>
+            </a:r>
+            <a:endParaRPr lang="en-IN" b="0" i="0" dirty="0">
+              <a:solidFill>
+                <a:srgbClr val="2B2A29"/>
+              </a:solidFill>
+              <a:effectLst/>
+              <a:latin typeface="Arial" panose="020B0604020202020204" pitchFamily="34" charset="0"/>
+              <a:cs typeface="Arial" panose="020B0604020202020204" pitchFamily="34" charset="0"/>
+            </a:endParaRPr>
+          </a:p>
+          <a:p>
+            <a:pPr algn="l">
+              <a:lnSpc>
+                <a:spcPct val="120000"/>
+              </a:lnSpc>
+            </a:pPr>
+            <a:r>
+              <a:rPr lang="en-IN" b="0" i="0" dirty="0">
+                <a:solidFill>
+                  <a:srgbClr val="2B2A29"/>
+                </a:solidFill>
+                <a:effectLst/>
+                <a:latin typeface="Arial" panose="020B0604020202020204" pitchFamily="34" charset="0"/>
+                <a:cs typeface="Arial" panose="020B0604020202020204" pitchFamily="34" charset="0"/>
+              </a:rPr>
+              <a:t>classifier= </a:t>
+            </a:r>
+            <a:r>
+              <a:rPr lang="en-IN" b="0" i="0" dirty="0" err="1">
+                <a:solidFill>
+                  <a:srgbClr val="2B2A29"/>
+                </a:solidFill>
+                <a:effectLst/>
+                <a:latin typeface="Arial" panose="020B0604020202020204" pitchFamily="34" charset="0"/>
+                <a:cs typeface="Arial" panose="020B0604020202020204" pitchFamily="34" charset="0"/>
+              </a:rPr>
+              <a:t>LogisticRegression</a:t>
+            </a:r>
+            <a:r>
+              <a:rPr lang="en-IN" b="0" i="0" dirty="0">
+                <a:solidFill>
+                  <a:srgbClr val="2B2A29"/>
+                </a:solidFill>
+                <a:effectLst/>
+                <a:latin typeface="Arial" panose="020B0604020202020204" pitchFamily="34" charset="0"/>
+                <a:cs typeface="Arial" panose="020B0604020202020204" pitchFamily="34" charset="0"/>
+              </a:rPr>
+              <a:t>(</a:t>
+            </a:r>
+            <a:r>
+              <a:rPr lang="en-IN" b="0" i="0" dirty="0" err="1">
+                <a:solidFill>
+                  <a:srgbClr val="2B2A29"/>
+                </a:solidFill>
+                <a:effectLst/>
+                <a:latin typeface="Arial" panose="020B0604020202020204" pitchFamily="34" charset="0"/>
+                <a:cs typeface="Arial" panose="020B0604020202020204" pitchFamily="34" charset="0"/>
+              </a:rPr>
+              <a:t>random_state</a:t>
+            </a:r>
+            <a:r>
+              <a:rPr lang="en-IN" b="0" i="0" dirty="0">
+                <a:solidFill>
+                  <a:srgbClr val="2B2A29"/>
+                </a:solidFill>
+                <a:effectLst/>
+                <a:latin typeface="Arial" panose="020B0604020202020204" pitchFamily="34" charset="0"/>
+                <a:cs typeface="Arial" panose="020B0604020202020204" pitchFamily="34" charset="0"/>
+              </a:rPr>
+              <a:t>=</a:t>
+            </a:r>
+            <a:r>
+              <a:rPr lang="en-IN" b="0" i="0" dirty="0">
+                <a:solidFill>
+                  <a:srgbClr val="C00000"/>
+                </a:solidFill>
+                <a:effectLst/>
+                <a:latin typeface="Arial" panose="020B0604020202020204" pitchFamily="34" charset="0"/>
+                <a:cs typeface="Arial" panose="020B0604020202020204" pitchFamily="34" charset="0"/>
+              </a:rPr>
+              <a:t>0</a:t>
+            </a:r>
+            <a:r>
+              <a:rPr lang="en-IN" b="0" i="0" dirty="0">
+                <a:solidFill>
+                  <a:srgbClr val="2B2A29"/>
+                </a:solidFill>
+                <a:effectLst/>
+                <a:latin typeface="Arial" panose="020B0604020202020204" pitchFamily="34" charset="0"/>
+                <a:cs typeface="Arial" panose="020B0604020202020204" pitchFamily="34" charset="0"/>
+              </a:rPr>
+              <a:t>)  </a:t>
+            </a:r>
+            <a:endParaRPr lang="en-IN" b="0" i="0" dirty="0">
+              <a:solidFill>
+                <a:srgbClr val="2B2A29"/>
+              </a:solidFill>
+              <a:effectLst/>
+              <a:latin typeface="Arial" panose="020B0604020202020204" pitchFamily="34" charset="0"/>
+              <a:cs typeface="Arial" panose="020B0604020202020204" pitchFamily="34" charset="0"/>
+            </a:endParaRPr>
+          </a:p>
+          <a:p>
+            <a:pPr algn="l">
+              <a:lnSpc>
+                <a:spcPct val="120000"/>
+              </a:lnSpc>
+            </a:pPr>
+            <a:r>
+              <a:rPr lang="en-IN" b="0" i="0" dirty="0" err="1">
+                <a:solidFill>
+                  <a:srgbClr val="2B2A29"/>
+                </a:solidFill>
+                <a:effectLst/>
+                <a:latin typeface="Arial" panose="020B0604020202020204" pitchFamily="34" charset="0"/>
+                <a:cs typeface="Arial" panose="020B0604020202020204" pitchFamily="34" charset="0"/>
+              </a:rPr>
+              <a:t>classifier.fit</a:t>
+            </a:r>
+            <a:r>
+              <a:rPr lang="en-IN" b="0" i="0" dirty="0">
+                <a:solidFill>
+                  <a:srgbClr val="2B2A29"/>
+                </a:solidFill>
+                <a:effectLst/>
+                <a:latin typeface="Arial" panose="020B0604020202020204" pitchFamily="34" charset="0"/>
+                <a:cs typeface="Arial" panose="020B0604020202020204" pitchFamily="34" charset="0"/>
+              </a:rPr>
+              <a:t>(</a:t>
+            </a:r>
+            <a:r>
+              <a:rPr lang="en-IN" b="0" i="0" dirty="0" err="1">
+                <a:solidFill>
+                  <a:srgbClr val="2B2A29"/>
+                </a:solidFill>
+                <a:effectLst/>
+                <a:latin typeface="Arial" panose="020B0604020202020204" pitchFamily="34" charset="0"/>
+                <a:cs typeface="Arial" panose="020B0604020202020204" pitchFamily="34" charset="0"/>
+              </a:rPr>
+              <a:t>x_train</a:t>
+            </a:r>
+            <a:r>
+              <a:rPr lang="en-IN" b="0" i="0" dirty="0">
+                <a:solidFill>
+                  <a:srgbClr val="2B2A29"/>
+                </a:solidFill>
+                <a:effectLst/>
+                <a:latin typeface="Arial" panose="020B0604020202020204" pitchFamily="34" charset="0"/>
+                <a:cs typeface="Arial" panose="020B0604020202020204" pitchFamily="34" charset="0"/>
+              </a:rPr>
+              <a:t>, </a:t>
+            </a:r>
+            <a:r>
+              <a:rPr lang="en-IN" b="0" i="0" dirty="0" err="1">
+                <a:solidFill>
+                  <a:srgbClr val="2B2A29"/>
+                </a:solidFill>
+                <a:effectLst/>
+                <a:latin typeface="Arial" panose="020B0604020202020204" pitchFamily="34" charset="0"/>
+                <a:cs typeface="Arial" panose="020B0604020202020204" pitchFamily="34" charset="0"/>
+              </a:rPr>
+              <a:t>y_train</a:t>
+            </a:r>
+            <a:r>
+              <a:rPr lang="en-IN" b="0" i="0" dirty="0">
+                <a:solidFill>
+                  <a:srgbClr val="2B2A29"/>
+                </a:solidFill>
+                <a:effectLst/>
+                <a:latin typeface="Arial" panose="020B0604020202020204" pitchFamily="34" charset="0"/>
+                <a:cs typeface="Arial" panose="020B0604020202020204" pitchFamily="34" charset="0"/>
+              </a:rPr>
+              <a:t>)  </a:t>
+            </a:r>
+            <a:endParaRPr lang="en-IN" b="0" i="0" dirty="0">
+              <a:solidFill>
+                <a:srgbClr val="2B2A29"/>
+              </a:solidFill>
+              <a:effectLst/>
+              <a:latin typeface="Arial" panose="020B0604020202020204" pitchFamily="34" charset="0"/>
+              <a:cs typeface="Arial" panose="020B0604020202020204" pitchFamily="34" charset="0"/>
             </a:endParaRPr>
           </a:p>
         </p:txBody>
